--- a/Documents/C# Advanced.pptx
+++ b/Documents/C# Advanced.pptx
@@ -207,7 +207,7 @@
           <a:p>
             <a:fld id="{CE2867BE-043E-4A1F-8DDF-DF34727D11CB}" type="datetimeFigureOut">
               <a:rPr lang="en-IN" smtClean="0"/>
-              <a:t>01-05-2025</a:t>
+              <a:t>06-05-2025</a:t>
             </a:fld>
             <a:endParaRPr lang="en-IN"/>
           </a:p>
@@ -1356,7 +1356,7 @@
           <a:p>
             <a:fld id="{1841FDC3-18D3-4BD2-A3DE-6F15FAB08898}" type="datetimeFigureOut">
               <a:rPr lang="en-IN" smtClean="0"/>
-              <a:t>01-05-2025</a:t>
+              <a:t>06-05-2025</a:t>
             </a:fld>
             <a:endParaRPr lang="en-IN"/>
           </a:p>
@@ -1556,7 +1556,7 @@
           <a:p>
             <a:fld id="{1841FDC3-18D3-4BD2-A3DE-6F15FAB08898}" type="datetimeFigureOut">
               <a:rPr lang="en-IN" smtClean="0"/>
-              <a:t>01-05-2025</a:t>
+              <a:t>06-05-2025</a:t>
             </a:fld>
             <a:endParaRPr lang="en-IN"/>
           </a:p>
@@ -1766,7 +1766,7 @@
           <a:p>
             <a:fld id="{1841FDC3-18D3-4BD2-A3DE-6F15FAB08898}" type="datetimeFigureOut">
               <a:rPr lang="en-IN" smtClean="0"/>
-              <a:t>01-05-2025</a:t>
+              <a:t>06-05-2025</a:t>
             </a:fld>
             <a:endParaRPr lang="en-IN"/>
           </a:p>
@@ -1966,7 +1966,7 @@
           <a:p>
             <a:fld id="{1841FDC3-18D3-4BD2-A3DE-6F15FAB08898}" type="datetimeFigureOut">
               <a:rPr lang="en-IN" smtClean="0"/>
-              <a:t>01-05-2025</a:t>
+              <a:t>06-05-2025</a:t>
             </a:fld>
             <a:endParaRPr lang="en-IN"/>
           </a:p>
@@ -2242,7 +2242,7 @@
           <a:p>
             <a:fld id="{1841FDC3-18D3-4BD2-A3DE-6F15FAB08898}" type="datetimeFigureOut">
               <a:rPr lang="en-IN" smtClean="0"/>
-              <a:t>01-05-2025</a:t>
+              <a:t>06-05-2025</a:t>
             </a:fld>
             <a:endParaRPr lang="en-IN"/>
           </a:p>
@@ -2510,7 +2510,7 @@
           <a:p>
             <a:fld id="{1841FDC3-18D3-4BD2-A3DE-6F15FAB08898}" type="datetimeFigureOut">
               <a:rPr lang="en-IN" smtClean="0"/>
-              <a:t>01-05-2025</a:t>
+              <a:t>06-05-2025</a:t>
             </a:fld>
             <a:endParaRPr lang="en-IN"/>
           </a:p>
@@ -2925,7 +2925,7 @@
           <a:p>
             <a:fld id="{1841FDC3-18D3-4BD2-A3DE-6F15FAB08898}" type="datetimeFigureOut">
               <a:rPr lang="en-IN" smtClean="0"/>
-              <a:t>01-05-2025</a:t>
+              <a:t>06-05-2025</a:t>
             </a:fld>
             <a:endParaRPr lang="en-IN"/>
           </a:p>
@@ -3067,7 +3067,7 @@
           <a:p>
             <a:fld id="{1841FDC3-18D3-4BD2-A3DE-6F15FAB08898}" type="datetimeFigureOut">
               <a:rPr lang="en-IN" smtClean="0"/>
-              <a:t>01-05-2025</a:t>
+              <a:t>06-05-2025</a:t>
             </a:fld>
             <a:endParaRPr lang="en-IN"/>
           </a:p>
@@ -3180,7 +3180,7 @@
           <a:p>
             <a:fld id="{1841FDC3-18D3-4BD2-A3DE-6F15FAB08898}" type="datetimeFigureOut">
               <a:rPr lang="en-IN" smtClean="0"/>
-              <a:t>01-05-2025</a:t>
+              <a:t>06-05-2025</a:t>
             </a:fld>
             <a:endParaRPr lang="en-IN"/>
           </a:p>
@@ -3493,7 +3493,7 @@
           <a:p>
             <a:fld id="{1841FDC3-18D3-4BD2-A3DE-6F15FAB08898}" type="datetimeFigureOut">
               <a:rPr lang="en-IN" smtClean="0"/>
-              <a:t>01-05-2025</a:t>
+              <a:t>06-05-2025</a:t>
             </a:fld>
             <a:endParaRPr lang="en-IN"/>
           </a:p>
@@ -3782,7 +3782,7 @@
           <a:p>
             <a:fld id="{1841FDC3-18D3-4BD2-A3DE-6F15FAB08898}" type="datetimeFigureOut">
               <a:rPr lang="en-IN" smtClean="0"/>
-              <a:t>01-05-2025</a:t>
+              <a:t>06-05-2025</a:t>
             </a:fld>
             <a:endParaRPr lang="en-IN"/>
           </a:p>
@@ -4025,7 +4025,7 @@
           <a:p>
             <a:fld id="{1841FDC3-18D3-4BD2-A3DE-6F15FAB08898}" type="datetimeFigureOut">
               <a:rPr lang="en-IN" smtClean="0"/>
-              <a:t>01-05-2025</a:t>
+              <a:t>06-05-2025</a:t>
             </a:fld>
             <a:endParaRPr lang="en-IN"/>
           </a:p>
@@ -4458,7 +4458,12 @@
             <p:ph type="ctrTitle"/>
           </p:nvPr>
         </p:nvSpPr>
-        <p:spPr/>
+        <p:spPr>
+          <a:xfrm>
+            <a:off x="1524000" y="1157531"/>
+            <a:ext cx="9144000" cy="2387600"/>
+          </a:xfrm>
+        </p:spPr>
         <p:txBody>
           <a:bodyPr/>
           <a:lstStyle/>

--- a/Documents/C# Advanced.pptx
+++ b/Documents/C# Advanced.pptx
@@ -5,7 +5,7 @@
     <p:sldMasterId id="2147483648" r:id="rId1"/>
   </p:sldMasterIdLst>
   <p:notesMasterIdLst>
-    <p:notesMasterId r:id="rId13"/>
+    <p:notesMasterId r:id="rId27"/>
   </p:notesMasterIdLst>
   <p:sldIdLst>
     <p:sldId id="256" r:id="rId2"/>
@@ -19,6 +19,20 @@
     <p:sldId id="274" r:id="rId10"/>
     <p:sldId id="275" r:id="rId11"/>
     <p:sldId id="270" r:id="rId12"/>
+    <p:sldId id="276" r:id="rId13"/>
+    <p:sldId id="277" r:id="rId14"/>
+    <p:sldId id="279" r:id="rId15"/>
+    <p:sldId id="280" r:id="rId16"/>
+    <p:sldId id="278" r:id="rId17"/>
+    <p:sldId id="282" r:id="rId18"/>
+    <p:sldId id="283" r:id="rId19"/>
+    <p:sldId id="281" r:id="rId20"/>
+    <p:sldId id="284" r:id="rId21"/>
+    <p:sldId id="285" r:id="rId22"/>
+    <p:sldId id="286" r:id="rId23"/>
+    <p:sldId id="287" r:id="rId24"/>
+    <p:sldId id="288" r:id="rId25"/>
+    <p:sldId id="289" r:id="rId26"/>
   </p:sldIdLst>
   <p:sldSz cx="12192000" cy="6858000"/>
   <p:notesSz cx="6858000" cy="9144000"/>
@@ -207,7 +221,7 @@
           <a:p>
             <a:fld id="{CE2867BE-043E-4A1F-8DDF-DF34727D11CB}" type="datetimeFigureOut">
               <a:rPr lang="en-IN" smtClean="0"/>
-              <a:t>06-05-2025</a:t>
+              <a:t>08-05-2025</a:t>
             </a:fld>
             <a:endParaRPr lang="en-IN"/>
           </a:p>
@@ -559,6 +573,222 @@
 </p:notes>
 </file>
 
+<file path=ppt/notesSlides/notesSlide10.xml><?xml version="1.0" encoding="utf-8"?>
+<p:notes xmlns:a="http://schemas.openxmlformats.org/drawingml/2006/main" xmlns:r="http://schemas.openxmlformats.org/officeDocument/2006/relationships" xmlns:p="http://schemas.openxmlformats.org/presentationml/2006/main">
+  <p:cSld>
+    <p:spTree>
+      <p:nvGrpSpPr>
+        <p:cNvPr id="1" name="">
+          <a:extLst>
+            <a:ext uri="{FF2B5EF4-FFF2-40B4-BE49-F238E27FC236}">
+              <a16:creationId xmlns:a16="http://schemas.microsoft.com/office/drawing/2014/main" id="{E9B245A2-7CB6-F848-947C-F6E21F2171E9}"/>
+            </a:ext>
+          </a:extLst>
+        </p:cNvPr>
+        <p:cNvGrpSpPr/>
+        <p:nvPr/>
+      </p:nvGrpSpPr>
+      <p:grpSpPr>
+        <a:xfrm>
+          <a:off x="0" y="0"/>
+          <a:ext cx="0" cy="0"/>
+          <a:chOff x="0" y="0"/>
+          <a:chExt cx="0" cy="0"/>
+        </a:xfrm>
+      </p:grpSpPr>
+      <p:sp>
+        <p:nvSpPr>
+          <p:cNvPr id="2" name="Slide Image Placeholder 1">
+            <a:extLst>
+              <a:ext uri="{FF2B5EF4-FFF2-40B4-BE49-F238E27FC236}">
+                <a16:creationId xmlns:a16="http://schemas.microsoft.com/office/drawing/2014/main" id="{41C9C116-A7E1-4D1F-351D-6D6583E37D02}"/>
+              </a:ext>
+            </a:extLst>
+          </p:cNvPr>
+          <p:cNvSpPr>
+            <a:spLocks noGrp="1" noRot="1" noChangeAspect="1"/>
+          </p:cNvSpPr>
+          <p:nvPr>
+            <p:ph type="sldImg"/>
+          </p:nvPr>
+        </p:nvSpPr>
+        <p:spPr/>
+      </p:sp>
+      <p:sp>
+        <p:nvSpPr>
+          <p:cNvPr id="3" name="Notes Placeholder 2">
+            <a:extLst>
+              <a:ext uri="{FF2B5EF4-FFF2-40B4-BE49-F238E27FC236}">
+                <a16:creationId xmlns:a16="http://schemas.microsoft.com/office/drawing/2014/main" id="{BFD81955-A30C-787D-A83D-8614DEE5FD54}"/>
+              </a:ext>
+            </a:extLst>
+          </p:cNvPr>
+          <p:cNvSpPr>
+            <a:spLocks noGrp="1"/>
+          </p:cNvSpPr>
+          <p:nvPr>
+            <p:ph type="body" idx="1"/>
+          </p:nvPr>
+        </p:nvSpPr>
+        <p:spPr/>
+        <p:txBody>
+          <a:bodyPr/>
+          <a:lstStyle/>
+          <a:p>
+            <a:endParaRPr lang="en-IN" dirty="0"/>
+          </a:p>
+        </p:txBody>
+      </p:sp>
+      <p:sp>
+        <p:nvSpPr>
+          <p:cNvPr id="4" name="Slide Number Placeholder 3">
+            <a:extLst>
+              <a:ext uri="{FF2B5EF4-FFF2-40B4-BE49-F238E27FC236}">
+                <a16:creationId xmlns:a16="http://schemas.microsoft.com/office/drawing/2014/main" id="{DE256A83-3D9F-3B11-99B3-F81A1FD26EAE}"/>
+              </a:ext>
+            </a:extLst>
+          </p:cNvPr>
+          <p:cNvSpPr>
+            <a:spLocks noGrp="1"/>
+          </p:cNvSpPr>
+          <p:nvPr>
+            <p:ph type="sldNum" sz="quarter" idx="5"/>
+          </p:nvPr>
+        </p:nvSpPr>
+        <p:spPr/>
+        <p:txBody>
+          <a:bodyPr/>
+          <a:lstStyle/>
+          <a:p>
+            <a:fld id="{3F2904EB-99AB-4281-A6F5-EB79BF2C17A0}" type="slidenum">
+              <a:rPr lang="en-IN" smtClean="0"/>
+              <a:t>14</a:t>
+            </a:fld>
+            <a:endParaRPr lang="en-IN"/>
+          </a:p>
+        </p:txBody>
+      </p:sp>
+    </p:spTree>
+    <p:extLst>
+      <p:ext uri="{BB962C8B-B14F-4D97-AF65-F5344CB8AC3E}">
+        <p14:creationId xmlns:p14="http://schemas.microsoft.com/office/powerpoint/2010/main" val="4011718003"/>
+      </p:ext>
+    </p:extLst>
+  </p:cSld>
+  <p:clrMapOvr>
+    <a:masterClrMapping/>
+  </p:clrMapOvr>
+</p:notes>
+</file>
+
+<file path=ppt/notesSlides/notesSlide11.xml><?xml version="1.0" encoding="utf-8"?>
+<p:notes xmlns:a="http://schemas.openxmlformats.org/drawingml/2006/main" xmlns:r="http://schemas.openxmlformats.org/officeDocument/2006/relationships" xmlns:p="http://schemas.openxmlformats.org/presentationml/2006/main">
+  <p:cSld>
+    <p:spTree>
+      <p:nvGrpSpPr>
+        <p:cNvPr id="1" name="">
+          <a:extLst>
+            <a:ext uri="{FF2B5EF4-FFF2-40B4-BE49-F238E27FC236}">
+              <a16:creationId xmlns:a16="http://schemas.microsoft.com/office/drawing/2014/main" id="{3200BA89-15A4-ACB9-E91A-5A588B8DB1EA}"/>
+            </a:ext>
+          </a:extLst>
+        </p:cNvPr>
+        <p:cNvGrpSpPr/>
+        <p:nvPr/>
+      </p:nvGrpSpPr>
+      <p:grpSpPr>
+        <a:xfrm>
+          <a:off x="0" y="0"/>
+          <a:ext cx="0" cy="0"/>
+          <a:chOff x="0" y="0"/>
+          <a:chExt cx="0" cy="0"/>
+        </a:xfrm>
+      </p:grpSpPr>
+      <p:sp>
+        <p:nvSpPr>
+          <p:cNvPr id="2" name="Slide Image Placeholder 1">
+            <a:extLst>
+              <a:ext uri="{FF2B5EF4-FFF2-40B4-BE49-F238E27FC236}">
+                <a16:creationId xmlns:a16="http://schemas.microsoft.com/office/drawing/2014/main" id="{2FEEAED9-74E2-4232-6C18-DB5551C97E27}"/>
+              </a:ext>
+            </a:extLst>
+          </p:cNvPr>
+          <p:cNvSpPr>
+            <a:spLocks noGrp="1" noRot="1" noChangeAspect="1"/>
+          </p:cNvSpPr>
+          <p:nvPr>
+            <p:ph type="sldImg"/>
+          </p:nvPr>
+        </p:nvSpPr>
+        <p:spPr/>
+      </p:sp>
+      <p:sp>
+        <p:nvSpPr>
+          <p:cNvPr id="3" name="Notes Placeholder 2">
+            <a:extLst>
+              <a:ext uri="{FF2B5EF4-FFF2-40B4-BE49-F238E27FC236}">
+                <a16:creationId xmlns:a16="http://schemas.microsoft.com/office/drawing/2014/main" id="{DE1D014B-D830-5B31-7B0C-F73C01E24A39}"/>
+              </a:ext>
+            </a:extLst>
+          </p:cNvPr>
+          <p:cNvSpPr>
+            <a:spLocks noGrp="1"/>
+          </p:cNvSpPr>
+          <p:nvPr>
+            <p:ph type="body" idx="1"/>
+          </p:nvPr>
+        </p:nvSpPr>
+        <p:spPr/>
+        <p:txBody>
+          <a:bodyPr/>
+          <a:lstStyle/>
+          <a:p>
+            <a:endParaRPr lang="en-IN" dirty="0"/>
+          </a:p>
+        </p:txBody>
+      </p:sp>
+      <p:sp>
+        <p:nvSpPr>
+          <p:cNvPr id="4" name="Slide Number Placeholder 3">
+            <a:extLst>
+              <a:ext uri="{FF2B5EF4-FFF2-40B4-BE49-F238E27FC236}">
+                <a16:creationId xmlns:a16="http://schemas.microsoft.com/office/drawing/2014/main" id="{8CA0A821-A9B9-6EBD-CC2F-D121E375A16C}"/>
+              </a:ext>
+            </a:extLst>
+          </p:cNvPr>
+          <p:cNvSpPr>
+            <a:spLocks noGrp="1"/>
+          </p:cNvSpPr>
+          <p:nvPr>
+            <p:ph type="sldNum" sz="quarter" idx="5"/>
+          </p:nvPr>
+        </p:nvSpPr>
+        <p:spPr/>
+        <p:txBody>
+          <a:bodyPr/>
+          <a:lstStyle/>
+          <a:p>
+            <a:fld id="{3F2904EB-99AB-4281-A6F5-EB79BF2C17A0}" type="slidenum">
+              <a:rPr lang="en-IN" smtClean="0"/>
+              <a:t>15</a:t>
+            </a:fld>
+            <a:endParaRPr lang="en-IN"/>
+          </a:p>
+        </p:txBody>
+      </p:sp>
+    </p:spTree>
+    <p:extLst>
+      <p:ext uri="{BB962C8B-B14F-4D97-AF65-F5344CB8AC3E}">
+        <p14:creationId xmlns:p14="http://schemas.microsoft.com/office/powerpoint/2010/main" val="1384686383"/>
+      </p:ext>
+    </p:extLst>
+  </p:cSld>
+  <p:clrMapOvr>
+    <a:masterClrMapping/>
+  </p:clrMapOvr>
+</p:notes>
+</file>
+
 <file path=ppt/notesSlides/notesSlide2.xml><?xml version="1.0" encoding="utf-8"?>
 <p:notes xmlns:a="http://schemas.openxmlformats.org/drawingml/2006/main" xmlns:r="http://schemas.openxmlformats.org/officeDocument/2006/relationships" xmlns:p="http://schemas.openxmlformats.org/presentationml/2006/main">
   <p:cSld>
@@ -1207,6 +1437,222 @@
 </p:notes>
 </file>
 
+<file path=ppt/notesSlides/notesSlide8.xml><?xml version="1.0" encoding="utf-8"?>
+<p:notes xmlns:a="http://schemas.openxmlformats.org/drawingml/2006/main" xmlns:r="http://schemas.openxmlformats.org/officeDocument/2006/relationships" xmlns:p="http://schemas.openxmlformats.org/presentationml/2006/main">
+  <p:cSld>
+    <p:spTree>
+      <p:nvGrpSpPr>
+        <p:cNvPr id="1" name="">
+          <a:extLst>
+            <a:ext uri="{FF2B5EF4-FFF2-40B4-BE49-F238E27FC236}">
+              <a16:creationId xmlns:a16="http://schemas.microsoft.com/office/drawing/2014/main" id="{0E7B4E23-A384-A50F-9986-EE88579FD004}"/>
+            </a:ext>
+          </a:extLst>
+        </p:cNvPr>
+        <p:cNvGrpSpPr/>
+        <p:nvPr/>
+      </p:nvGrpSpPr>
+      <p:grpSpPr>
+        <a:xfrm>
+          <a:off x="0" y="0"/>
+          <a:ext cx="0" cy="0"/>
+          <a:chOff x="0" y="0"/>
+          <a:chExt cx="0" cy="0"/>
+        </a:xfrm>
+      </p:grpSpPr>
+      <p:sp>
+        <p:nvSpPr>
+          <p:cNvPr id="2" name="Slide Image Placeholder 1">
+            <a:extLst>
+              <a:ext uri="{FF2B5EF4-FFF2-40B4-BE49-F238E27FC236}">
+                <a16:creationId xmlns:a16="http://schemas.microsoft.com/office/drawing/2014/main" id="{8D4CA154-B326-4159-05F2-8962E8F89ABF}"/>
+              </a:ext>
+            </a:extLst>
+          </p:cNvPr>
+          <p:cNvSpPr>
+            <a:spLocks noGrp="1" noRot="1" noChangeAspect="1"/>
+          </p:cNvSpPr>
+          <p:nvPr>
+            <p:ph type="sldImg"/>
+          </p:nvPr>
+        </p:nvSpPr>
+        <p:spPr/>
+      </p:sp>
+      <p:sp>
+        <p:nvSpPr>
+          <p:cNvPr id="3" name="Notes Placeholder 2">
+            <a:extLst>
+              <a:ext uri="{FF2B5EF4-FFF2-40B4-BE49-F238E27FC236}">
+                <a16:creationId xmlns:a16="http://schemas.microsoft.com/office/drawing/2014/main" id="{9E824175-E773-A5A3-C7DD-BF576A725981}"/>
+              </a:ext>
+            </a:extLst>
+          </p:cNvPr>
+          <p:cNvSpPr>
+            <a:spLocks noGrp="1"/>
+          </p:cNvSpPr>
+          <p:nvPr>
+            <p:ph type="body" idx="1"/>
+          </p:nvPr>
+        </p:nvSpPr>
+        <p:spPr/>
+        <p:txBody>
+          <a:bodyPr/>
+          <a:lstStyle/>
+          <a:p>
+            <a:endParaRPr lang="en-IN" dirty="0"/>
+          </a:p>
+        </p:txBody>
+      </p:sp>
+      <p:sp>
+        <p:nvSpPr>
+          <p:cNvPr id="4" name="Slide Number Placeholder 3">
+            <a:extLst>
+              <a:ext uri="{FF2B5EF4-FFF2-40B4-BE49-F238E27FC236}">
+                <a16:creationId xmlns:a16="http://schemas.microsoft.com/office/drawing/2014/main" id="{6D9D71B5-DC65-EEC1-4549-9F7656237937}"/>
+              </a:ext>
+            </a:extLst>
+          </p:cNvPr>
+          <p:cNvSpPr>
+            <a:spLocks noGrp="1"/>
+          </p:cNvSpPr>
+          <p:nvPr>
+            <p:ph type="sldNum" sz="quarter" idx="5"/>
+          </p:nvPr>
+        </p:nvSpPr>
+        <p:spPr/>
+        <p:txBody>
+          <a:bodyPr/>
+          <a:lstStyle/>
+          <a:p>
+            <a:fld id="{3F2904EB-99AB-4281-A6F5-EB79BF2C17A0}" type="slidenum">
+              <a:rPr lang="en-IN" smtClean="0"/>
+              <a:t>12</a:t>
+            </a:fld>
+            <a:endParaRPr lang="en-IN"/>
+          </a:p>
+        </p:txBody>
+      </p:sp>
+    </p:spTree>
+    <p:extLst>
+      <p:ext uri="{BB962C8B-B14F-4D97-AF65-F5344CB8AC3E}">
+        <p14:creationId xmlns:p14="http://schemas.microsoft.com/office/powerpoint/2010/main" val="1078924724"/>
+      </p:ext>
+    </p:extLst>
+  </p:cSld>
+  <p:clrMapOvr>
+    <a:masterClrMapping/>
+  </p:clrMapOvr>
+</p:notes>
+</file>
+
+<file path=ppt/notesSlides/notesSlide9.xml><?xml version="1.0" encoding="utf-8"?>
+<p:notes xmlns:a="http://schemas.openxmlformats.org/drawingml/2006/main" xmlns:r="http://schemas.openxmlformats.org/officeDocument/2006/relationships" xmlns:p="http://schemas.openxmlformats.org/presentationml/2006/main">
+  <p:cSld>
+    <p:spTree>
+      <p:nvGrpSpPr>
+        <p:cNvPr id="1" name="">
+          <a:extLst>
+            <a:ext uri="{FF2B5EF4-FFF2-40B4-BE49-F238E27FC236}">
+              <a16:creationId xmlns:a16="http://schemas.microsoft.com/office/drawing/2014/main" id="{C03883FE-987F-A358-EF15-9479A6947947}"/>
+            </a:ext>
+          </a:extLst>
+        </p:cNvPr>
+        <p:cNvGrpSpPr/>
+        <p:nvPr/>
+      </p:nvGrpSpPr>
+      <p:grpSpPr>
+        <a:xfrm>
+          <a:off x="0" y="0"/>
+          <a:ext cx="0" cy="0"/>
+          <a:chOff x="0" y="0"/>
+          <a:chExt cx="0" cy="0"/>
+        </a:xfrm>
+      </p:grpSpPr>
+      <p:sp>
+        <p:nvSpPr>
+          <p:cNvPr id="2" name="Slide Image Placeholder 1">
+            <a:extLst>
+              <a:ext uri="{FF2B5EF4-FFF2-40B4-BE49-F238E27FC236}">
+                <a16:creationId xmlns:a16="http://schemas.microsoft.com/office/drawing/2014/main" id="{5A091040-6A67-FED5-13D8-722C71FA0AE7}"/>
+              </a:ext>
+            </a:extLst>
+          </p:cNvPr>
+          <p:cNvSpPr>
+            <a:spLocks noGrp="1" noRot="1" noChangeAspect="1"/>
+          </p:cNvSpPr>
+          <p:nvPr>
+            <p:ph type="sldImg"/>
+          </p:nvPr>
+        </p:nvSpPr>
+        <p:spPr/>
+      </p:sp>
+      <p:sp>
+        <p:nvSpPr>
+          <p:cNvPr id="3" name="Notes Placeholder 2">
+            <a:extLst>
+              <a:ext uri="{FF2B5EF4-FFF2-40B4-BE49-F238E27FC236}">
+                <a16:creationId xmlns:a16="http://schemas.microsoft.com/office/drawing/2014/main" id="{69B4DD30-ADE2-CAD2-88E8-77AE35250D98}"/>
+              </a:ext>
+            </a:extLst>
+          </p:cNvPr>
+          <p:cNvSpPr>
+            <a:spLocks noGrp="1"/>
+          </p:cNvSpPr>
+          <p:nvPr>
+            <p:ph type="body" idx="1"/>
+          </p:nvPr>
+        </p:nvSpPr>
+        <p:spPr/>
+        <p:txBody>
+          <a:bodyPr/>
+          <a:lstStyle/>
+          <a:p>
+            <a:endParaRPr lang="en-IN" dirty="0"/>
+          </a:p>
+        </p:txBody>
+      </p:sp>
+      <p:sp>
+        <p:nvSpPr>
+          <p:cNvPr id="4" name="Slide Number Placeholder 3">
+            <a:extLst>
+              <a:ext uri="{FF2B5EF4-FFF2-40B4-BE49-F238E27FC236}">
+                <a16:creationId xmlns:a16="http://schemas.microsoft.com/office/drawing/2014/main" id="{9C791BEF-3E09-995C-9E06-0BFB9014C648}"/>
+              </a:ext>
+            </a:extLst>
+          </p:cNvPr>
+          <p:cNvSpPr>
+            <a:spLocks noGrp="1"/>
+          </p:cNvSpPr>
+          <p:nvPr>
+            <p:ph type="sldNum" sz="quarter" idx="5"/>
+          </p:nvPr>
+        </p:nvSpPr>
+        <p:spPr/>
+        <p:txBody>
+          <a:bodyPr/>
+          <a:lstStyle/>
+          <a:p>
+            <a:fld id="{3F2904EB-99AB-4281-A6F5-EB79BF2C17A0}" type="slidenum">
+              <a:rPr lang="en-IN" smtClean="0"/>
+              <a:t>13</a:t>
+            </a:fld>
+            <a:endParaRPr lang="en-IN"/>
+          </a:p>
+        </p:txBody>
+      </p:sp>
+    </p:spTree>
+    <p:extLst>
+      <p:ext uri="{BB962C8B-B14F-4D97-AF65-F5344CB8AC3E}">
+        <p14:creationId xmlns:p14="http://schemas.microsoft.com/office/powerpoint/2010/main" val="819953556"/>
+      </p:ext>
+    </p:extLst>
+  </p:cSld>
+  <p:clrMapOvr>
+    <a:masterClrMapping/>
+  </p:clrMapOvr>
+</p:notes>
+</file>
+
 <file path=ppt/slideLayouts/slideLayout1.xml><?xml version="1.0" encoding="utf-8"?>
 <p:sldLayout xmlns:a="http://schemas.openxmlformats.org/drawingml/2006/main" xmlns:r="http://schemas.openxmlformats.org/officeDocument/2006/relationships" xmlns:p="http://schemas.openxmlformats.org/presentationml/2006/main" type="title" preserve="1">
   <p:cSld name="Title Slide">
@@ -1356,7 +1802,7 @@
           <a:p>
             <a:fld id="{1841FDC3-18D3-4BD2-A3DE-6F15FAB08898}" type="datetimeFigureOut">
               <a:rPr lang="en-IN" smtClean="0"/>
-              <a:t>06-05-2025</a:t>
+              <a:t>08-05-2025</a:t>
             </a:fld>
             <a:endParaRPr lang="en-IN"/>
           </a:p>
@@ -1556,7 +2002,7 @@
           <a:p>
             <a:fld id="{1841FDC3-18D3-4BD2-A3DE-6F15FAB08898}" type="datetimeFigureOut">
               <a:rPr lang="en-IN" smtClean="0"/>
-              <a:t>06-05-2025</a:t>
+              <a:t>08-05-2025</a:t>
             </a:fld>
             <a:endParaRPr lang="en-IN"/>
           </a:p>
@@ -1766,7 +2212,7 @@
           <a:p>
             <a:fld id="{1841FDC3-18D3-4BD2-A3DE-6F15FAB08898}" type="datetimeFigureOut">
               <a:rPr lang="en-IN" smtClean="0"/>
-              <a:t>06-05-2025</a:t>
+              <a:t>08-05-2025</a:t>
             </a:fld>
             <a:endParaRPr lang="en-IN"/>
           </a:p>
@@ -1966,7 +2412,7 @@
           <a:p>
             <a:fld id="{1841FDC3-18D3-4BD2-A3DE-6F15FAB08898}" type="datetimeFigureOut">
               <a:rPr lang="en-IN" smtClean="0"/>
-              <a:t>06-05-2025</a:t>
+              <a:t>08-05-2025</a:t>
             </a:fld>
             <a:endParaRPr lang="en-IN"/>
           </a:p>
@@ -2242,7 +2688,7 @@
           <a:p>
             <a:fld id="{1841FDC3-18D3-4BD2-A3DE-6F15FAB08898}" type="datetimeFigureOut">
               <a:rPr lang="en-IN" smtClean="0"/>
-              <a:t>06-05-2025</a:t>
+              <a:t>08-05-2025</a:t>
             </a:fld>
             <a:endParaRPr lang="en-IN"/>
           </a:p>
@@ -2510,7 +2956,7 @@
           <a:p>
             <a:fld id="{1841FDC3-18D3-4BD2-A3DE-6F15FAB08898}" type="datetimeFigureOut">
               <a:rPr lang="en-IN" smtClean="0"/>
-              <a:t>06-05-2025</a:t>
+              <a:t>08-05-2025</a:t>
             </a:fld>
             <a:endParaRPr lang="en-IN"/>
           </a:p>
@@ -2925,7 +3371,7 @@
           <a:p>
             <a:fld id="{1841FDC3-18D3-4BD2-A3DE-6F15FAB08898}" type="datetimeFigureOut">
               <a:rPr lang="en-IN" smtClean="0"/>
-              <a:t>06-05-2025</a:t>
+              <a:t>08-05-2025</a:t>
             </a:fld>
             <a:endParaRPr lang="en-IN"/>
           </a:p>
@@ -3067,7 +3513,7 @@
           <a:p>
             <a:fld id="{1841FDC3-18D3-4BD2-A3DE-6F15FAB08898}" type="datetimeFigureOut">
               <a:rPr lang="en-IN" smtClean="0"/>
-              <a:t>06-05-2025</a:t>
+              <a:t>08-05-2025</a:t>
             </a:fld>
             <a:endParaRPr lang="en-IN"/>
           </a:p>
@@ -3180,7 +3626,7 @@
           <a:p>
             <a:fld id="{1841FDC3-18D3-4BD2-A3DE-6F15FAB08898}" type="datetimeFigureOut">
               <a:rPr lang="en-IN" smtClean="0"/>
-              <a:t>06-05-2025</a:t>
+              <a:t>08-05-2025</a:t>
             </a:fld>
             <a:endParaRPr lang="en-IN"/>
           </a:p>
@@ -3493,7 +3939,7 @@
           <a:p>
             <a:fld id="{1841FDC3-18D3-4BD2-A3DE-6F15FAB08898}" type="datetimeFigureOut">
               <a:rPr lang="en-IN" smtClean="0"/>
-              <a:t>06-05-2025</a:t>
+              <a:t>08-05-2025</a:t>
             </a:fld>
             <a:endParaRPr lang="en-IN"/>
           </a:p>
@@ -3782,7 +4228,7 @@
           <a:p>
             <a:fld id="{1841FDC3-18D3-4BD2-A3DE-6F15FAB08898}" type="datetimeFigureOut">
               <a:rPr lang="en-IN" smtClean="0"/>
-              <a:t>06-05-2025</a:t>
+              <a:t>08-05-2025</a:t>
             </a:fld>
             <a:endParaRPr lang="en-IN"/>
           </a:p>
@@ -4025,7 +4471,7 @@
           <a:p>
             <a:fld id="{1841FDC3-18D3-4BD2-A3DE-6F15FAB08898}" type="datetimeFigureOut">
               <a:rPr lang="en-IN" smtClean="0"/>
-              <a:t>06-05-2025</a:t>
+              <a:t>08-05-2025</a:t>
             </a:fld>
             <a:endParaRPr lang="en-IN"/>
           </a:p>
@@ -5036,6 +5482,4402 @@
 </p:sld>
 </file>
 
+<file path=ppt/slides/slide12.xml><?xml version="1.0" encoding="utf-8"?>
+<p:sld xmlns:a="http://schemas.openxmlformats.org/drawingml/2006/main" xmlns:r="http://schemas.openxmlformats.org/officeDocument/2006/relationships" xmlns:p="http://schemas.openxmlformats.org/presentationml/2006/main">
+  <p:cSld>
+    <p:spTree>
+      <p:nvGrpSpPr>
+        <p:cNvPr id="1" name="">
+          <a:extLst>
+            <a:ext uri="{FF2B5EF4-FFF2-40B4-BE49-F238E27FC236}">
+              <a16:creationId xmlns:a16="http://schemas.microsoft.com/office/drawing/2014/main" id="{266510E4-F879-08C3-D3FB-AB0A9FF993AF}"/>
+            </a:ext>
+          </a:extLst>
+        </p:cNvPr>
+        <p:cNvGrpSpPr/>
+        <p:nvPr/>
+      </p:nvGrpSpPr>
+      <p:grpSpPr>
+        <a:xfrm>
+          <a:off x="0" y="0"/>
+          <a:ext cx="0" cy="0"/>
+          <a:chOff x="0" y="0"/>
+          <a:chExt cx="0" cy="0"/>
+        </a:xfrm>
+      </p:grpSpPr>
+      <p:sp>
+        <p:nvSpPr>
+          <p:cNvPr id="2" name="TextBox 1">
+            <a:extLst>
+              <a:ext uri="{FF2B5EF4-FFF2-40B4-BE49-F238E27FC236}">
+                <a16:creationId xmlns:a16="http://schemas.microsoft.com/office/drawing/2014/main" id="{F185C8A8-2AEE-843E-1A67-C1C1DB7653D5}"/>
+              </a:ext>
+            </a:extLst>
+          </p:cNvPr>
+          <p:cNvSpPr txBox="1"/>
+          <p:nvPr/>
+        </p:nvSpPr>
+        <p:spPr>
+          <a:xfrm>
+            <a:off x="1239715" y="0"/>
+            <a:ext cx="8484577" cy="584775"/>
+          </a:xfrm>
+          <a:prstGeom prst="rect">
+            <a:avLst/>
+          </a:prstGeom>
+          <a:noFill/>
+        </p:spPr>
+        <p:txBody>
+          <a:bodyPr wrap="square" rtlCol="0">
+            <a:spAutoFit/>
+          </a:bodyPr>
+          <a:lstStyle/>
+          <a:p>
+            <a:pPr algn="ctr" fontAlgn="base"/>
+            <a:r>
+              <a:rPr lang="en-IN" sz="3200" b="1" i="0" dirty="0">
+                <a:solidFill>
+                  <a:srgbClr val="273239"/>
+                </a:solidFill>
+                <a:effectLst/>
+              </a:rPr>
+              <a:t>Collectio</a:t>
+            </a:r>
+            <a:r>
+              <a:rPr lang="en-IN" sz="3200" b="1" dirty="0">
+                <a:solidFill>
+                  <a:srgbClr val="273239"/>
+                </a:solidFill>
+              </a:rPr>
+              <a:t>n – 1</a:t>
+            </a:r>
+          </a:p>
+        </p:txBody>
+      </p:sp>
+      <p:pic>
+        <p:nvPicPr>
+          <p:cNvPr id="1028" name="Picture 4">
+            <a:extLst>
+              <a:ext uri="{FF2B5EF4-FFF2-40B4-BE49-F238E27FC236}">
+                <a16:creationId xmlns:a16="http://schemas.microsoft.com/office/drawing/2014/main" id="{72ACA8CC-7CF2-2BBB-9053-65590D59BFE8}"/>
+              </a:ext>
+            </a:extLst>
+          </p:cNvPr>
+          <p:cNvPicPr>
+            <a:picLocks noChangeAspect="1" noChangeArrowheads="1"/>
+          </p:cNvPicPr>
+          <p:nvPr/>
+        </p:nvPicPr>
+        <p:blipFill>
+          <a:blip r:embed="rId3">
+            <a:extLst>
+              <a:ext uri="{28A0092B-C50C-407E-A947-70E740481C1C}">
+                <a14:useLocalDpi xmlns:a14="http://schemas.microsoft.com/office/drawing/2010/main" val="0"/>
+              </a:ext>
+            </a:extLst>
+          </a:blip>
+          <a:srcRect/>
+          <a:stretch>
+            <a:fillRect/>
+          </a:stretch>
+        </p:blipFill>
+        <p:spPr bwMode="auto">
+          <a:xfrm>
+            <a:off x="1514840" y="1341194"/>
+            <a:ext cx="7934325" cy="2505075"/>
+          </a:xfrm>
+          <a:prstGeom prst="rect">
+            <a:avLst/>
+          </a:prstGeom>
+          <a:noFill/>
+          <a:extLst>
+            <a:ext uri="{909E8E84-426E-40DD-AFC4-6F175D3DCCD1}">
+              <a14:hiddenFill xmlns:a14="http://schemas.microsoft.com/office/drawing/2010/main">
+                <a:solidFill>
+                  <a:srgbClr val="FFFFFF"/>
+                </a:solidFill>
+              </a14:hiddenFill>
+            </a:ext>
+          </a:extLst>
+        </p:spPr>
+      </p:pic>
+    </p:spTree>
+    <p:extLst>
+      <p:ext uri="{BB962C8B-B14F-4D97-AF65-F5344CB8AC3E}">
+        <p14:creationId xmlns:p14="http://schemas.microsoft.com/office/powerpoint/2010/main" val="2850100779"/>
+      </p:ext>
+    </p:extLst>
+  </p:cSld>
+  <p:clrMapOvr>
+    <a:masterClrMapping/>
+  </p:clrMapOvr>
+</p:sld>
+</file>
+
+<file path=ppt/slides/slide13.xml><?xml version="1.0" encoding="utf-8"?>
+<p:sld xmlns:a="http://schemas.openxmlformats.org/drawingml/2006/main" xmlns:r="http://schemas.openxmlformats.org/officeDocument/2006/relationships" xmlns:p="http://schemas.openxmlformats.org/presentationml/2006/main">
+  <p:cSld>
+    <p:spTree>
+      <p:nvGrpSpPr>
+        <p:cNvPr id="1" name="">
+          <a:extLst>
+            <a:ext uri="{FF2B5EF4-FFF2-40B4-BE49-F238E27FC236}">
+              <a16:creationId xmlns:a16="http://schemas.microsoft.com/office/drawing/2014/main" id="{2F35E9C4-CA31-32EA-4FB9-9C3DAD59E6CF}"/>
+            </a:ext>
+          </a:extLst>
+        </p:cNvPr>
+        <p:cNvGrpSpPr/>
+        <p:nvPr/>
+      </p:nvGrpSpPr>
+      <p:grpSpPr>
+        <a:xfrm>
+          <a:off x="0" y="0"/>
+          <a:ext cx="0" cy="0"/>
+          <a:chOff x="0" y="0"/>
+          <a:chExt cx="0" cy="0"/>
+        </a:xfrm>
+      </p:grpSpPr>
+      <p:sp>
+        <p:nvSpPr>
+          <p:cNvPr id="2" name="TextBox 1">
+            <a:extLst>
+              <a:ext uri="{FF2B5EF4-FFF2-40B4-BE49-F238E27FC236}">
+                <a16:creationId xmlns:a16="http://schemas.microsoft.com/office/drawing/2014/main" id="{39775AD1-7011-F4DF-E61E-53910EEFBE24}"/>
+              </a:ext>
+            </a:extLst>
+          </p:cNvPr>
+          <p:cNvSpPr txBox="1"/>
+          <p:nvPr/>
+        </p:nvSpPr>
+        <p:spPr>
+          <a:xfrm>
+            <a:off x="1239715" y="0"/>
+            <a:ext cx="8484577" cy="584775"/>
+          </a:xfrm>
+          <a:prstGeom prst="rect">
+            <a:avLst/>
+          </a:prstGeom>
+          <a:noFill/>
+        </p:spPr>
+        <p:txBody>
+          <a:bodyPr wrap="square" rtlCol="0">
+            <a:spAutoFit/>
+          </a:bodyPr>
+          <a:lstStyle/>
+          <a:p>
+            <a:pPr algn="ctr" fontAlgn="base"/>
+            <a:r>
+              <a:rPr lang="en-IN" sz="3200" b="1" i="0" dirty="0">
+                <a:solidFill>
+                  <a:srgbClr val="273239"/>
+                </a:solidFill>
+                <a:effectLst/>
+              </a:rPr>
+              <a:t>Generic Collectio</a:t>
+            </a:r>
+            <a:r>
+              <a:rPr lang="en-IN" sz="3200" b="1" dirty="0">
+                <a:solidFill>
+                  <a:srgbClr val="273239"/>
+                </a:solidFill>
+              </a:rPr>
+              <a:t>n – 1</a:t>
+            </a:r>
+          </a:p>
+        </p:txBody>
+      </p:sp>
+      <p:sp>
+        <p:nvSpPr>
+          <p:cNvPr id="3" name="TextBox 2">
+            <a:extLst>
+              <a:ext uri="{FF2B5EF4-FFF2-40B4-BE49-F238E27FC236}">
+                <a16:creationId xmlns:a16="http://schemas.microsoft.com/office/drawing/2014/main" id="{05E1D709-FC42-79D5-2E06-0C364EFF3D64}"/>
+              </a:ext>
+            </a:extLst>
+          </p:cNvPr>
+          <p:cNvSpPr txBox="1"/>
+          <p:nvPr/>
+        </p:nvSpPr>
+        <p:spPr>
+          <a:xfrm>
+            <a:off x="1178169" y="782515"/>
+            <a:ext cx="10163908" cy="830997"/>
+          </a:xfrm>
+          <a:prstGeom prst="rect">
+            <a:avLst/>
+          </a:prstGeom>
+          <a:noFill/>
+        </p:spPr>
+        <p:txBody>
+          <a:bodyPr wrap="square" rtlCol="0">
+            <a:spAutoFit/>
+          </a:bodyPr>
+          <a:lstStyle/>
+          <a:p>
+            <a:r>
+              <a:rPr lang="en-US" sz="1200" dirty="0"/>
+              <a:t>Generic collection in C# is defined in </a:t>
+            </a:r>
+            <a:r>
+              <a:rPr lang="en-US" sz="1200" dirty="0" err="1"/>
+              <a:t>System.Collection.Generic</a:t>
+            </a:r>
+            <a:r>
+              <a:rPr lang="en-US" sz="1200" dirty="0"/>
+              <a:t> namespace. It provides a generic implementation of standard data structure like linked lists, stacks, queues, and dictionaries. These collections are type-safe because they are generic means only those items that are type-compatible with the type of the collection can be stored in a generic collection, it eliminates accidental type mismatches. Generic collections are defined by the set of interfaces and classes. Below table contains the frequently used classes of the </a:t>
+            </a:r>
+            <a:r>
+              <a:rPr lang="en-US" sz="1200" dirty="0" err="1"/>
+              <a:t>System.Collections.Generic</a:t>
+            </a:r>
+            <a:r>
+              <a:rPr lang="en-US" sz="1200" dirty="0"/>
+              <a:t> namespace:</a:t>
+            </a:r>
+            <a:endParaRPr lang="en-IN" sz="1200" dirty="0"/>
+          </a:p>
+        </p:txBody>
+      </p:sp>
+      <p:graphicFrame>
+        <p:nvGraphicFramePr>
+          <p:cNvPr id="5" name="Table 4">
+            <a:extLst>
+              <a:ext uri="{FF2B5EF4-FFF2-40B4-BE49-F238E27FC236}">
+                <a16:creationId xmlns:a16="http://schemas.microsoft.com/office/drawing/2014/main" id="{6E413495-AAB7-57EB-542A-18608BFC3B0A}"/>
+              </a:ext>
+            </a:extLst>
+          </p:cNvPr>
+          <p:cNvGraphicFramePr>
+            <a:graphicFrameLocks noGrp="1"/>
+          </p:cNvGraphicFramePr>
+          <p:nvPr>
+            <p:extLst>
+              <p:ext uri="{D42A27DB-BD31-4B8C-83A1-F6EECF244321}">
+                <p14:modId xmlns:p14="http://schemas.microsoft.com/office/powerpoint/2010/main" val="2898223117"/>
+              </p:ext>
+            </p:extLst>
+          </p:nvPr>
+        </p:nvGraphicFramePr>
+        <p:xfrm>
+          <a:off x="1239715" y="1811252"/>
+          <a:ext cx="9311972" cy="4491948"/>
+        </p:xfrm>
+        <a:graphic>
+          <a:graphicData uri="http://schemas.openxmlformats.org/drawingml/2006/table">
+            <a:tbl>
+              <a:tblPr/>
+              <a:tblGrid>
+                <a:gridCol w="4655986">
+                  <a:extLst>
+                    <a:ext uri="{9D8B030D-6E8A-4147-A177-3AD203B41FA5}">
+                      <a16:colId xmlns:a16="http://schemas.microsoft.com/office/drawing/2014/main" val="3482862829"/>
+                    </a:ext>
+                  </a:extLst>
+                </a:gridCol>
+                <a:gridCol w="4655986">
+                  <a:extLst>
+                    <a:ext uri="{9D8B030D-6E8A-4147-A177-3AD203B41FA5}">
+                      <a16:colId xmlns:a16="http://schemas.microsoft.com/office/drawing/2014/main" val="221445085"/>
+                    </a:ext>
+                  </a:extLst>
+                </a:gridCol>
+              </a:tblGrid>
+              <a:tr h="309113">
+                <a:tc>
+                  <a:txBody>
+                    <a:bodyPr/>
+                    <a:lstStyle/>
+                    <a:p>
+                      <a:pPr algn="ctr" fontAlgn="base"/>
+                      <a:r>
+                        <a:rPr lang="en-IN" sz="1400" b="1" dirty="0">
+                          <a:effectLst/>
+                        </a:rPr>
+                        <a:t>Class name</a:t>
+                      </a:r>
+                    </a:p>
+                  </a:txBody>
+                  <a:tcPr marL="29039" marR="29039" marT="50016" marB="50016" anchor="ctr">
+                    <a:lnL w="2286" cap="flat" cmpd="sng" algn="ctr">
+                      <a:solidFill>
+                        <a:srgbClr val="DFDFDF"/>
+                      </a:solidFill>
+                      <a:prstDash val="solid"/>
+                      <a:round/>
+                      <a:headEnd type="none" w="med" len="med"/>
+                      <a:tailEnd type="none" w="med" len="med"/>
+                    </a:lnL>
+                    <a:lnR w="2286" cap="flat" cmpd="sng" algn="ctr">
+                      <a:solidFill>
+                        <a:srgbClr val="DFDFDF"/>
+                      </a:solidFill>
+                      <a:prstDash val="solid"/>
+                      <a:round/>
+                      <a:headEnd type="none" w="med" len="med"/>
+                      <a:tailEnd type="none" w="med" len="med"/>
+                    </a:lnR>
+                    <a:lnT w="2286" cap="flat" cmpd="sng" algn="ctr">
+                      <a:solidFill>
+                        <a:srgbClr val="DFDFDF"/>
+                      </a:solidFill>
+                      <a:prstDash val="solid"/>
+                      <a:round/>
+                      <a:headEnd type="none" w="med" len="med"/>
+                      <a:tailEnd type="none" w="med" len="med"/>
+                    </a:lnT>
+                    <a:lnB w="2286" cap="flat" cmpd="sng" algn="ctr">
+                      <a:solidFill>
+                        <a:srgbClr val="DFDFDF"/>
+                      </a:solidFill>
+                      <a:prstDash val="solid"/>
+                      <a:round/>
+                      <a:headEnd type="none" w="med" len="med"/>
+                      <a:tailEnd type="none" w="med" len="med"/>
+                    </a:lnB>
+                    <a:solidFill>
+                      <a:srgbClr val="C6EBD9"/>
+                    </a:solidFill>
+                  </a:tcPr>
+                </a:tc>
+                <a:tc>
+                  <a:txBody>
+                    <a:bodyPr/>
+                    <a:lstStyle/>
+                    <a:p>
+                      <a:pPr algn="ctr" fontAlgn="base"/>
+                      <a:r>
+                        <a:rPr lang="en-IN" sz="1400" b="1">
+                          <a:effectLst/>
+                        </a:rPr>
+                        <a:t>Description</a:t>
+                      </a:r>
+                    </a:p>
+                  </a:txBody>
+                  <a:tcPr marL="50016" marR="50016" marT="50016" marB="50016" anchor="ctr">
+                    <a:lnL w="2286" cap="flat" cmpd="sng" algn="ctr">
+                      <a:solidFill>
+                        <a:srgbClr val="DFDFDF"/>
+                      </a:solidFill>
+                      <a:prstDash val="solid"/>
+                      <a:round/>
+                      <a:headEnd type="none" w="med" len="med"/>
+                      <a:tailEnd type="none" w="med" len="med"/>
+                    </a:lnL>
+                    <a:lnR w="2286" cap="flat" cmpd="sng" algn="ctr">
+                      <a:solidFill>
+                        <a:srgbClr val="DFDFDF"/>
+                      </a:solidFill>
+                      <a:prstDash val="solid"/>
+                      <a:round/>
+                      <a:headEnd type="none" w="med" len="med"/>
+                      <a:tailEnd type="none" w="med" len="med"/>
+                    </a:lnR>
+                    <a:lnT w="2286" cap="flat" cmpd="sng" algn="ctr">
+                      <a:solidFill>
+                        <a:srgbClr val="DFDFDF"/>
+                      </a:solidFill>
+                      <a:prstDash val="solid"/>
+                      <a:round/>
+                      <a:headEnd type="none" w="med" len="med"/>
+                      <a:tailEnd type="none" w="med" len="med"/>
+                    </a:lnT>
+                    <a:lnB w="2286" cap="flat" cmpd="sng" algn="ctr">
+                      <a:solidFill>
+                        <a:srgbClr val="DFDFDF"/>
+                      </a:solidFill>
+                      <a:prstDash val="solid"/>
+                      <a:round/>
+                      <a:headEnd type="none" w="med" len="med"/>
+                      <a:tailEnd type="none" w="med" len="med"/>
+                    </a:lnB>
+                    <a:solidFill>
+                      <a:srgbClr val="C6EBD9"/>
+                    </a:solidFill>
+                  </a:tcPr>
+                </a:tc>
+                <a:extLst>
+                  <a:ext uri="{0D108BD9-81ED-4DB2-BD59-A6C34878D82A}">
+                    <a16:rowId xmlns:a16="http://schemas.microsoft.com/office/drawing/2014/main" val="1005097422"/>
+                  </a:ext>
+                </a:extLst>
+              </a:tr>
+              <a:tr h="598203">
+                <a:tc>
+                  <a:txBody>
+                    <a:bodyPr/>
+                    <a:lstStyle/>
+                    <a:p>
+                      <a:pPr algn="l" fontAlgn="ctr"/>
+                      <a:r>
+                        <a:rPr lang="en-IN" sz="1400" b="1" dirty="0">
+                          <a:effectLst/>
+                        </a:rPr>
+                        <a:t>Dictionary&lt;</a:t>
+                      </a:r>
+                      <a:r>
+                        <a:rPr lang="en-IN" sz="1400" b="1" dirty="0" err="1">
+                          <a:effectLst/>
+                        </a:rPr>
+                        <a:t>TKey,TValue</a:t>
+                      </a:r>
+                      <a:r>
+                        <a:rPr lang="en-IN" sz="1400" b="1" dirty="0">
+                          <a:effectLst/>
+                        </a:rPr>
+                        <a:t>&gt;</a:t>
+                      </a:r>
+                      <a:endParaRPr lang="en-IN" sz="1400" b="0" dirty="0">
+                        <a:effectLst/>
+                      </a:endParaRPr>
+                    </a:p>
+                  </a:txBody>
+                  <a:tcPr marL="58078" marR="58078" marT="81309" marB="81309" anchor="ctr">
+                    <a:lnL w="2286" cap="flat" cmpd="sng" algn="ctr">
+                      <a:solidFill>
+                        <a:srgbClr val="DFDFDF"/>
+                      </a:solidFill>
+                      <a:prstDash val="solid"/>
+                      <a:round/>
+                      <a:headEnd type="none" w="med" len="med"/>
+                      <a:tailEnd type="none" w="med" len="med"/>
+                    </a:lnL>
+                    <a:lnR w="2286" cap="flat" cmpd="sng" algn="ctr">
+                      <a:solidFill>
+                        <a:srgbClr val="DFDFDF"/>
+                      </a:solidFill>
+                      <a:prstDash val="solid"/>
+                      <a:round/>
+                      <a:headEnd type="none" w="med" len="med"/>
+                      <a:tailEnd type="none" w="med" len="med"/>
+                    </a:lnR>
+                    <a:lnT w="2286" cap="flat" cmpd="sng" algn="ctr">
+                      <a:solidFill>
+                        <a:srgbClr val="DFDFDF"/>
+                      </a:solidFill>
+                      <a:prstDash val="solid"/>
+                      <a:round/>
+                      <a:headEnd type="none" w="med" len="med"/>
+                      <a:tailEnd type="none" w="med" len="med"/>
+                    </a:lnT>
+                    <a:lnB w="2286" cap="flat" cmpd="sng" algn="ctr">
+                      <a:solidFill>
+                        <a:srgbClr val="DFDFDF"/>
+                      </a:solidFill>
+                      <a:prstDash val="solid"/>
+                      <a:round/>
+                      <a:headEnd type="none" w="med" len="med"/>
+                      <a:tailEnd type="none" w="med" len="med"/>
+                    </a:lnB>
+                    <a:solidFill>
+                      <a:srgbClr val="FFFFFF"/>
+                    </a:solidFill>
+                  </a:tcPr>
+                </a:tc>
+                <a:tc>
+                  <a:txBody>
+                    <a:bodyPr/>
+                    <a:lstStyle/>
+                    <a:p>
+                      <a:pPr algn="l" fontAlgn="ctr"/>
+                      <a:r>
+                        <a:rPr lang="en-US" sz="1400" b="0">
+                          <a:effectLst/>
+                        </a:rPr>
+                        <a:t>It stores key/value pairs and provides functionality similar to that found in the non-generic Hashtable class.</a:t>
+                      </a:r>
+                    </a:p>
+                  </a:txBody>
+                  <a:tcPr marL="58078" marR="58078" marT="81309" marB="81309" anchor="ctr">
+                    <a:lnL w="2286" cap="flat" cmpd="sng" algn="ctr">
+                      <a:solidFill>
+                        <a:srgbClr val="DFDFDF"/>
+                      </a:solidFill>
+                      <a:prstDash val="solid"/>
+                      <a:round/>
+                      <a:headEnd type="none" w="med" len="med"/>
+                      <a:tailEnd type="none" w="med" len="med"/>
+                    </a:lnL>
+                    <a:lnR w="2286" cap="flat" cmpd="sng" algn="ctr">
+                      <a:solidFill>
+                        <a:srgbClr val="DFDFDF"/>
+                      </a:solidFill>
+                      <a:prstDash val="solid"/>
+                      <a:round/>
+                      <a:headEnd type="none" w="med" len="med"/>
+                      <a:tailEnd type="none" w="med" len="med"/>
+                    </a:lnR>
+                    <a:lnT w="2286" cap="flat" cmpd="sng" algn="ctr">
+                      <a:solidFill>
+                        <a:srgbClr val="DFDFDF"/>
+                      </a:solidFill>
+                      <a:prstDash val="solid"/>
+                      <a:round/>
+                      <a:headEnd type="none" w="med" len="med"/>
+                      <a:tailEnd type="none" w="med" len="med"/>
+                    </a:lnT>
+                    <a:lnB w="2286" cap="flat" cmpd="sng" algn="ctr">
+                      <a:solidFill>
+                        <a:srgbClr val="DFDFDF"/>
+                      </a:solidFill>
+                      <a:prstDash val="solid"/>
+                      <a:round/>
+                      <a:headEnd type="none" w="med" len="med"/>
+                      <a:tailEnd type="none" w="med" len="med"/>
+                    </a:lnB>
+                    <a:solidFill>
+                      <a:srgbClr val="FFFFFF"/>
+                    </a:solidFill>
+                  </a:tcPr>
+                </a:tc>
+                <a:extLst>
+                  <a:ext uri="{0D108BD9-81ED-4DB2-BD59-A6C34878D82A}">
+                    <a16:rowId xmlns:a16="http://schemas.microsoft.com/office/drawing/2014/main" val="1581707085"/>
+                  </a:ext>
+                </a:extLst>
+              </a:tr>
+              <a:tr h="598203">
+                <a:tc>
+                  <a:txBody>
+                    <a:bodyPr/>
+                    <a:lstStyle/>
+                    <a:p>
+                      <a:pPr algn="l" fontAlgn="ctr"/>
+                      <a:r>
+                        <a:rPr lang="en-IN" sz="1400" b="0" u="sng" dirty="0">
+                          <a:solidFill>
+                            <a:srgbClr val="357960"/>
+                          </a:solidFill>
+                          <a:effectLst/>
+                        </a:rPr>
+                        <a:t>List&lt;T&gt;</a:t>
+                      </a:r>
+                      <a:endParaRPr lang="en-IN" sz="1400" b="0" dirty="0">
+                        <a:effectLst/>
+                      </a:endParaRPr>
+                    </a:p>
+                  </a:txBody>
+                  <a:tcPr marL="58078" marR="58078" marT="81309" marB="81309" anchor="ctr">
+                    <a:lnL w="2286" cap="flat" cmpd="sng" algn="ctr">
+                      <a:solidFill>
+                        <a:srgbClr val="DFDFDF"/>
+                      </a:solidFill>
+                      <a:prstDash val="solid"/>
+                      <a:round/>
+                      <a:headEnd type="none" w="med" len="med"/>
+                      <a:tailEnd type="none" w="med" len="med"/>
+                    </a:lnL>
+                    <a:lnR w="2286" cap="flat" cmpd="sng" algn="ctr">
+                      <a:solidFill>
+                        <a:srgbClr val="DFDFDF"/>
+                      </a:solidFill>
+                      <a:prstDash val="solid"/>
+                      <a:round/>
+                      <a:headEnd type="none" w="med" len="med"/>
+                      <a:tailEnd type="none" w="med" len="med"/>
+                    </a:lnR>
+                    <a:lnT w="2286" cap="flat" cmpd="sng" algn="ctr">
+                      <a:solidFill>
+                        <a:srgbClr val="DFDFDF"/>
+                      </a:solidFill>
+                      <a:prstDash val="solid"/>
+                      <a:round/>
+                      <a:headEnd type="none" w="med" len="med"/>
+                      <a:tailEnd type="none" w="med" len="med"/>
+                    </a:lnT>
+                    <a:lnB w="2286" cap="flat" cmpd="sng" algn="ctr">
+                      <a:solidFill>
+                        <a:srgbClr val="DFDFDF"/>
+                      </a:solidFill>
+                      <a:prstDash val="solid"/>
+                      <a:round/>
+                      <a:headEnd type="none" w="med" len="med"/>
+                      <a:tailEnd type="none" w="med" len="med"/>
+                    </a:lnB>
+                    <a:solidFill>
+                      <a:srgbClr val="FFFFFF"/>
+                    </a:solidFill>
+                  </a:tcPr>
+                </a:tc>
+                <a:tc>
+                  <a:txBody>
+                    <a:bodyPr/>
+                    <a:lstStyle/>
+                    <a:p>
+                      <a:pPr algn="l" fontAlgn="ctr"/>
+                      <a:r>
+                        <a:rPr lang="en-US" sz="1400" b="0">
+                          <a:effectLst/>
+                        </a:rPr>
+                        <a:t>It is a dynamic array that provides functionality similar to that found in the non-generic ArrayList class.</a:t>
+                      </a:r>
+                    </a:p>
+                  </a:txBody>
+                  <a:tcPr marL="58078" marR="58078" marT="81309" marB="81309" anchor="ctr">
+                    <a:lnL w="2286" cap="flat" cmpd="sng" algn="ctr">
+                      <a:solidFill>
+                        <a:srgbClr val="DFDFDF"/>
+                      </a:solidFill>
+                      <a:prstDash val="solid"/>
+                      <a:round/>
+                      <a:headEnd type="none" w="med" len="med"/>
+                      <a:tailEnd type="none" w="med" len="med"/>
+                    </a:lnL>
+                    <a:lnR w="2286" cap="flat" cmpd="sng" algn="ctr">
+                      <a:solidFill>
+                        <a:srgbClr val="DFDFDF"/>
+                      </a:solidFill>
+                      <a:prstDash val="solid"/>
+                      <a:round/>
+                      <a:headEnd type="none" w="med" len="med"/>
+                      <a:tailEnd type="none" w="med" len="med"/>
+                    </a:lnR>
+                    <a:lnT w="2286" cap="flat" cmpd="sng" algn="ctr">
+                      <a:solidFill>
+                        <a:srgbClr val="DFDFDF"/>
+                      </a:solidFill>
+                      <a:prstDash val="solid"/>
+                      <a:round/>
+                      <a:headEnd type="none" w="med" len="med"/>
+                      <a:tailEnd type="none" w="med" len="med"/>
+                    </a:lnT>
+                    <a:lnB w="2286" cap="flat" cmpd="sng" algn="ctr">
+                      <a:solidFill>
+                        <a:srgbClr val="DFDFDF"/>
+                      </a:solidFill>
+                      <a:prstDash val="solid"/>
+                      <a:round/>
+                      <a:headEnd type="none" w="med" len="med"/>
+                      <a:tailEnd type="none" w="med" len="med"/>
+                    </a:lnB>
+                    <a:solidFill>
+                      <a:srgbClr val="FFFFFF"/>
+                    </a:solidFill>
+                  </a:tcPr>
+                </a:tc>
+                <a:extLst>
+                  <a:ext uri="{0D108BD9-81ED-4DB2-BD59-A6C34878D82A}">
+                    <a16:rowId xmlns:a16="http://schemas.microsoft.com/office/drawing/2014/main" val="305396510"/>
+                  </a:ext>
+                </a:extLst>
+              </a:tr>
+              <a:tr h="598203">
+                <a:tc>
+                  <a:txBody>
+                    <a:bodyPr/>
+                    <a:lstStyle/>
+                    <a:p>
+                      <a:pPr algn="l" fontAlgn="ctr"/>
+                      <a:r>
+                        <a:rPr lang="en-IN" sz="1400" b="1">
+                          <a:effectLst/>
+                        </a:rPr>
+                        <a:t>Queue&lt;T&gt;</a:t>
+                      </a:r>
+                      <a:endParaRPr lang="en-IN" sz="1400" b="0">
+                        <a:effectLst/>
+                      </a:endParaRPr>
+                    </a:p>
+                  </a:txBody>
+                  <a:tcPr marL="58078" marR="58078" marT="81309" marB="81309" anchor="ctr">
+                    <a:lnL w="2286" cap="flat" cmpd="sng" algn="ctr">
+                      <a:solidFill>
+                        <a:srgbClr val="DFDFDF"/>
+                      </a:solidFill>
+                      <a:prstDash val="solid"/>
+                      <a:round/>
+                      <a:headEnd type="none" w="med" len="med"/>
+                      <a:tailEnd type="none" w="med" len="med"/>
+                    </a:lnL>
+                    <a:lnR w="2286" cap="flat" cmpd="sng" algn="ctr">
+                      <a:solidFill>
+                        <a:srgbClr val="DFDFDF"/>
+                      </a:solidFill>
+                      <a:prstDash val="solid"/>
+                      <a:round/>
+                      <a:headEnd type="none" w="med" len="med"/>
+                      <a:tailEnd type="none" w="med" len="med"/>
+                    </a:lnR>
+                    <a:lnT w="2286" cap="flat" cmpd="sng" algn="ctr">
+                      <a:solidFill>
+                        <a:srgbClr val="DFDFDF"/>
+                      </a:solidFill>
+                      <a:prstDash val="solid"/>
+                      <a:round/>
+                      <a:headEnd type="none" w="med" len="med"/>
+                      <a:tailEnd type="none" w="med" len="med"/>
+                    </a:lnT>
+                    <a:lnB w="2286" cap="flat" cmpd="sng" algn="ctr">
+                      <a:solidFill>
+                        <a:srgbClr val="DFDFDF"/>
+                      </a:solidFill>
+                      <a:prstDash val="solid"/>
+                      <a:round/>
+                      <a:headEnd type="none" w="med" len="med"/>
+                      <a:tailEnd type="none" w="med" len="med"/>
+                    </a:lnB>
+                    <a:solidFill>
+                      <a:srgbClr val="FFFFFF"/>
+                    </a:solidFill>
+                  </a:tcPr>
+                </a:tc>
+                <a:tc>
+                  <a:txBody>
+                    <a:bodyPr/>
+                    <a:lstStyle/>
+                    <a:p>
+                      <a:pPr algn="l" fontAlgn="ctr"/>
+                      <a:r>
+                        <a:rPr lang="en-US" sz="1400" b="0">
+                          <a:effectLst/>
+                        </a:rPr>
+                        <a:t>A first-in, first-out list and provides functionality similar to that found in the non-generic Queue class.</a:t>
+                      </a:r>
+                    </a:p>
+                  </a:txBody>
+                  <a:tcPr marL="58078" marR="58078" marT="81309" marB="81309" anchor="ctr">
+                    <a:lnL w="2286" cap="flat" cmpd="sng" algn="ctr">
+                      <a:solidFill>
+                        <a:srgbClr val="DFDFDF"/>
+                      </a:solidFill>
+                      <a:prstDash val="solid"/>
+                      <a:round/>
+                      <a:headEnd type="none" w="med" len="med"/>
+                      <a:tailEnd type="none" w="med" len="med"/>
+                    </a:lnL>
+                    <a:lnR w="2286" cap="flat" cmpd="sng" algn="ctr">
+                      <a:solidFill>
+                        <a:srgbClr val="DFDFDF"/>
+                      </a:solidFill>
+                      <a:prstDash val="solid"/>
+                      <a:round/>
+                      <a:headEnd type="none" w="med" len="med"/>
+                      <a:tailEnd type="none" w="med" len="med"/>
+                    </a:lnR>
+                    <a:lnT w="2286" cap="flat" cmpd="sng" algn="ctr">
+                      <a:solidFill>
+                        <a:srgbClr val="DFDFDF"/>
+                      </a:solidFill>
+                      <a:prstDash val="solid"/>
+                      <a:round/>
+                      <a:headEnd type="none" w="med" len="med"/>
+                      <a:tailEnd type="none" w="med" len="med"/>
+                    </a:lnT>
+                    <a:lnB w="2286" cap="flat" cmpd="sng" algn="ctr">
+                      <a:solidFill>
+                        <a:srgbClr val="DFDFDF"/>
+                      </a:solidFill>
+                      <a:prstDash val="solid"/>
+                      <a:round/>
+                      <a:headEnd type="none" w="med" len="med"/>
+                      <a:tailEnd type="none" w="med" len="med"/>
+                    </a:lnB>
+                    <a:solidFill>
+                      <a:srgbClr val="FFFFFF"/>
+                    </a:solidFill>
+                  </a:tcPr>
+                </a:tc>
+                <a:extLst>
+                  <a:ext uri="{0D108BD9-81ED-4DB2-BD59-A6C34878D82A}">
+                    <a16:rowId xmlns:a16="http://schemas.microsoft.com/office/drawing/2014/main" val="3621948111"/>
+                  </a:ext>
+                </a:extLst>
+              </a:tr>
+              <a:tr h="598203">
+                <a:tc>
+                  <a:txBody>
+                    <a:bodyPr/>
+                    <a:lstStyle/>
+                    <a:p>
+                      <a:pPr algn="l" fontAlgn="ctr"/>
+                      <a:r>
+                        <a:rPr lang="en-IN" sz="1400" b="1">
+                          <a:effectLst/>
+                        </a:rPr>
+                        <a:t>SortedList&lt;TKey,TValue&gt;</a:t>
+                      </a:r>
+                      <a:endParaRPr lang="en-IN" sz="1400" b="0">
+                        <a:effectLst/>
+                      </a:endParaRPr>
+                    </a:p>
+                  </a:txBody>
+                  <a:tcPr marL="58078" marR="58078" marT="81309" marB="81309" anchor="ctr">
+                    <a:lnL w="2286" cap="flat" cmpd="sng" algn="ctr">
+                      <a:solidFill>
+                        <a:srgbClr val="DFDFDF"/>
+                      </a:solidFill>
+                      <a:prstDash val="solid"/>
+                      <a:round/>
+                      <a:headEnd type="none" w="med" len="med"/>
+                      <a:tailEnd type="none" w="med" len="med"/>
+                    </a:lnL>
+                    <a:lnR w="2286" cap="flat" cmpd="sng" algn="ctr">
+                      <a:solidFill>
+                        <a:srgbClr val="DFDFDF"/>
+                      </a:solidFill>
+                      <a:prstDash val="solid"/>
+                      <a:round/>
+                      <a:headEnd type="none" w="med" len="med"/>
+                      <a:tailEnd type="none" w="med" len="med"/>
+                    </a:lnR>
+                    <a:lnT w="2286" cap="flat" cmpd="sng" algn="ctr">
+                      <a:solidFill>
+                        <a:srgbClr val="DFDFDF"/>
+                      </a:solidFill>
+                      <a:prstDash val="solid"/>
+                      <a:round/>
+                      <a:headEnd type="none" w="med" len="med"/>
+                      <a:tailEnd type="none" w="med" len="med"/>
+                    </a:lnT>
+                    <a:lnB w="2286" cap="flat" cmpd="sng" algn="ctr">
+                      <a:solidFill>
+                        <a:srgbClr val="DFDFDF"/>
+                      </a:solidFill>
+                      <a:prstDash val="solid"/>
+                      <a:round/>
+                      <a:headEnd type="none" w="med" len="med"/>
+                      <a:tailEnd type="none" w="med" len="med"/>
+                    </a:lnB>
+                    <a:solidFill>
+                      <a:srgbClr val="FFFFFF"/>
+                    </a:solidFill>
+                  </a:tcPr>
+                </a:tc>
+                <a:tc>
+                  <a:txBody>
+                    <a:bodyPr/>
+                    <a:lstStyle/>
+                    <a:p>
+                      <a:pPr algn="l" fontAlgn="ctr"/>
+                      <a:r>
+                        <a:rPr lang="en-US" sz="1400" b="0">
+                          <a:effectLst/>
+                        </a:rPr>
+                        <a:t>It is a sorted list of key/value pairs and provides functionality similar to that found in the non-generic SortedList class.</a:t>
+                      </a:r>
+                    </a:p>
+                  </a:txBody>
+                  <a:tcPr marL="58078" marR="58078" marT="81309" marB="81309" anchor="ctr">
+                    <a:lnL w="2286" cap="flat" cmpd="sng" algn="ctr">
+                      <a:solidFill>
+                        <a:srgbClr val="DFDFDF"/>
+                      </a:solidFill>
+                      <a:prstDash val="solid"/>
+                      <a:round/>
+                      <a:headEnd type="none" w="med" len="med"/>
+                      <a:tailEnd type="none" w="med" len="med"/>
+                    </a:lnL>
+                    <a:lnR w="2286" cap="flat" cmpd="sng" algn="ctr">
+                      <a:solidFill>
+                        <a:srgbClr val="DFDFDF"/>
+                      </a:solidFill>
+                      <a:prstDash val="solid"/>
+                      <a:round/>
+                      <a:headEnd type="none" w="med" len="med"/>
+                      <a:tailEnd type="none" w="med" len="med"/>
+                    </a:lnR>
+                    <a:lnT w="2286" cap="flat" cmpd="sng" algn="ctr">
+                      <a:solidFill>
+                        <a:srgbClr val="DFDFDF"/>
+                      </a:solidFill>
+                      <a:prstDash val="solid"/>
+                      <a:round/>
+                      <a:headEnd type="none" w="med" len="med"/>
+                      <a:tailEnd type="none" w="med" len="med"/>
+                    </a:lnT>
+                    <a:lnB w="2286" cap="flat" cmpd="sng" algn="ctr">
+                      <a:solidFill>
+                        <a:srgbClr val="DFDFDF"/>
+                      </a:solidFill>
+                      <a:prstDash val="solid"/>
+                      <a:round/>
+                      <a:headEnd type="none" w="med" len="med"/>
+                      <a:tailEnd type="none" w="med" len="med"/>
+                    </a:lnB>
+                    <a:solidFill>
+                      <a:srgbClr val="FFFFFF"/>
+                    </a:solidFill>
+                  </a:tcPr>
+                </a:tc>
+                <a:extLst>
+                  <a:ext uri="{0D108BD9-81ED-4DB2-BD59-A6C34878D82A}">
+                    <a16:rowId xmlns:a16="http://schemas.microsoft.com/office/drawing/2014/main" val="3674621820"/>
+                  </a:ext>
+                </a:extLst>
+              </a:tr>
+              <a:tr h="598203">
+                <a:tc>
+                  <a:txBody>
+                    <a:bodyPr/>
+                    <a:lstStyle/>
+                    <a:p>
+                      <a:pPr algn="l" fontAlgn="ctr"/>
+                      <a:r>
+                        <a:rPr lang="en-IN" sz="1400" b="1" dirty="0">
+                          <a:effectLst/>
+                        </a:rPr>
+                        <a:t>Stack&lt;T&gt;</a:t>
+                      </a:r>
+                      <a:endParaRPr lang="en-IN" sz="1400" b="0" dirty="0">
+                        <a:effectLst/>
+                      </a:endParaRPr>
+                    </a:p>
+                  </a:txBody>
+                  <a:tcPr marL="58078" marR="58078" marT="81309" marB="81309" anchor="ctr">
+                    <a:lnL w="2286" cap="flat" cmpd="sng" algn="ctr">
+                      <a:solidFill>
+                        <a:srgbClr val="DFDFDF"/>
+                      </a:solidFill>
+                      <a:prstDash val="solid"/>
+                      <a:round/>
+                      <a:headEnd type="none" w="med" len="med"/>
+                      <a:tailEnd type="none" w="med" len="med"/>
+                    </a:lnL>
+                    <a:lnR w="2286" cap="flat" cmpd="sng" algn="ctr">
+                      <a:solidFill>
+                        <a:srgbClr val="DFDFDF"/>
+                      </a:solidFill>
+                      <a:prstDash val="solid"/>
+                      <a:round/>
+                      <a:headEnd type="none" w="med" len="med"/>
+                      <a:tailEnd type="none" w="med" len="med"/>
+                    </a:lnR>
+                    <a:lnT w="2286" cap="flat" cmpd="sng" algn="ctr">
+                      <a:solidFill>
+                        <a:srgbClr val="DFDFDF"/>
+                      </a:solidFill>
+                      <a:prstDash val="solid"/>
+                      <a:round/>
+                      <a:headEnd type="none" w="med" len="med"/>
+                      <a:tailEnd type="none" w="med" len="med"/>
+                    </a:lnT>
+                    <a:lnB w="2286" cap="flat" cmpd="sng" algn="ctr">
+                      <a:solidFill>
+                        <a:srgbClr val="DFDFDF"/>
+                      </a:solidFill>
+                      <a:prstDash val="solid"/>
+                      <a:round/>
+                      <a:headEnd type="none" w="med" len="med"/>
+                      <a:tailEnd type="none" w="med" len="med"/>
+                    </a:lnB>
+                    <a:solidFill>
+                      <a:srgbClr val="FFFFFF"/>
+                    </a:solidFill>
+                  </a:tcPr>
+                </a:tc>
+                <a:tc>
+                  <a:txBody>
+                    <a:bodyPr/>
+                    <a:lstStyle/>
+                    <a:p>
+                      <a:pPr algn="l" fontAlgn="ctr"/>
+                      <a:r>
+                        <a:rPr lang="en-US" sz="1400" b="0">
+                          <a:effectLst/>
+                        </a:rPr>
+                        <a:t>It is a first-in, last-out list and provides functionality similar to that found in the non-generic Stack class.</a:t>
+                      </a:r>
+                    </a:p>
+                  </a:txBody>
+                  <a:tcPr marL="58078" marR="58078" marT="81309" marB="81309" anchor="ctr">
+                    <a:lnL w="2286" cap="flat" cmpd="sng" algn="ctr">
+                      <a:solidFill>
+                        <a:srgbClr val="DFDFDF"/>
+                      </a:solidFill>
+                      <a:prstDash val="solid"/>
+                      <a:round/>
+                      <a:headEnd type="none" w="med" len="med"/>
+                      <a:tailEnd type="none" w="med" len="med"/>
+                    </a:lnL>
+                    <a:lnR w="2286" cap="flat" cmpd="sng" algn="ctr">
+                      <a:solidFill>
+                        <a:srgbClr val="DFDFDF"/>
+                      </a:solidFill>
+                      <a:prstDash val="solid"/>
+                      <a:round/>
+                      <a:headEnd type="none" w="med" len="med"/>
+                      <a:tailEnd type="none" w="med" len="med"/>
+                    </a:lnR>
+                    <a:lnT w="2286" cap="flat" cmpd="sng" algn="ctr">
+                      <a:solidFill>
+                        <a:srgbClr val="DFDFDF"/>
+                      </a:solidFill>
+                      <a:prstDash val="solid"/>
+                      <a:round/>
+                      <a:headEnd type="none" w="med" len="med"/>
+                      <a:tailEnd type="none" w="med" len="med"/>
+                    </a:lnT>
+                    <a:lnB w="2286" cap="flat" cmpd="sng" algn="ctr">
+                      <a:solidFill>
+                        <a:srgbClr val="DFDFDF"/>
+                      </a:solidFill>
+                      <a:prstDash val="solid"/>
+                      <a:round/>
+                      <a:headEnd type="none" w="med" len="med"/>
+                      <a:tailEnd type="none" w="med" len="med"/>
+                    </a:lnB>
+                    <a:solidFill>
+                      <a:srgbClr val="FFFFFF"/>
+                    </a:solidFill>
+                  </a:tcPr>
+                </a:tc>
+                <a:extLst>
+                  <a:ext uri="{0D108BD9-81ED-4DB2-BD59-A6C34878D82A}">
+                    <a16:rowId xmlns:a16="http://schemas.microsoft.com/office/drawing/2014/main" val="2700419554"/>
+                  </a:ext>
+                </a:extLst>
+              </a:tr>
+              <a:tr h="598203">
+                <a:tc>
+                  <a:txBody>
+                    <a:bodyPr/>
+                    <a:lstStyle/>
+                    <a:p>
+                      <a:pPr algn="l" fontAlgn="ctr"/>
+                      <a:r>
+                        <a:rPr lang="en-IN" sz="1400" b="0" u="sng" dirty="0">
+                          <a:solidFill>
+                            <a:srgbClr val="357960"/>
+                          </a:solidFill>
+                          <a:effectLst/>
+                        </a:rPr>
+                        <a:t>HashSet&lt;T&gt;</a:t>
+                      </a:r>
+                      <a:endParaRPr lang="en-IN" sz="1400" b="0" dirty="0">
+                        <a:effectLst/>
+                      </a:endParaRPr>
+                    </a:p>
+                  </a:txBody>
+                  <a:tcPr marL="58078" marR="58078" marT="81309" marB="81309" anchor="ctr">
+                    <a:lnL w="2286" cap="flat" cmpd="sng" algn="ctr">
+                      <a:solidFill>
+                        <a:srgbClr val="DFDFDF"/>
+                      </a:solidFill>
+                      <a:prstDash val="solid"/>
+                      <a:round/>
+                      <a:headEnd type="none" w="med" len="med"/>
+                      <a:tailEnd type="none" w="med" len="med"/>
+                    </a:lnL>
+                    <a:lnR w="2286" cap="flat" cmpd="sng" algn="ctr">
+                      <a:solidFill>
+                        <a:srgbClr val="DFDFDF"/>
+                      </a:solidFill>
+                      <a:prstDash val="solid"/>
+                      <a:round/>
+                      <a:headEnd type="none" w="med" len="med"/>
+                      <a:tailEnd type="none" w="med" len="med"/>
+                    </a:lnR>
+                    <a:lnT w="2286" cap="flat" cmpd="sng" algn="ctr">
+                      <a:solidFill>
+                        <a:srgbClr val="DFDFDF"/>
+                      </a:solidFill>
+                      <a:prstDash val="solid"/>
+                      <a:round/>
+                      <a:headEnd type="none" w="med" len="med"/>
+                      <a:tailEnd type="none" w="med" len="med"/>
+                    </a:lnT>
+                    <a:lnB w="2286" cap="flat" cmpd="sng" algn="ctr">
+                      <a:solidFill>
+                        <a:srgbClr val="DFDFDF"/>
+                      </a:solidFill>
+                      <a:prstDash val="solid"/>
+                      <a:round/>
+                      <a:headEnd type="none" w="med" len="med"/>
+                      <a:tailEnd type="none" w="med" len="med"/>
+                    </a:lnB>
+                    <a:solidFill>
+                      <a:srgbClr val="FFFFFF"/>
+                    </a:solidFill>
+                  </a:tcPr>
+                </a:tc>
+                <a:tc>
+                  <a:txBody>
+                    <a:bodyPr/>
+                    <a:lstStyle/>
+                    <a:p>
+                      <a:pPr algn="l" fontAlgn="ctr"/>
+                      <a:r>
+                        <a:rPr lang="en-US" sz="1400" b="0">
+                          <a:effectLst/>
+                        </a:rPr>
+                        <a:t>It is an unordered collection of the unique elements. It prevent duplicates from being inserted in the collection.</a:t>
+                      </a:r>
+                    </a:p>
+                  </a:txBody>
+                  <a:tcPr marL="58078" marR="58078" marT="81309" marB="81309" anchor="ctr">
+                    <a:lnL w="2286" cap="flat" cmpd="sng" algn="ctr">
+                      <a:solidFill>
+                        <a:srgbClr val="DFDFDF"/>
+                      </a:solidFill>
+                      <a:prstDash val="solid"/>
+                      <a:round/>
+                      <a:headEnd type="none" w="med" len="med"/>
+                      <a:tailEnd type="none" w="med" len="med"/>
+                    </a:lnL>
+                    <a:lnR w="2286" cap="flat" cmpd="sng" algn="ctr">
+                      <a:solidFill>
+                        <a:srgbClr val="DFDFDF"/>
+                      </a:solidFill>
+                      <a:prstDash val="solid"/>
+                      <a:round/>
+                      <a:headEnd type="none" w="med" len="med"/>
+                      <a:tailEnd type="none" w="med" len="med"/>
+                    </a:lnR>
+                    <a:lnT w="2286" cap="flat" cmpd="sng" algn="ctr">
+                      <a:solidFill>
+                        <a:srgbClr val="DFDFDF"/>
+                      </a:solidFill>
+                      <a:prstDash val="solid"/>
+                      <a:round/>
+                      <a:headEnd type="none" w="med" len="med"/>
+                      <a:tailEnd type="none" w="med" len="med"/>
+                    </a:lnT>
+                    <a:lnB w="2286" cap="flat" cmpd="sng" algn="ctr">
+                      <a:solidFill>
+                        <a:srgbClr val="DFDFDF"/>
+                      </a:solidFill>
+                      <a:prstDash val="solid"/>
+                      <a:round/>
+                      <a:headEnd type="none" w="med" len="med"/>
+                      <a:tailEnd type="none" w="med" len="med"/>
+                    </a:lnB>
+                    <a:solidFill>
+                      <a:srgbClr val="FFFFFF"/>
+                    </a:solidFill>
+                  </a:tcPr>
+                </a:tc>
+                <a:extLst>
+                  <a:ext uri="{0D108BD9-81ED-4DB2-BD59-A6C34878D82A}">
+                    <a16:rowId xmlns:a16="http://schemas.microsoft.com/office/drawing/2014/main" val="572449826"/>
+                  </a:ext>
+                </a:extLst>
+              </a:tr>
+              <a:tr h="453008">
+                <a:tc>
+                  <a:txBody>
+                    <a:bodyPr/>
+                    <a:lstStyle/>
+                    <a:p>
+                      <a:pPr algn="l" fontAlgn="ctr"/>
+                      <a:r>
+                        <a:rPr lang="en-IN" sz="1400" b="0" u="sng" dirty="0">
+                          <a:solidFill>
+                            <a:srgbClr val="357960"/>
+                          </a:solidFill>
+                          <a:effectLst/>
+                        </a:rPr>
+                        <a:t>LinkedList&lt;T&gt;</a:t>
+                      </a:r>
+                      <a:endParaRPr lang="en-IN" sz="1400" b="0" dirty="0">
+                        <a:effectLst/>
+                      </a:endParaRPr>
+                    </a:p>
+                  </a:txBody>
+                  <a:tcPr marL="58078" marR="58078" marT="81309" marB="81309" anchor="ctr">
+                    <a:lnL w="2286" cap="flat" cmpd="sng" algn="ctr">
+                      <a:solidFill>
+                        <a:srgbClr val="DFDFDF"/>
+                      </a:solidFill>
+                      <a:prstDash val="solid"/>
+                      <a:round/>
+                      <a:headEnd type="none" w="med" len="med"/>
+                      <a:tailEnd type="none" w="med" len="med"/>
+                    </a:lnL>
+                    <a:lnR w="2286" cap="flat" cmpd="sng" algn="ctr">
+                      <a:solidFill>
+                        <a:srgbClr val="DFDFDF"/>
+                      </a:solidFill>
+                      <a:prstDash val="solid"/>
+                      <a:round/>
+                      <a:headEnd type="none" w="med" len="med"/>
+                      <a:tailEnd type="none" w="med" len="med"/>
+                    </a:lnR>
+                    <a:lnT w="2286" cap="flat" cmpd="sng" algn="ctr">
+                      <a:solidFill>
+                        <a:srgbClr val="DFDFDF"/>
+                      </a:solidFill>
+                      <a:prstDash val="solid"/>
+                      <a:round/>
+                      <a:headEnd type="none" w="med" len="med"/>
+                      <a:tailEnd type="none" w="med" len="med"/>
+                    </a:lnT>
+                    <a:lnB w="2286" cap="flat" cmpd="sng" algn="ctr">
+                      <a:solidFill>
+                        <a:srgbClr val="DFDFDF"/>
+                      </a:solidFill>
+                      <a:prstDash val="solid"/>
+                      <a:round/>
+                      <a:headEnd type="none" w="med" len="med"/>
+                      <a:tailEnd type="none" w="med" len="med"/>
+                    </a:lnB>
+                    <a:solidFill>
+                      <a:srgbClr val="FFFFFF"/>
+                    </a:solidFill>
+                  </a:tcPr>
+                </a:tc>
+                <a:tc>
+                  <a:txBody>
+                    <a:bodyPr/>
+                    <a:lstStyle/>
+                    <a:p>
+                      <a:pPr algn="l" fontAlgn="ctr"/>
+                      <a:r>
+                        <a:rPr lang="en-US" sz="1400" b="0" dirty="0">
+                          <a:effectLst/>
+                        </a:rPr>
+                        <a:t>It allows fast inserting and removing of elements. It implements a classic linked list.</a:t>
+                      </a:r>
+                    </a:p>
+                  </a:txBody>
+                  <a:tcPr marL="58078" marR="58078" marT="81309" marB="81309" anchor="ctr">
+                    <a:lnL w="2286" cap="flat" cmpd="sng" algn="ctr">
+                      <a:solidFill>
+                        <a:srgbClr val="DFDFDF"/>
+                      </a:solidFill>
+                      <a:prstDash val="solid"/>
+                      <a:round/>
+                      <a:headEnd type="none" w="med" len="med"/>
+                      <a:tailEnd type="none" w="med" len="med"/>
+                    </a:lnL>
+                    <a:lnR w="2286" cap="flat" cmpd="sng" algn="ctr">
+                      <a:solidFill>
+                        <a:srgbClr val="DFDFDF"/>
+                      </a:solidFill>
+                      <a:prstDash val="solid"/>
+                      <a:round/>
+                      <a:headEnd type="none" w="med" len="med"/>
+                      <a:tailEnd type="none" w="med" len="med"/>
+                    </a:lnR>
+                    <a:lnT w="2286" cap="flat" cmpd="sng" algn="ctr">
+                      <a:solidFill>
+                        <a:srgbClr val="DFDFDF"/>
+                      </a:solidFill>
+                      <a:prstDash val="solid"/>
+                      <a:round/>
+                      <a:headEnd type="none" w="med" len="med"/>
+                      <a:tailEnd type="none" w="med" len="med"/>
+                    </a:lnT>
+                    <a:lnB w="2286" cap="flat" cmpd="sng" algn="ctr">
+                      <a:solidFill>
+                        <a:srgbClr val="DFDFDF"/>
+                      </a:solidFill>
+                      <a:prstDash val="solid"/>
+                      <a:round/>
+                      <a:headEnd type="none" w="med" len="med"/>
+                      <a:tailEnd type="none" w="med" len="med"/>
+                    </a:lnB>
+                    <a:solidFill>
+                      <a:srgbClr val="FFFFFF"/>
+                    </a:solidFill>
+                  </a:tcPr>
+                </a:tc>
+                <a:extLst>
+                  <a:ext uri="{0D108BD9-81ED-4DB2-BD59-A6C34878D82A}">
+                    <a16:rowId xmlns:a16="http://schemas.microsoft.com/office/drawing/2014/main" val="3826703287"/>
+                  </a:ext>
+                </a:extLst>
+              </a:tr>
+            </a:tbl>
+          </a:graphicData>
+        </a:graphic>
+      </p:graphicFrame>
+    </p:spTree>
+    <p:extLst>
+      <p:ext uri="{BB962C8B-B14F-4D97-AF65-F5344CB8AC3E}">
+        <p14:creationId xmlns:p14="http://schemas.microsoft.com/office/powerpoint/2010/main" val="1406681344"/>
+      </p:ext>
+    </p:extLst>
+  </p:cSld>
+  <p:clrMapOvr>
+    <a:masterClrMapping/>
+  </p:clrMapOvr>
+</p:sld>
+</file>
+
+<file path=ppt/slides/slide14.xml><?xml version="1.0" encoding="utf-8"?>
+<p:sld xmlns:a="http://schemas.openxmlformats.org/drawingml/2006/main" xmlns:r="http://schemas.openxmlformats.org/officeDocument/2006/relationships" xmlns:p="http://schemas.openxmlformats.org/presentationml/2006/main">
+  <p:cSld>
+    <p:spTree>
+      <p:nvGrpSpPr>
+        <p:cNvPr id="1" name="">
+          <a:extLst>
+            <a:ext uri="{FF2B5EF4-FFF2-40B4-BE49-F238E27FC236}">
+              <a16:creationId xmlns:a16="http://schemas.microsoft.com/office/drawing/2014/main" id="{453FC44C-D5C0-65CC-79EB-874871EA45D4}"/>
+            </a:ext>
+          </a:extLst>
+        </p:cNvPr>
+        <p:cNvGrpSpPr/>
+        <p:nvPr/>
+      </p:nvGrpSpPr>
+      <p:grpSpPr>
+        <a:xfrm>
+          <a:off x="0" y="0"/>
+          <a:ext cx="0" cy="0"/>
+          <a:chOff x="0" y="0"/>
+          <a:chExt cx="0" cy="0"/>
+        </a:xfrm>
+      </p:grpSpPr>
+      <p:sp>
+        <p:nvSpPr>
+          <p:cNvPr id="2" name="TextBox 1">
+            <a:extLst>
+              <a:ext uri="{FF2B5EF4-FFF2-40B4-BE49-F238E27FC236}">
+                <a16:creationId xmlns:a16="http://schemas.microsoft.com/office/drawing/2014/main" id="{4C36EC7A-968D-FFF2-15C3-778635941D1C}"/>
+              </a:ext>
+            </a:extLst>
+          </p:cNvPr>
+          <p:cNvSpPr txBox="1"/>
+          <p:nvPr/>
+        </p:nvSpPr>
+        <p:spPr>
+          <a:xfrm>
+            <a:off x="1239715" y="0"/>
+            <a:ext cx="8484577" cy="584775"/>
+          </a:xfrm>
+          <a:prstGeom prst="rect">
+            <a:avLst/>
+          </a:prstGeom>
+          <a:noFill/>
+        </p:spPr>
+        <p:txBody>
+          <a:bodyPr wrap="square" rtlCol="0">
+            <a:spAutoFit/>
+          </a:bodyPr>
+          <a:lstStyle/>
+          <a:p>
+            <a:pPr algn="ctr" fontAlgn="base"/>
+            <a:r>
+              <a:rPr lang="en-IN" sz="3200" b="1" i="0" dirty="0">
+                <a:solidFill>
+                  <a:srgbClr val="273239"/>
+                </a:solidFill>
+                <a:effectLst/>
+              </a:rPr>
+              <a:t>Generic Collectio</a:t>
+            </a:r>
+            <a:r>
+              <a:rPr lang="en-IN" sz="3200" b="1" dirty="0">
+                <a:solidFill>
+                  <a:srgbClr val="273239"/>
+                </a:solidFill>
+              </a:rPr>
+              <a:t>n List– 1</a:t>
+            </a:r>
+          </a:p>
+        </p:txBody>
+      </p:sp>
+      <p:sp>
+        <p:nvSpPr>
+          <p:cNvPr id="3" name="TextBox 2">
+            <a:extLst>
+              <a:ext uri="{FF2B5EF4-FFF2-40B4-BE49-F238E27FC236}">
+                <a16:creationId xmlns:a16="http://schemas.microsoft.com/office/drawing/2014/main" id="{8E863003-1594-C0A0-6243-58916D8F8C14}"/>
+              </a:ext>
+            </a:extLst>
+          </p:cNvPr>
+          <p:cNvSpPr txBox="1"/>
+          <p:nvPr/>
+        </p:nvSpPr>
+        <p:spPr>
+          <a:xfrm>
+            <a:off x="1178169" y="782515"/>
+            <a:ext cx="10163908" cy="4211409"/>
+          </a:xfrm>
+          <a:prstGeom prst="rect">
+            <a:avLst/>
+          </a:prstGeom>
+          <a:noFill/>
+        </p:spPr>
+        <p:txBody>
+          <a:bodyPr wrap="square" rtlCol="0">
+            <a:spAutoFit/>
+          </a:bodyPr>
+          <a:lstStyle/>
+          <a:p>
+            <a:pPr algn="l" rtl="0" fontAlgn="base">
+              <a:spcAft>
+                <a:spcPts val="750"/>
+              </a:spcAft>
+              <a:buNone/>
+            </a:pPr>
+            <a:r>
+              <a:rPr lang="en-US" sz="1200" b="0" i="0" dirty="0">
+                <a:solidFill>
+                  <a:srgbClr val="273239"/>
+                </a:solidFill>
+                <a:effectLst/>
+                <a:latin typeface="Nunito" pitchFamily="2" charset="0"/>
+              </a:rPr>
+              <a:t>In C#, the </a:t>
+            </a:r>
+            <a:r>
+              <a:rPr lang="en-US" sz="1200" b="1" i="0" dirty="0">
+                <a:solidFill>
+                  <a:srgbClr val="273239"/>
+                </a:solidFill>
+                <a:effectLst/>
+                <a:latin typeface="Nunito" pitchFamily="2" charset="0"/>
+              </a:rPr>
+              <a:t>List&lt;T&gt; class </a:t>
+            </a:r>
+            <a:r>
+              <a:rPr lang="en-US" sz="1200" b="0" i="0" dirty="0">
+                <a:solidFill>
+                  <a:srgbClr val="273239"/>
+                </a:solidFill>
+                <a:effectLst/>
+                <a:latin typeface="Nunito" pitchFamily="2" charset="0"/>
+              </a:rPr>
+              <a:t>represents the list of objects that can be accessed by index. It comes under the </a:t>
+            </a:r>
+            <a:r>
+              <a:rPr lang="en-US" sz="1200" b="1" i="0" dirty="0" err="1">
+                <a:solidFill>
+                  <a:srgbClr val="273239"/>
+                </a:solidFill>
+                <a:effectLst/>
+                <a:latin typeface="Nunito" pitchFamily="2" charset="0"/>
+              </a:rPr>
+              <a:t>System.Collections.Generic</a:t>
+            </a:r>
+            <a:r>
+              <a:rPr lang="en-US" sz="1200" b="0" i="0" dirty="0">
+                <a:solidFill>
+                  <a:srgbClr val="273239"/>
+                </a:solidFill>
+                <a:effectLst/>
+                <a:latin typeface="Nunito" pitchFamily="2" charset="0"/>
+              </a:rPr>
+              <a:t> namespace. List class can be used to create a collection of different types like integers, strings, etc. List&lt;T&gt; class also provides the methods to search, sort, and manipulate lists.</a:t>
+            </a:r>
+          </a:p>
+          <a:p>
+            <a:pPr algn="l" fontAlgn="base">
+              <a:spcAft>
+                <a:spcPts val="1800"/>
+              </a:spcAft>
+              <a:buFont typeface="Arial" panose="020B0604020202020204" pitchFamily="34" charset="0"/>
+              <a:buChar char="•"/>
+            </a:pPr>
+            <a:r>
+              <a:rPr lang="en-US" sz="1200" b="0" i="0" dirty="0">
+                <a:solidFill>
+                  <a:srgbClr val="273239"/>
+                </a:solidFill>
+                <a:effectLst/>
+                <a:latin typeface="Nunito" pitchFamily="2" charset="0"/>
+              </a:rPr>
+              <a:t>It is different from the arrays. A </a:t>
+            </a:r>
+            <a:r>
+              <a:rPr lang="en-US" sz="1200" b="1" i="0" dirty="0">
+                <a:solidFill>
+                  <a:srgbClr val="273239"/>
+                </a:solidFill>
+                <a:effectLst/>
+                <a:latin typeface="Nunito" pitchFamily="2" charset="0"/>
+              </a:rPr>
+              <a:t>List&lt;T&gt; can be resized dynamically</a:t>
+            </a:r>
+            <a:r>
+              <a:rPr lang="en-US" sz="1200" b="0" i="0" dirty="0">
+                <a:solidFill>
+                  <a:srgbClr val="273239"/>
+                </a:solidFill>
+                <a:effectLst/>
+                <a:latin typeface="Nunito" pitchFamily="2" charset="0"/>
+              </a:rPr>
+              <a:t> but arrays cannot.</a:t>
+            </a:r>
+          </a:p>
+          <a:p>
+            <a:pPr algn="l" fontAlgn="base">
+              <a:spcAft>
+                <a:spcPts val="1800"/>
+              </a:spcAft>
+              <a:buFont typeface="Arial" panose="020B0604020202020204" pitchFamily="34" charset="0"/>
+              <a:buChar char="•"/>
+            </a:pPr>
+            <a:r>
+              <a:rPr lang="en-US" sz="1200" b="0" i="0" dirty="0">
+                <a:solidFill>
+                  <a:srgbClr val="273239"/>
+                </a:solidFill>
+                <a:effectLst/>
+                <a:latin typeface="Nunito" pitchFamily="2" charset="0"/>
+              </a:rPr>
+              <a:t>List&lt;T&gt; class can accept null as a valid value for reference types and it also allows duplicate elements.</a:t>
+            </a:r>
+          </a:p>
+          <a:p>
+            <a:pPr algn="l" fontAlgn="base">
+              <a:spcAft>
+                <a:spcPts val="1800"/>
+              </a:spcAft>
+              <a:buFont typeface="Arial" panose="020B0604020202020204" pitchFamily="34" charset="0"/>
+              <a:buChar char="•"/>
+            </a:pPr>
+            <a:r>
+              <a:rPr lang="en-US" sz="1200" b="0" i="0" dirty="0">
+                <a:solidFill>
+                  <a:srgbClr val="273239"/>
+                </a:solidFill>
+                <a:effectLst/>
+                <a:latin typeface="Nunito" pitchFamily="2" charset="0"/>
+              </a:rPr>
+              <a:t>If the Count becomes equal to Capacity, then the capacity of the List increases automatically by reallocating the internal array. The existing elements will be copied to the new array before the addition of the new element.</a:t>
+            </a:r>
+          </a:p>
+          <a:p>
+            <a:pPr algn="l" fontAlgn="base">
+              <a:spcAft>
+                <a:spcPts val="1800"/>
+              </a:spcAft>
+              <a:buFont typeface="Arial" panose="020B0604020202020204" pitchFamily="34" charset="0"/>
+              <a:buChar char="•"/>
+            </a:pPr>
+            <a:r>
+              <a:rPr lang="en-US" sz="1200" b="0" i="0" dirty="0">
+                <a:solidFill>
+                  <a:srgbClr val="273239"/>
+                </a:solidFill>
+                <a:effectLst/>
+                <a:latin typeface="Nunito" pitchFamily="2" charset="0"/>
+              </a:rPr>
+              <a:t>List&lt;T&gt; class is the generic equivalent of the </a:t>
+            </a:r>
+            <a:r>
+              <a:rPr lang="en-US" sz="1200" b="0" i="0" u="sng" dirty="0" err="1">
+                <a:solidFill>
+                  <a:srgbClr val="357960"/>
+                </a:solidFill>
+                <a:effectLst/>
+                <a:latin typeface="Nunito" pitchFamily="2" charset="0"/>
+                <a:hlinkClick r:id="rId3"/>
+              </a:rPr>
+              <a:t>ArrayList</a:t>
+            </a:r>
+            <a:r>
+              <a:rPr lang="en-US" sz="1200" b="0" i="0" u="sng" dirty="0">
+                <a:solidFill>
+                  <a:srgbClr val="357960"/>
+                </a:solidFill>
+                <a:effectLst/>
+                <a:latin typeface="Nunito" pitchFamily="2" charset="0"/>
+                <a:hlinkClick r:id="rId3"/>
+              </a:rPr>
+              <a:t> class</a:t>
+            </a:r>
+            <a:r>
+              <a:rPr lang="en-US" sz="1200" b="0" i="0" dirty="0">
+                <a:solidFill>
+                  <a:srgbClr val="273239"/>
+                </a:solidFill>
+                <a:effectLst/>
+                <a:latin typeface="Nunito" pitchFamily="2" charset="0"/>
+              </a:rPr>
+              <a:t> by implementing the </a:t>
+            </a:r>
+            <a:r>
+              <a:rPr lang="en-US" sz="1200" b="0" i="0" dirty="0" err="1">
+                <a:solidFill>
+                  <a:srgbClr val="273239"/>
+                </a:solidFill>
+                <a:effectLst/>
+                <a:latin typeface="Nunito" pitchFamily="2" charset="0"/>
+              </a:rPr>
+              <a:t>IList</a:t>
+            </a:r>
+            <a:r>
+              <a:rPr lang="en-US" sz="1200" b="0" i="0" dirty="0">
+                <a:solidFill>
+                  <a:srgbClr val="273239"/>
+                </a:solidFill>
+                <a:effectLst/>
+                <a:latin typeface="Nunito" pitchFamily="2" charset="0"/>
+              </a:rPr>
+              <a:t>&lt;T&gt; generic interface.</a:t>
+            </a:r>
+          </a:p>
+          <a:p>
+            <a:pPr algn="l" fontAlgn="base">
+              <a:spcAft>
+                <a:spcPts val="1800"/>
+              </a:spcAft>
+              <a:buFont typeface="Arial" panose="020B0604020202020204" pitchFamily="34" charset="0"/>
+              <a:buChar char="•"/>
+            </a:pPr>
+            <a:r>
+              <a:rPr lang="en-US" sz="1200" b="0" i="0" dirty="0">
+                <a:solidFill>
+                  <a:srgbClr val="273239"/>
+                </a:solidFill>
+                <a:effectLst/>
+                <a:latin typeface="Nunito" pitchFamily="2" charset="0"/>
+              </a:rPr>
+              <a:t>This class can use both equality and ordering comparisons.</a:t>
+            </a:r>
+          </a:p>
+          <a:p>
+            <a:pPr algn="l" fontAlgn="base">
+              <a:spcAft>
+                <a:spcPts val="1800"/>
+              </a:spcAft>
+              <a:buFont typeface="Arial" panose="020B0604020202020204" pitchFamily="34" charset="0"/>
+              <a:buChar char="•"/>
+            </a:pPr>
+            <a:r>
+              <a:rPr lang="en-US" sz="1200" b="0" i="0" dirty="0">
+                <a:solidFill>
+                  <a:srgbClr val="273239"/>
+                </a:solidFill>
+                <a:effectLst/>
+                <a:latin typeface="Nunito" pitchFamily="2" charset="0"/>
+              </a:rPr>
+              <a:t>List&lt;T&gt; class is not sorted by default and elements are accessed by a zero-based index.</a:t>
+            </a:r>
+          </a:p>
+          <a:p>
+            <a:pPr algn="l" fontAlgn="base">
+              <a:spcAft>
+                <a:spcPts val="1800"/>
+              </a:spcAft>
+              <a:buFont typeface="Arial" panose="020B0604020202020204" pitchFamily="34" charset="0"/>
+              <a:buChar char="•"/>
+            </a:pPr>
+            <a:r>
+              <a:rPr lang="en-US" sz="1200" b="0" i="0" dirty="0">
+                <a:solidFill>
+                  <a:srgbClr val="273239"/>
+                </a:solidFill>
+                <a:effectLst/>
+                <a:latin typeface="Nunito" pitchFamily="2" charset="0"/>
+              </a:rPr>
+              <a:t>For very large List&lt;T&gt; objects, you can increase the </a:t>
+            </a:r>
+            <a:r>
+              <a:rPr lang="en-US" sz="1200" b="1" i="0" dirty="0">
+                <a:solidFill>
+                  <a:srgbClr val="273239"/>
+                </a:solidFill>
+                <a:effectLst/>
+                <a:latin typeface="Nunito" pitchFamily="2" charset="0"/>
+              </a:rPr>
+              <a:t>maximum capacity to 2 billion elements</a:t>
+            </a:r>
+            <a:r>
+              <a:rPr lang="en-US" sz="1200" b="0" i="0" dirty="0">
+                <a:solidFill>
+                  <a:srgbClr val="273239"/>
+                </a:solidFill>
+                <a:effectLst/>
+                <a:latin typeface="Nunito" pitchFamily="2" charset="0"/>
+              </a:rPr>
+              <a:t> on a 64-bit system by setting the enabled attribute of the configuration element to true in the run-time environment.</a:t>
+            </a:r>
+          </a:p>
+          <a:p>
+            <a:pPr algn="l" fontAlgn="base">
+              <a:spcAft>
+                <a:spcPts val="1800"/>
+              </a:spcAft>
+              <a:buFont typeface="Arial" panose="020B0604020202020204" pitchFamily="34" charset="0"/>
+              <a:buChar char="•"/>
+            </a:pPr>
+            <a:r>
+              <a:rPr lang="en-US" sz="1200" dirty="0">
+                <a:solidFill>
+                  <a:srgbClr val="273239"/>
+                </a:solidFill>
+                <a:latin typeface="Nunito" pitchFamily="2" charset="0"/>
+              </a:rPr>
+              <a:t>C# has another class called </a:t>
+            </a:r>
+            <a:r>
+              <a:rPr lang="en-US" sz="1200" b="1" dirty="0" err="1">
+                <a:solidFill>
+                  <a:srgbClr val="273239"/>
+                </a:solidFill>
+                <a:latin typeface="Nunito" pitchFamily="2" charset="0"/>
+              </a:rPr>
+              <a:t>SortedList</a:t>
+            </a:r>
+            <a:r>
+              <a:rPr lang="en-US" sz="1200" dirty="0">
+                <a:solidFill>
+                  <a:srgbClr val="273239"/>
+                </a:solidFill>
+                <a:latin typeface="Nunito" pitchFamily="2" charset="0"/>
+              </a:rPr>
+              <a:t> for List that stores sorted data.</a:t>
+            </a:r>
+            <a:endParaRPr lang="en-US" sz="1200" b="0" i="0" dirty="0">
+              <a:solidFill>
+                <a:srgbClr val="273239"/>
+              </a:solidFill>
+              <a:effectLst/>
+              <a:latin typeface="Nunito" pitchFamily="2" charset="0"/>
+            </a:endParaRPr>
+          </a:p>
+        </p:txBody>
+      </p:sp>
+      <p:graphicFrame>
+        <p:nvGraphicFramePr>
+          <p:cNvPr id="4" name="Table 3">
+            <a:extLst>
+              <a:ext uri="{FF2B5EF4-FFF2-40B4-BE49-F238E27FC236}">
+                <a16:creationId xmlns:a16="http://schemas.microsoft.com/office/drawing/2014/main" id="{C5370004-7005-0E37-3088-003C62FAA1A3}"/>
+              </a:ext>
+            </a:extLst>
+          </p:cNvPr>
+          <p:cNvGraphicFramePr>
+            <a:graphicFrameLocks noGrp="1"/>
+          </p:cNvGraphicFramePr>
+          <p:nvPr>
+            <p:extLst>
+              <p:ext uri="{D42A27DB-BD31-4B8C-83A1-F6EECF244321}">
+                <p14:modId xmlns:p14="http://schemas.microsoft.com/office/powerpoint/2010/main" val="1425279845"/>
+              </p:ext>
+            </p:extLst>
+          </p:nvPr>
+        </p:nvGraphicFramePr>
+        <p:xfrm>
+          <a:off x="1663083" y="4993924"/>
+          <a:ext cx="8602064" cy="1767840"/>
+        </p:xfrm>
+        <a:graphic>
+          <a:graphicData uri="http://schemas.openxmlformats.org/drawingml/2006/table">
+            <a:tbl>
+              <a:tblPr/>
+              <a:tblGrid>
+                <a:gridCol w="4301032">
+                  <a:extLst>
+                    <a:ext uri="{9D8B030D-6E8A-4147-A177-3AD203B41FA5}">
+                      <a16:colId xmlns:a16="http://schemas.microsoft.com/office/drawing/2014/main" val="4161109540"/>
+                    </a:ext>
+                  </a:extLst>
+                </a:gridCol>
+                <a:gridCol w="4301032">
+                  <a:extLst>
+                    <a:ext uri="{9D8B030D-6E8A-4147-A177-3AD203B41FA5}">
+                      <a16:colId xmlns:a16="http://schemas.microsoft.com/office/drawing/2014/main" val="1204255933"/>
+                    </a:ext>
+                  </a:extLst>
+                </a:gridCol>
+              </a:tblGrid>
+              <a:tr h="0">
+                <a:tc>
+                  <a:txBody>
+                    <a:bodyPr/>
+                    <a:lstStyle/>
+                    <a:p>
+                      <a:pPr algn="ctr" fontAlgn="base"/>
+                      <a:r>
+                        <a:rPr lang="en-IN" sz="1400" b="1" dirty="0">
+                          <a:effectLst/>
+                        </a:rPr>
+                        <a:t>Properties</a:t>
+                      </a:r>
+                    </a:p>
+                  </a:txBody>
+                  <a:tcPr marL="38100" marR="38100" marT="76200" marB="76200" anchor="ctr">
+                    <a:lnL w="2286" cap="flat" cmpd="sng" algn="ctr">
+                      <a:solidFill>
+                        <a:srgbClr val="DFDFDF"/>
+                      </a:solidFill>
+                      <a:prstDash val="solid"/>
+                      <a:round/>
+                      <a:headEnd type="none" w="med" len="med"/>
+                      <a:tailEnd type="none" w="med" len="med"/>
+                    </a:lnL>
+                    <a:lnR w="2286" cap="flat" cmpd="sng" algn="ctr">
+                      <a:solidFill>
+                        <a:srgbClr val="DFDFDF"/>
+                      </a:solidFill>
+                      <a:prstDash val="solid"/>
+                      <a:round/>
+                      <a:headEnd type="none" w="med" len="med"/>
+                      <a:tailEnd type="none" w="med" len="med"/>
+                    </a:lnR>
+                    <a:lnT w="2286" cap="flat" cmpd="sng" algn="ctr">
+                      <a:solidFill>
+                        <a:srgbClr val="DFDFDF"/>
+                      </a:solidFill>
+                      <a:prstDash val="solid"/>
+                      <a:round/>
+                      <a:headEnd type="none" w="med" len="med"/>
+                      <a:tailEnd type="none" w="med" len="med"/>
+                    </a:lnT>
+                    <a:lnB w="2286" cap="flat" cmpd="sng" algn="ctr">
+                      <a:solidFill>
+                        <a:srgbClr val="DFDFDF"/>
+                      </a:solidFill>
+                      <a:prstDash val="solid"/>
+                      <a:round/>
+                      <a:headEnd type="none" w="med" len="med"/>
+                      <a:tailEnd type="none" w="med" len="med"/>
+                    </a:lnB>
+                    <a:solidFill>
+                      <a:srgbClr val="F9F9F9"/>
+                    </a:solidFill>
+                  </a:tcPr>
+                </a:tc>
+                <a:tc>
+                  <a:txBody>
+                    <a:bodyPr/>
+                    <a:lstStyle/>
+                    <a:p>
+                      <a:pPr algn="ctr" fontAlgn="base"/>
+                      <a:r>
+                        <a:rPr lang="en-IN" sz="1400" b="1">
+                          <a:effectLst/>
+                        </a:rPr>
+                        <a:t>Description</a:t>
+                      </a:r>
+                    </a:p>
+                  </a:txBody>
+                  <a:tcPr marL="76200" marR="76200" marT="76200" marB="76200" anchor="ctr">
+                    <a:lnL w="2286" cap="flat" cmpd="sng" algn="ctr">
+                      <a:solidFill>
+                        <a:srgbClr val="DFDFDF"/>
+                      </a:solidFill>
+                      <a:prstDash val="solid"/>
+                      <a:round/>
+                      <a:headEnd type="none" w="med" len="med"/>
+                      <a:tailEnd type="none" w="med" len="med"/>
+                    </a:lnL>
+                    <a:lnR w="2286" cap="flat" cmpd="sng" algn="ctr">
+                      <a:solidFill>
+                        <a:srgbClr val="DFDFDF"/>
+                      </a:solidFill>
+                      <a:prstDash val="solid"/>
+                      <a:round/>
+                      <a:headEnd type="none" w="med" len="med"/>
+                      <a:tailEnd type="none" w="med" len="med"/>
+                    </a:lnR>
+                    <a:lnT w="2286" cap="flat" cmpd="sng" algn="ctr">
+                      <a:solidFill>
+                        <a:srgbClr val="DFDFDF"/>
+                      </a:solidFill>
+                      <a:prstDash val="solid"/>
+                      <a:round/>
+                      <a:headEnd type="none" w="med" len="med"/>
+                      <a:tailEnd type="none" w="med" len="med"/>
+                    </a:lnT>
+                    <a:lnB w="2286" cap="flat" cmpd="sng" algn="ctr">
+                      <a:solidFill>
+                        <a:srgbClr val="DFDFDF"/>
+                      </a:solidFill>
+                      <a:prstDash val="solid"/>
+                      <a:round/>
+                      <a:headEnd type="none" w="med" len="med"/>
+                      <a:tailEnd type="none" w="med" len="med"/>
+                    </a:lnB>
+                    <a:solidFill>
+                      <a:srgbClr val="F9F9F9"/>
+                    </a:solidFill>
+                  </a:tcPr>
+                </a:tc>
+                <a:extLst>
+                  <a:ext uri="{0D108BD9-81ED-4DB2-BD59-A6C34878D82A}">
+                    <a16:rowId xmlns:a16="http://schemas.microsoft.com/office/drawing/2014/main" val="1798733783"/>
+                  </a:ext>
+                </a:extLst>
+              </a:tr>
+              <a:tr h="0">
+                <a:tc>
+                  <a:txBody>
+                    <a:bodyPr/>
+                    <a:lstStyle/>
+                    <a:p>
+                      <a:pPr algn="ctr" fontAlgn="ctr"/>
+                      <a:r>
+                        <a:rPr lang="en-IN" sz="1250" b="1" u="sng" dirty="0">
+                          <a:solidFill>
+                            <a:srgbClr val="357960"/>
+                          </a:solidFill>
+                          <a:effectLst/>
+                        </a:rPr>
+                        <a:t>Capacity</a:t>
+                      </a:r>
+                      <a:endParaRPr lang="en-IN" sz="1250" b="0" dirty="0">
+                        <a:effectLst/>
+                      </a:endParaRPr>
+                    </a:p>
+                  </a:txBody>
+                  <a:tcPr marL="76200" marR="76200" marT="106680" marB="106680" anchor="ctr">
+                    <a:lnL w="2286" cap="flat" cmpd="sng" algn="ctr">
+                      <a:solidFill>
+                        <a:srgbClr val="DFDFDF"/>
+                      </a:solidFill>
+                      <a:prstDash val="solid"/>
+                      <a:round/>
+                      <a:headEnd type="none" w="med" len="med"/>
+                      <a:tailEnd type="none" w="med" len="med"/>
+                    </a:lnL>
+                    <a:lnR w="2286" cap="flat" cmpd="sng" algn="ctr">
+                      <a:solidFill>
+                        <a:srgbClr val="DFDFDF"/>
+                      </a:solidFill>
+                      <a:prstDash val="solid"/>
+                      <a:round/>
+                      <a:headEnd type="none" w="med" len="med"/>
+                      <a:tailEnd type="none" w="med" len="med"/>
+                    </a:lnR>
+                    <a:lnT w="2286" cap="flat" cmpd="sng" algn="ctr">
+                      <a:solidFill>
+                        <a:srgbClr val="DFDFDF"/>
+                      </a:solidFill>
+                      <a:prstDash val="solid"/>
+                      <a:round/>
+                      <a:headEnd type="none" w="med" len="med"/>
+                      <a:tailEnd type="none" w="med" len="med"/>
+                    </a:lnT>
+                    <a:lnB w="2286" cap="flat" cmpd="sng" algn="ctr">
+                      <a:solidFill>
+                        <a:srgbClr val="DFDFDF"/>
+                      </a:solidFill>
+                      <a:prstDash val="solid"/>
+                      <a:round/>
+                      <a:headEnd type="none" w="med" len="med"/>
+                      <a:tailEnd type="none" w="med" len="med"/>
+                    </a:lnB>
+                    <a:solidFill>
+                      <a:srgbClr val="FFFFFF"/>
+                    </a:solidFill>
+                  </a:tcPr>
+                </a:tc>
+                <a:tc>
+                  <a:txBody>
+                    <a:bodyPr/>
+                    <a:lstStyle/>
+                    <a:p>
+                      <a:pPr algn="ctr" fontAlgn="ctr"/>
+                      <a:r>
+                        <a:rPr lang="en-US" sz="1250" b="0">
+                          <a:effectLst/>
+                        </a:rPr>
+                        <a:t>Gets or sets the total number of elements the internal data structure can hold without resizing.</a:t>
+                      </a:r>
+                    </a:p>
+                  </a:txBody>
+                  <a:tcPr marL="76200" marR="76200" marT="106680" marB="106680" anchor="ctr">
+                    <a:lnL w="2286" cap="flat" cmpd="sng" algn="ctr">
+                      <a:solidFill>
+                        <a:srgbClr val="DFDFDF"/>
+                      </a:solidFill>
+                      <a:prstDash val="solid"/>
+                      <a:round/>
+                      <a:headEnd type="none" w="med" len="med"/>
+                      <a:tailEnd type="none" w="med" len="med"/>
+                    </a:lnL>
+                    <a:lnR w="2286" cap="flat" cmpd="sng" algn="ctr">
+                      <a:solidFill>
+                        <a:srgbClr val="DFDFDF"/>
+                      </a:solidFill>
+                      <a:prstDash val="solid"/>
+                      <a:round/>
+                      <a:headEnd type="none" w="med" len="med"/>
+                      <a:tailEnd type="none" w="med" len="med"/>
+                    </a:lnR>
+                    <a:lnT w="2286" cap="flat" cmpd="sng" algn="ctr">
+                      <a:solidFill>
+                        <a:srgbClr val="DFDFDF"/>
+                      </a:solidFill>
+                      <a:prstDash val="solid"/>
+                      <a:round/>
+                      <a:headEnd type="none" w="med" len="med"/>
+                      <a:tailEnd type="none" w="med" len="med"/>
+                    </a:lnT>
+                    <a:lnB w="2286" cap="flat" cmpd="sng" algn="ctr">
+                      <a:solidFill>
+                        <a:srgbClr val="DFDFDF"/>
+                      </a:solidFill>
+                      <a:prstDash val="solid"/>
+                      <a:round/>
+                      <a:headEnd type="none" w="med" len="med"/>
+                      <a:tailEnd type="none" w="med" len="med"/>
+                    </a:lnB>
+                    <a:solidFill>
+                      <a:srgbClr val="FFFFFF"/>
+                    </a:solidFill>
+                  </a:tcPr>
+                </a:tc>
+                <a:extLst>
+                  <a:ext uri="{0D108BD9-81ED-4DB2-BD59-A6C34878D82A}">
+                    <a16:rowId xmlns:a16="http://schemas.microsoft.com/office/drawing/2014/main" val="3359374010"/>
+                  </a:ext>
+                </a:extLst>
+              </a:tr>
+              <a:tr h="0">
+                <a:tc>
+                  <a:txBody>
+                    <a:bodyPr/>
+                    <a:lstStyle/>
+                    <a:p>
+                      <a:pPr algn="ctr" fontAlgn="ctr"/>
+                      <a:r>
+                        <a:rPr lang="en-IN" sz="1250" b="1" u="sng" dirty="0">
+                          <a:solidFill>
+                            <a:srgbClr val="357960"/>
+                          </a:solidFill>
+                          <a:effectLst/>
+                        </a:rPr>
+                        <a:t>Count</a:t>
+                      </a:r>
+                      <a:endParaRPr lang="en-IN" sz="1250" b="0" dirty="0">
+                        <a:effectLst/>
+                      </a:endParaRPr>
+                    </a:p>
+                  </a:txBody>
+                  <a:tcPr marL="76200" marR="76200" marT="106680" marB="106680" anchor="ctr">
+                    <a:lnL w="2286" cap="flat" cmpd="sng" algn="ctr">
+                      <a:solidFill>
+                        <a:srgbClr val="DFDFDF"/>
+                      </a:solidFill>
+                      <a:prstDash val="solid"/>
+                      <a:round/>
+                      <a:headEnd type="none" w="med" len="med"/>
+                      <a:tailEnd type="none" w="med" len="med"/>
+                    </a:lnL>
+                    <a:lnR w="2286" cap="flat" cmpd="sng" algn="ctr">
+                      <a:solidFill>
+                        <a:srgbClr val="DFDFDF"/>
+                      </a:solidFill>
+                      <a:prstDash val="solid"/>
+                      <a:round/>
+                      <a:headEnd type="none" w="med" len="med"/>
+                      <a:tailEnd type="none" w="med" len="med"/>
+                    </a:lnR>
+                    <a:lnT w="2286" cap="flat" cmpd="sng" algn="ctr">
+                      <a:solidFill>
+                        <a:srgbClr val="DFDFDF"/>
+                      </a:solidFill>
+                      <a:prstDash val="solid"/>
+                      <a:round/>
+                      <a:headEnd type="none" w="med" len="med"/>
+                      <a:tailEnd type="none" w="med" len="med"/>
+                    </a:lnT>
+                    <a:lnB w="2286" cap="flat" cmpd="sng" algn="ctr">
+                      <a:solidFill>
+                        <a:srgbClr val="DFDFDF"/>
+                      </a:solidFill>
+                      <a:prstDash val="solid"/>
+                      <a:round/>
+                      <a:headEnd type="none" w="med" len="med"/>
+                      <a:tailEnd type="none" w="med" len="med"/>
+                    </a:lnB>
+                    <a:solidFill>
+                      <a:srgbClr val="FFFFFF"/>
+                    </a:solidFill>
+                  </a:tcPr>
+                </a:tc>
+                <a:tc>
+                  <a:txBody>
+                    <a:bodyPr/>
+                    <a:lstStyle/>
+                    <a:p>
+                      <a:pPr algn="ctr" fontAlgn="ctr"/>
+                      <a:r>
+                        <a:rPr lang="en-US" sz="1250" b="0">
+                          <a:effectLst/>
+                        </a:rPr>
+                        <a:t>Gets the number of elements contained in the List&lt;T&gt;.</a:t>
+                      </a:r>
+                    </a:p>
+                  </a:txBody>
+                  <a:tcPr marL="76200" marR="76200" marT="106680" marB="106680" anchor="ctr">
+                    <a:lnL w="2286" cap="flat" cmpd="sng" algn="ctr">
+                      <a:solidFill>
+                        <a:srgbClr val="DFDFDF"/>
+                      </a:solidFill>
+                      <a:prstDash val="solid"/>
+                      <a:round/>
+                      <a:headEnd type="none" w="med" len="med"/>
+                      <a:tailEnd type="none" w="med" len="med"/>
+                    </a:lnL>
+                    <a:lnR w="2286" cap="flat" cmpd="sng" algn="ctr">
+                      <a:solidFill>
+                        <a:srgbClr val="DFDFDF"/>
+                      </a:solidFill>
+                      <a:prstDash val="solid"/>
+                      <a:round/>
+                      <a:headEnd type="none" w="med" len="med"/>
+                      <a:tailEnd type="none" w="med" len="med"/>
+                    </a:lnR>
+                    <a:lnT w="2286" cap="flat" cmpd="sng" algn="ctr">
+                      <a:solidFill>
+                        <a:srgbClr val="DFDFDF"/>
+                      </a:solidFill>
+                      <a:prstDash val="solid"/>
+                      <a:round/>
+                      <a:headEnd type="none" w="med" len="med"/>
+                      <a:tailEnd type="none" w="med" len="med"/>
+                    </a:lnT>
+                    <a:lnB w="2286" cap="flat" cmpd="sng" algn="ctr">
+                      <a:solidFill>
+                        <a:srgbClr val="DFDFDF"/>
+                      </a:solidFill>
+                      <a:prstDash val="solid"/>
+                      <a:round/>
+                      <a:headEnd type="none" w="med" len="med"/>
+                      <a:tailEnd type="none" w="med" len="med"/>
+                    </a:lnB>
+                    <a:solidFill>
+                      <a:srgbClr val="FFFFFF"/>
+                    </a:solidFill>
+                  </a:tcPr>
+                </a:tc>
+                <a:extLst>
+                  <a:ext uri="{0D108BD9-81ED-4DB2-BD59-A6C34878D82A}">
+                    <a16:rowId xmlns:a16="http://schemas.microsoft.com/office/drawing/2014/main" val="315663975"/>
+                  </a:ext>
+                </a:extLst>
+              </a:tr>
+              <a:tr h="0">
+                <a:tc>
+                  <a:txBody>
+                    <a:bodyPr/>
+                    <a:lstStyle/>
+                    <a:p>
+                      <a:pPr algn="ctr" fontAlgn="ctr"/>
+                      <a:r>
+                        <a:rPr lang="en-IN" sz="1250" b="1" u="sng" dirty="0">
+                          <a:solidFill>
+                            <a:srgbClr val="357960"/>
+                          </a:solidFill>
+                          <a:effectLst/>
+                        </a:rPr>
+                        <a:t>Item[Int32]</a:t>
+                      </a:r>
+                      <a:endParaRPr lang="en-IN" sz="1250" b="0" dirty="0">
+                        <a:effectLst/>
+                      </a:endParaRPr>
+                    </a:p>
+                  </a:txBody>
+                  <a:tcPr marL="76200" marR="76200" marT="106680" marB="106680" anchor="ctr">
+                    <a:lnL w="2286" cap="flat" cmpd="sng" algn="ctr">
+                      <a:solidFill>
+                        <a:srgbClr val="DFDFDF"/>
+                      </a:solidFill>
+                      <a:prstDash val="solid"/>
+                      <a:round/>
+                      <a:headEnd type="none" w="med" len="med"/>
+                      <a:tailEnd type="none" w="med" len="med"/>
+                    </a:lnL>
+                    <a:lnR w="2286" cap="flat" cmpd="sng" algn="ctr">
+                      <a:solidFill>
+                        <a:srgbClr val="DFDFDF"/>
+                      </a:solidFill>
+                      <a:prstDash val="solid"/>
+                      <a:round/>
+                      <a:headEnd type="none" w="med" len="med"/>
+                      <a:tailEnd type="none" w="med" len="med"/>
+                    </a:lnR>
+                    <a:lnT w="2286" cap="flat" cmpd="sng" algn="ctr">
+                      <a:solidFill>
+                        <a:srgbClr val="DFDFDF"/>
+                      </a:solidFill>
+                      <a:prstDash val="solid"/>
+                      <a:round/>
+                      <a:headEnd type="none" w="med" len="med"/>
+                      <a:tailEnd type="none" w="med" len="med"/>
+                    </a:lnT>
+                    <a:lnB w="2286" cap="flat" cmpd="sng" algn="ctr">
+                      <a:solidFill>
+                        <a:srgbClr val="DFDFDF"/>
+                      </a:solidFill>
+                      <a:prstDash val="solid"/>
+                      <a:round/>
+                      <a:headEnd type="none" w="med" len="med"/>
+                      <a:tailEnd type="none" w="med" len="med"/>
+                    </a:lnB>
+                    <a:solidFill>
+                      <a:srgbClr val="FFFFFF"/>
+                    </a:solidFill>
+                  </a:tcPr>
+                </a:tc>
+                <a:tc>
+                  <a:txBody>
+                    <a:bodyPr/>
+                    <a:lstStyle/>
+                    <a:p>
+                      <a:pPr algn="ctr" fontAlgn="ctr"/>
+                      <a:r>
+                        <a:rPr lang="en-US" sz="1250" b="0" dirty="0">
+                          <a:effectLst/>
+                        </a:rPr>
+                        <a:t>Gets or sets the element at the specified index.</a:t>
+                      </a:r>
+                    </a:p>
+                  </a:txBody>
+                  <a:tcPr marL="76200" marR="76200" marT="106680" marB="106680" anchor="ctr">
+                    <a:lnL w="2286" cap="flat" cmpd="sng" algn="ctr">
+                      <a:solidFill>
+                        <a:srgbClr val="DFDFDF"/>
+                      </a:solidFill>
+                      <a:prstDash val="solid"/>
+                      <a:round/>
+                      <a:headEnd type="none" w="med" len="med"/>
+                      <a:tailEnd type="none" w="med" len="med"/>
+                    </a:lnL>
+                    <a:lnR w="2286" cap="flat" cmpd="sng" algn="ctr">
+                      <a:solidFill>
+                        <a:srgbClr val="DFDFDF"/>
+                      </a:solidFill>
+                      <a:prstDash val="solid"/>
+                      <a:round/>
+                      <a:headEnd type="none" w="med" len="med"/>
+                      <a:tailEnd type="none" w="med" len="med"/>
+                    </a:lnR>
+                    <a:lnT w="2286" cap="flat" cmpd="sng" algn="ctr">
+                      <a:solidFill>
+                        <a:srgbClr val="DFDFDF"/>
+                      </a:solidFill>
+                      <a:prstDash val="solid"/>
+                      <a:round/>
+                      <a:headEnd type="none" w="med" len="med"/>
+                      <a:tailEnd type="none" w="med" len="med"/>
+                    </a:lnT>
+                    <a:lnB w="2286" cap="flat" cmpd="sng" algn="ctr">
+                      <a:solidFill>
+                        <a:srgbClr val="DFDFDF"/>
+                      </a:solidFill>
+                      <a:prstDash val="solid"/>
+                      <a:round/>
+                      <a:headEnd type="none" w="med" len="med"/>
+                      <a:tailEnd type="none" w="med" len="med"/>
+                    </a:lnB>
+                    <a:solidFill>
+                      <a:srgbClr val="FFFFFF"/>
+                    </a:solidFill>
+                  </a:tcPr>
+                </a:tc>
+                <a:extLst>
+                  <a:ext uri="{0D108BD9-81ED-4DB2-BD59-A6C34878D82A}">
+                    <a16:rowId xmlns:a16="http://schemas.microsoft.com/office/drawing/2014/main" val="4195909981"/>
+                  </a:ext>
+                </a:extLst>
+              </a:tr>
+            </a:tbl>
+          </a:graphicData>
+        </a:graphic>
+      </p:graphicFrame>
+    </p:spTree>
+    <p:extLst>
+      <p:ext uri="{BB962C8B-B14F-4D97-AF65-F5344CB8AC3E}">
+        <p14:creationId xmlns:p14="http://schemas.microsoft.com/office/powerpoint/2010/main" val="827764608"/>
+      </p:ext>
+    </p:extLst>
+  </p:cSld>
+  <p:clrMapOvr>
+    <a:masterClrMapping/>
+  </p:clrMapOvr>
+</p:sld>
+</file>
+
+<file path=ppt/slides/slide15.xml><?xml version="1.0" encoding="utf-8"?>
+<p:sld xmlns:a="http://schemas.openxmlformats.org/drawingml/2006/main" xmlns:r="http://schemas.openxmlformats.org/officeDocument/2006/relationships" xmlns:p="http://schemas.openxmlformats.org/presentationml/2006/main">
+  <p:cSld>
+    <p:spTree>
+      <p:nvGrpSpPr>
+        <p:cNvPr id="1" name="">
+          <a:extLst>
+            <a:ext uri="{FF2B5EF4-FFF2-40B4-BE49-F238E27FC236}">
+              <a16:creationId xmlns:a16="http://schemas.microsoft.com/office/drawing/2014/main" id="{C677C3F4-F64B-AFBB-B289-D7DDA034DD43}"/>
+            </a:ext>
+          </a:extLst>
+        </p:cNvPr>
+        <p:cNvGrpSpPr/>
+        <p:nvPr/>
+      </p:nvGrpSpPr>
+      <p:grpSpPr>
+        <a:xfrm>
+          <a:off x="0" y="0"/>
+          <a:ext cx="0" cy="0"/>
+          <a:chOff x="0" y="0"/>
+          <a:chExt cx="0" cy="0"/>
+        </a:xfrm>
+      </p:grpSpPr>
+      <p:sp>
+        <p:nvSpPr>
+          <p:cNvPr id="2" name="TextBox 1">
+            <a:extLst>
+              <a:ext uri="{FF2B5EF4-FFF2-40B4-BE49-F238E27FC236}">
+                <a16:creationId xmlns:a16="http://schemas.microsoft.com/office/drawing/2014/main" id="{A20B84C4-EA13-178D-3410-B5A0543D8115}"/>
+              </a:ext>
+            </a:extLst>
+          </p:cNvPr>
+          <p:cNvSpPr txBox="1"/>
+          <p:nvPr/>
+        </p:nvSpPr>
+        <p:spPr>
+          <a:xfrm>
+            <a:off x="1239715" y="0"/>
+            <a:ext cx="8484577" cy="584775"/>
+          </a:xfrm>
+          <a:prstGeom prst="rect">
+            <a:avLst/>
+          </a:prstGeom>
+          <a:noFill/>
+        </p:spPr>
+        <p:txBody>
+          <a:bodyPr wrap="square" rtlCol="0">
+            <a:spAutoFit/>
+          </a:bodyPr>
+          <a:lstStyle/>
+          <a:p>
+            <a:pPr algn="ctr" fontAlgn="base"/>
+            <a:r>
+              <a:rPr lang="en-IN" sz="3200" b="1" i="0" dirty="0">
+                <a:solidFill>
+                  <a:srgbClr val="273239"/>
+                </a:solidFill>
+                <a:effectLst/>
+              </a:rPr>
+              <a:t>Generic Collectio</a:t>
+            </a:r>
+            <a:r>
+              <a:rPr lang="en-IN" sz="3200" b="1" dirty="0">
+                <a:solidFill>
+                  <a:srgbClr val="273239"/>
+                </a:solidFill>
+              </a:rPr>
+              <a:t>n Dictionary– 2</a:t>
+            </a:r>
+          </a:p>
+        </p:txBody>
+      </p:sp>
+      <p:sp>
+        <p:nvSpPr>
+          <p:cNvPr id="3" name="TextBox 2">
+            <a:extLst>
+              <a:ext uri="{FF2B5EF4-FFF2-40B4-BE49-F238E27FC236}">
+                <a16:creationId xmlns:a16="http://schemas.microsoft.com/office/drawing/2014/main" id="{8013A9AE-81C9-0BAF-F999-DFB9862B24B0}"/>
+              </a:ext>
+            </a:extLst>
+          </p:cNvPr>
+          <p:cNvSpPr txBox="1"/>
+          <p:nvPr/>
+        </p:nvSpPr>
+        <p:spPr>
+          <a:xfrm>
+            <a:off x="1178169" y="782515"/>
+            <a:ext cx="10163908" cy="5144998"/>
+          </a:xfrm>
+          <a:prstGeom prst="rect">
+            <a:avLst/>
+          </a:prstGeom>
+          <a:noFill/>
+        </p:spPr>
+        <p:txBody>
+          <a:bodyPr wrap="square" rtlCol="0">
+            <a:spAutoFit/>
+          </a:bodyPr>
+          <a:lstStyle/>
+          <a:p>
+            <a:pPr algn="l" rtl="0" fontAlgn="base">
+              <a:spcAft>
+                <a:spcPts val="750"/>
+              </a:spcAft>
+              <a:buNone/>
+            </a:pPr>
+            <a:r>
+              <a:rPr lang="en-US" sz="1200" b="1" i="0" dirty="0">
+                <a:solidFill>
+                  <a:srgbClr val="273239"/>
+                </a:solidFill>
+                <a:effectLst/>
+                <a:latin typeface="Nunito" pitchFamily="2" charset="0"/>
+              </a:rPr>
+              <a:t>Dictionary in C#</a:t>
+            </a:r>
+            <a:r>
+              <a:rPr lang="en-US" sz="1200" b="0" i="0" dirty="0">
+                <a:solidFill>
+                  <a:srgbClr val="273239"/>
+                </a:solidFill>
+                <a:effectLst/>
+                <a:latin typeface="Nunito" pitchFamily="2" charset="0"/>
+              </a:rPr>
+              <a:t> is a generic collection that stores key-value pairs. The advantage of a Dictionary is, that it is a generic type. A dictionary is defined under </a:t>
+            </a:r>
+            <a:r>
+              <a:rPr lang="en-US" sz="1200" b="0" i="0" dirty="0" err="1">
+                <a:solidFill>
+                  <a:srgbClr val="273239"/>
+                </a:solidFill>
+                <a:effectLst/>
+                <a:latin typeface="Nunito" pitchFamily="2" charset="0"/>
+              </a:rPr>
+              <a:t>System.Collections.Generic</a:t>
+            </a:r>
+            <a:r>
+              <a:rPr lang="en-US" sz="1200" b="0" i="0" dirty="0">
+                <a:solidFill>
+                  <a:srgbClr val="273239"/>
+                </a:solidFill>
+                <a:effectLst/>
+                <a:latin typeface="Nunito" pitchFamily="2" charset="0"/>
+              </a:rPr>
+              <a:t> namespace. It is dynamic in nature means the size of the dictionary is growing according to the need.</a:t>
+            </a:r>
+          </a:p>
+          <a:p>
+            <a:pPr algn="l" fontAlgn="base">
+              <a:spcAft>
+                <a:spcPts val="1800"/>
+              </a:spcAft>
+              <a:buFont typeface="Arial" panose="020B0604020202020204" pitchFamily="34" charset="0"/>
+              <a:buChar char="•"/>
+            </a:pPr>
+            <a:r>
+              <a:rPr lang="en-US" sz="1200" b="1" i="0" dirty="0">
+                <a:solidFill>
+                  <a:srgbClr val="273239"/>
+                </a:solidFill>
+                <a:effectLst/>
+                <a:latin typeface="Nunito" pitchFamily="2" charset="0"/>
+              </a:rPr>
+              <a:t>Key-Value Pair: </a:t>
+            </a:r>
+            <a:r>
+              <a:rPr lang="en-US" sz="1200" b="0" i="0" dirty="0">
+                <a:solidFill>
+                  <a:srgbClr val="273239"/>
+                </a:solidFill>
+                <a:effectLst/>
+                <a:latin typeface="Nunito" pitchFamily="2" charset="0"/>
+              </a:rPr>
+              <a:t>The value is stored in the Key-Value pair.</a:t>
+            </a:r>
+          </a:p>
+          <a:p>
+            <a:pPr algn="l" fontAlgn="base">
+              <a:spcAft>
+                <a:spcPts val="1800"/>
+              </a:spcAft>
+              <a:buFont typeface="Arial" panose="020B0604020202020204" pitchFamily="34" charset="0"/>
+              <a:buChar char="•"/>
+            </a:pPr>
+            <a:r>
+              <a:rPr lang="en-US" sz="1200" b="1" i="0" dirty="0">
+                <a:solidFill>
+                  <a:srgbClr val="273239"/>
+                </a:solidFill>
+                <a:effectLst/>
+                <a:latin typeface="Nunito" pitchFamily="2" charset="0"/>
+              </a:rPr>
+              <a:t>Efficient Lookup</a:t>
+            </a:r>
+            <a:r>
+              <a:rPr lang="en-US" sz="1200" b="0" i="0" dirty="0">
+                <a:solidFill>
+                  <a:srgbClr val="273239"/>
+                </a:solidFill>
+                <a:effectLst/>
+                <a:latin typeface="Nunito" pitchFamily="2" charset="0"/>
+              </a:rPr>
+              <a:t>: It provides fast lookups for values based on keys.</a:t>
+            </a:r>
+          </a:p>
+          <a:p>
+            <a:pPr algn="l" fontAlgn="base">
+              <a:spcAft>
+                <a:spcPts val="1800"/>
+              </a:spcAft>
+              <a:buFont typeface="Arial" panose="020B0604020202020204" pitchFamily="34" charset="0"/>
+              <a:buChar char="•"/>
+            </a:pPr>
+            <a:r>
+              <a:rPr lang="en-US" sz="1200" b="1" i="0" dirty="0">
+                <a:solidFill>
+                  <a:srgbClr val="273239"/>
+                </a:solidFill>
+                <a:effectLst/>
+                <a:latin typeface="Nunito" pitchFamily="2" charset="0"/>
+              </a:rPr>
+              <a:t>Unique Keys</a:t>
+            </a:r>
+            <a:r>
+              <a:rPr lang="en-US" sz="1200" b="0" i="0" dirty="0">
+                <a:solidFill>
+                  <a:srgbClr val="273239"/>
+                </a:solidFill>
+                <a:effectLst/>
+                <a:latin typeface="Nunito" pitchFamily="2" charset="0"/>
+              </a:rPr>
+              <a:t>: Stored keys uniquely and adding duplicate keys results in a runtime exception.</a:t>
+            </a:r>
+          </a:p>
+          <a:p>
+            <a:pPr fontAlgn="base">
+              <a:spcAft>
+                <a:spcPts val="1800"/>
+              </a:spcAft>
+              <a:buFont typeface="Arial" panose="020B0604020202020204" pitchFamily="34" charset="0"/>
+              <a:buChar char="•"/>
+            </a:pPr>
+            <a:r>
+              <a:rPr lang="en-US" sz="1200" dirty="0">
+                <a:solidFill>
+                  <a:srgbClr val="273239"/>
+                </a:solidFill>
+                <a:latin typeface="Nunito" pitchFamily="2" charset="0"/>
+              </a:rPr>
+              <a:t>C# has another class called </a:t>
+            </a:r>
+            <a:r>
+              <a:rPr lang="en-US" sz="1200" b="1" dirty="0" err="1">
+                <a:solidFill>
+                  <a:srgbClr val="273239"/>
+                </a:solidFill>
+                <a:latin typeface="Nunito" pitchFamily="2" charset="0"/>
+              </a:rPr>
+              <a:t>SortedDictionary</a:t>
+            </a:r>
+            <a:r>
+              <a:rPr lang="en-US" sz="1200" dirty="0">
+                <a:solidFill>
+                  <a:srgbClr val="273239"/>
+                </a:solidFill>
+                <a:latin typeface="Nunito" pitchFamily="2" charset="0"/>
+              </a:rPr>
+              <a:t> for List that stores sorted data based on value part of dictionary but the keys will always be unique.</a:t>
+            </a:r>
+            <a:endParaRPr lang="en-US" sz="1200" b="0" i="0" dirty="0">
+              <a:solidFill>
+                <a:srgbClr val="273239"/>
+              </a:solidFill>
+              <a:effectLst/>
+              <a:latin typeface="Nunito" pitchFamily="2" charset="0"/>
+            </a:endParaRPr>
+          </a:p>
+          <a:p>
+            <a:pPr algn="l" fontAlgn="base">
+              <a:spcAft>
+                <a:spcPts val="1800"/>
+              </a:spcAft>
+            </a:pPr>
+            <a:endParaRPr lang="en-US" sz="1200" dirty="0">
+              <a:solidFill>
+                <a:srgbClr val="273239"/>
+              </a:solidFill>
+              <a:latin typeface="Nunito" pitchFamily="2" charset="0"/>
+            </a:endParaRPr>
+          </a:p>
+          <a:p>
+            <a:pPr fontAlgn="base">
+              <a:spcAft>
+                <a:spcPts val="1800"/>
+              </a:spcAft>
+              <a:buFont typeface="Arial" panose="020B0604020202020204" pitchFamily="34" charset="0"/>
+              <a:buChar char="•"/>
+            </a:pPr>
+            <a:r>
+              <a:rPr lang="en-IN" sz="1200" b="1" i="0" dirty="0">
+                <a:solidFill>
+                  <a:srgbClr val="273239"/>
+                </a:solidFill>
+                <a:effectLst/>
+                <a:latin typeface="Nunito" pitchFamily="2" charset="0"/>
+              </a:rPr>
+              <a:t>Checking Element</a:t>
+            </a:r>
+          </a:p>
+          <a:p>
+            <a:pPr algn="l" fontAlgn="base">
+              <a:spcAft>
+                <a:spcPts val="1800"/>
+              </a:spcAft>
+              <a:buFont typeface="Arial" panose="020B0604020202020204" pitchFamily="34" charset="0"/>
+              <a:buChar char="•"/>
+            </a:pPr>
+            <a:endParaRPr lang="en-US" sz="1200" b="0" i="0" dirty="0">
+              <a:solidFill>
+                <a:srgbClr val="273239"/>
+              </a:solidFill>
+              <a:effectLst/>
+              <a:latin typeface="Nunito" pitchFamily="2" charset="0"/>
+            </a:endParaRPr>
+          </a:p>
+          <a:p>
+            <a:pPr algn="l" rtl="0" fontAlgn="base">
+              <a:spcAft>
+                <a:spcPts val="750"/>
+              </a:spcAft>
+              <a:buNone/>
+            </a:pPr>
+            <a:r>
+              <a:rPr lang="en-US" sz="1200" b="0" i="0" dirty="0">
+                <a:solidFill>
+                  <a:srgbClr val="273239"/>
+                </a:solidFill>
+                <a:effectLst/>
+                <a:latin typeface="Nunito" pitchFamily="2" charset="0"/>
+              </a:rPr>
+              <a:t>In Dictionary, we can check whether the given key or value is present in the specified dictionary or not. The Dictionary&lt;</a:t>
+            </a:r>
+            <a:r>
+              <a:rPr lang="en-US" sz="1200" b="0" i="0" dirty="0" err="1">
+                <a:solidFill>
+                  <a:srgbClr val="273239"/>
+                </a:solidFill>
+                <a:effectLst/>
+                <a:latin typeface="Nunito" pitchFamily="2" charset="0"/>
+              </a:rPr>
+              <a:t>TKey</a:t>
+            </a:r>
+            <a:r>
+              <a:rPr lang="en-US" sz="1200" b="0" i="0" dirty="0">
+                <a:solidFill>
+                  <a:srgbClr val="273239"/>
+                </a:solidFill>
+                <a:effectLst/>
+                <a:latin typeface="Nunito" pitchFamily="2" charset="0"/>
+              </a:rPr>
+              <a:t>, TValue&gt; class provides two different methods which are:</a:t>
+            </a:r>
+          </a:p>
+          <a:p>
+            <a:pPr algn="l" fontAlgn="base">
+              <a:spcAft>
+                <a:spcPts val="1800"/>
+              </a:spcAft>
+              <a:buFont typeface="Arial" panose="020B0604020202020204" pitchFamily="34" charset="0"/>
+              <a:buChar char="•"/>
+            </a:pPr>
+            <a:r>
+              <a:rPr lang="en-US" sz="1200" b="1" i="0" u="sng" dirty="0">
+                <a:solidFill>
+                  <a:srgbClr val="357960"/>
+                </a:solidFill>
+                <a:effectLst/>
+                <a:latin typeface="Nunito" pitchFamily="2" charset="0"/>
+              </a:rPr>
+              <a:t>ContainsKey</a:t>
+            </a:r>
+            <a:r>
+              <a:rPr lang="en-US" sz="1200" b="1" i="0" dirty="0">
+                <a:solidFill>
+                  <a:srgbClr val="273239"/>
+                </a:solidFill>
+                <a:effectLst/>
+                <a:latin typeface="Nunito" pitchFamily="2" charset="0"/>
+              </a:rPr>
+              <a:t>: </a:t>
+            </a:r>
+            <a:r>
+              <a:rPr lang="en-US" sz="1200" b="0" i="0" dirty="0">
+                <a:solidFill>
+                  <a:srgbClr val="273239"/>
+                </a:solidFill>
+                <a:effectLst/>
+                <a:latin typeface="Nunito" pitchFamily="2" charset="0"/>
+              </a:rPr>
+              <a:t>This method is used to check whether the Dictionary&lt;</a:t>
+            </a:r>
+            <a:r>
+              <a:rPr lang="en-US" sz="1200" b="0" i="0" dirty="0" err="1">
+                <a:solidFill>
+                  <a:srgbClr val="273239"/>
+                </a:solidFill>
+                <a:effectLst/>
+                <a:latin typeface="Nunito" pitchFamily="2" charset="0"/>
+              </a:rPr>
+              <a:t>TKey</a:t>
+            </a:r>
+            <a:r>
+              <a:rPr lang="en-US" sz="1200" b="0" i="0" dirty="0">
+                <a:solidFill>
+                  <a:srgbClr val="273239"/>
+                </a:solidFill>
+                <a:effectLst/>
+                <a:latin typeface="Nunito" pitchFamily="2" charset="0"/>
+              </a:rPr>
+              <a:t>, TValue&gt; contains the specified key.</a:t>
+            </a:r>
+          </a:p>
+          <a:p>
+            <a:pPr algn="l" fontAlgn="base">
+              <a:spcAft>
+                <a:spcPts val="1800"/>
+              </a:spcAft>
+              <a:buFont typeface="Arial" panose="020B0604020202020204" pitchFamily="34" charset="0"/>
+              <a:buChar char="•"/>
+            </a:pPr>
+            <a:r>
+              <a:rPr lang="en-US" sz="1200" b="1" i="0" u="sng" dirty="0">
+                <a:solidFill>
+                  <a:srgbClr val="357960"/>
+                </a:solidFill>
+                <a:effectLst/>
+                <a:latin typeface="Nunito" pitchFamily="2" charset="0"/>
+              </a:rPr>
+              <a:t>ContainsValue</a:t>
+            </a:r>
+            <a:r>
+              <a:rPr lang="en-US" sz="1200" b="1" i="0" dirty="0">
+                <a:solidFill>
+                  <a:srgbClr val="273239"/>
+                </a:solidFill>
+                <a:effectLst/>
+                <a:latin typeface="Nunito" pitchFamily="2" charset="0"/>
+              </a:rPr>
+              <a:t>: </a:t>
+            </a:r>
+            <a:r>
+              <a:rPr lang="en-US" sz="1200" b="0" i="0" dirty="0">
+                <a:solidFill>
+                  <a:srgbClr val="273239"/>
+                </a:solidFill>
+                <a:effectLst/>
+                <a:latin typeface="Nunito" pitchFamily="2" charset="0"/>
+              </a:rPr>
+              <a:t>This method is used to check whether the Dictionary&lt;</a:t>
+            </a:r>
+            <a:r>
+              <a:rPr lang="en-US" sz="1200" b="0" i="0" dirty="0" err="1">
+                <a:solidFill>
+                  <a:srgbClr val="273239"/>
+                </a:solidFill>
+                <a:effectLst/>
+                <a:latin typeface="Nunito" pitchFamily="2" charset="0"/>
+              </a:rPr>
+              <a:t>TKey</a:t>
+            </a:r>
+            <a:r>
+              <a:rPr lang="en-US" sz="1200" b="0" i="0" dirty="0">
+                <a:solidFill>
+                  <a:srgbClr val="273239"/>
+                </a:solidFill>
+                <a:effectLst/>
+                <a:latin typeface="Nunito" pitchFamily="2" charset="0"/>
+              </a:rPr>
+              <a:t> TValue&gt; contains a specific value.</a:t>
+            </a:r>
+          </a:p>
+          <a:p>
+            <a:pPr algn="l" fontAlgn="base">
+              <a:spcAft>
+                <a:spcPts val="1800"/>
+              </a:spcAft>
+            </a:pPr>
+            <a:endParaRPr lang="en-US" sz="1200" dirty="0">
+              <a:solidFill>
+                <a:srgbClr val="273239"/>
+              </a:solidFill>
+              <a:latin typeface="Nunito" pitchFamily="2" charset="0"/>
+            </a:endParaRPr>
+          </a:p>
+        </p:txBody>
+      </p:sp>
+    </p:spTree>
+    <p:extLst>
+      <p:ext uri="{BB962C8B-B14F-4D97-AF65-F5344CB8AC3E}">
+        <p14:creationId xmlns:p14="http://schemas.microsoft.com/office/powerpoint/2010/main" val="765220883"/>
+      </p:ext>
+    </p:extLst>
+  </p:cSld>
+  <p:clrMapOvr>
+    <a:masterClrMapping/>
+  </p:clrMapOvr>
+</p:sld>
+</file>
+
+<file path=ppt/slides/slide16.xml><?xml version="1.0" encoding="utf-8"?>
+<p:sld xmlns:a="http://schemas.openxmlformats.org/drawingml/2006/main" xmlns:r="http://schemas.openxmlformats.org/officeDocument/2006/relationships" xmlns:p="http://schemas.openxmlformats.org/presentationml/2006/main">
+  <p:cSld>
+    <p:spTree>
+      <p:nvGrpSpPr>
+        <p:cNvPr id="1" name=""/>
+        <p:cNvGrpSpPr/>
+        <p:nvPr/>
+      </p:nvGrpSpPr>
+      <p:grpSpPr>
+        <a:xfrm>
+          <a:off x="0" y="0"/>
+          <a:ext cx="0" cy="0"/>
+          <a:chOff x="0" y="0"/>
+          <a:chExt cx="0" cy="0"/>
+        </a:xfrm>
+      </p:grpSpPr>
+      <p:sp>
+        <p:nvSpPr>
+          <p:cNvPr id="10" name="TextBox 9">
+            <a:extLst>
+              <a:ext uri="{FF2B5EF4-FFF2-40B4-BE49-F238E27FC236}">
+                <a16:creationId xmlns:a16="http://schemas.microsoft.com/office/drawing/2014/main" id="{501306AA-B31C-B69E-6E9E-4DE0BBAA4D5D}"/>
+              </a:ext>
+            </a:extLst>
+          </p:cNvPr>
+          <p:cNvSpPr txBox="1"/>
+          <p:nvPr/>
+        </p:nvSpPr>
+        <p:spPr>
+          <a:xfrm>
+            <a:off x="1239715" y="0"/>
+            <a:ext cx="8484577" cy="584775"/>
+          </a:xfrm>
+          <a:prstGeom prst="rect">
+            <a:avLst/>
+          </a:prstGeom>
+          <a:noFill/>
+        </p:spPr>
+        <p:txBody>
+          <a:bodyPr wrap="square" rtlCol="0">
+            <a:spAutoFit/>
+          </a:bodyPr>
+          <a:lstStyle/>
+          <a:p>
+            <a:pPr algn="ctr" fontAlgn="base"/>
+            <a:r>
+              <a:rPr lang="en-IN" sz="3200" b="1" i="0" dirty="0">
+                <a:solidFill>
+                  <a:srgbClr val="273239"/>
+                </a:solidFill>
+                <a:effectLst/>
+              </a:rPr>
+              <a:t>Generic Collectio</a:t>
+            </a:r>
+            <a:r>
+              <a:rPr lang="en-IN" sz="3200" b="1" dirty="0">
+                <a:solidFill>
+                  <a:srgbClr val="273239"/>
+                </a:solidFill>
+              </a:rPr>
+              <a:t>n </a:t>
+            </a:r>
+            <a:r>
+              <a:rPr lang="en-IN" sz="3200" b="1" dirty="0" err="1">
+                <a:solidFill>
+                  <a:srgbClr val="273239"/>
+                </a:solidFill>
+              </a:rPr>
+              <a:t>Hashset</a:t>
+            </a:r>
+            <a:r>
+              <a:rPr lang="en-IN" sz="3200" b="1" dirty="0">
+                <a:solidFill>
+                  <a:srgbClr val="273239"/>
+                </a:solidFill>
+              </a:rPr>
+              <a:t>– 3</a:t>
+            </a:r>
+          </a:p>
+        </p:txBody>
+      </p:sp>
+      <p:sp>
+        <p:nvSpPr>
+          <p:cNvPr id="11" name="TextBox 10">
+            <a:extLst>
+              <a:ext uri="{FF2B5EF4-FFF2-40B4-BE49-F238E27FC236}">
+                <a16:creationId xmlns:a16="http://schemas.microsoft.com/office/drawing/2014/main" id="{C0518057-078C-08DF-4419-618ECDF23C73}"/>
+              </a:ext>
+            </a:extLst>
+          </p:cNvPr>
+          <p:cNvSpPr txBox="1"/>
+          <p:nvPr/>
+        </p:nvSpPr>
+        <p:spPr>
+          <a:xfrm>
+            <a:off x="661620" y="1023213"/>
+            <a:ext cx="10530988" cy="4811574"/>
+          </a:xfrm>
+          <a:prstGeom prst="rect">
+            <a:avLst/>
+          </a:prstGeom>
+          <a:noFill/>
+        </p:spPr>
+        <p:txBody>
+          <a:bodyPr wrap="square">
+            <a:spAutoFit/>
+          </a:bodyPr>
+          <a:lstStyle/>
+          <a:p>
+            <a:pPr algn="l" rtl="0" fontAlgn="base">
+              <a:spcAft>
+                <a:spcPts val="750"/>
+              </a:spcAft>
+              <a:buNone/>
+            </a:pPr>
+            <a:r>
+              <a:rPr lang="en-US" sz="1200" b="1" i="0" dirty="0">
+                <a:solidFill>
+                  <a:srgbClr val="273239"/>
+                </a:solidFill>
+                <a:effectLst/>
+                <a:latin typeface="Nunito" pitchFamily="2" charset="0"/>
+              </a:rPr>
+              <a:t>HashSet in C#</a:t>
+            </a:r>
+            <a:r>
+              <a:rPr lang="en-US" sz="1200" b="0" i="0" dirty="0">
+                <a:solidFill>
+                  <a:srgbClr val="273239"/>
+                </a:solidFill>
+                <a:effectLst/>
+                <a:latin typeface="Nunito" pitchFamily="2" charset="0"/>
+              </a:rPr>
+              <a:t> is an unordered collection of unique elements. This collection is introduced in </a:t>
+            </a:r>
+            <a:r>
+              <a:rPr lang="en-US" sz="1200" b="0" i="1" dirty="0">
+                <a:solidFill>
+                  <a:srgbClr val="273239"/>
+                </a:solidFill>
+                <a:effectLst/>
+                <a:latin typeface="Nunito" pitchFamily="2" charset="0"/>
+              </a:rPr>
+              <a:t>.NET 3.5</a:t>
+            </a:r>
+            <a:r>
+              <a:rPr lang="en-US" sz="1200" b="0" i="0" dirty="0">
+                <a:solidFill>
+                  <a:srgbClr val="273239"/>
+                </a:solidFill>
+                <a:effectLst/>
+                <a:latin typeface="Nunito" pitchFamily="2" charset="0"/>
+              </a:rPr>
+              <a:t>. It supports the implementation of sets and uses the hash table for storage. This collection is of the generic type collection and it is defined under </a:t>
+            </a:r>
+            <a:r>
+              <a:rPr lang="en-US" sz="1200" b="0" i="1" dirty="0" err="1">
+                <a:solidFill>
+                  <a:srgbClr val="273239"/>
+                </a:solidFill>
+                <a:effectLst/>
+                <a:latin typeface="Nunito" pitchFamily="2" charset="0"/>
+              </a:rPr>
+              <a:t>System.Collections.Generic</a:t>
+            </a:r>
+            <a:r>
+              <a:rPr lang="en-US" sz="1200" b="0" i="0" dirty="0">
+                <a:solidFill>
+                  <a:srgbClr val="273239"/>
+                </a:solidFill>
+                <a:effectLst/>
+                <a:latin typeface="Nunito" pitchFamily="2" charset="0"/>
+              </a:rPr>
+              <a:t> namespace. It is generally used when we want to prevent duplicate elements from being placed in the collection. The performance of the HashSet is much better in comparison to the list. </a:t>
+            </a:r>
+          </a:p>
+          <a:p>
+            <a:pPr algn="l" fontAlgn="base">
+              <a:spcAft>
+                <a:spcPts val="1800"/>
+              </a:spcAft>
+              <a:buFont typeface="Arial" panose="020B0604020202020204" pitchFamily="34" charset="0"/>
+              <a:buChar char="•"/>
+            </a:pPr>
+            <a:r>
+              <a:rPr lang="en-US" sz="1200" b="0" i="0" dirty="0">
+                <a:solidFill>
+                  <a:srgbClr val="273239"/>
+                </a:solidFill>
+                <a:effectLst/>
+                <a:latin typeface="Nunito" pitchFamily="2" charset="0"/>
+              </a:rPr>
+              <a:t>HashSet is used to store the unique elements and </a:t>
+            </a:r>
+            <a:r>
+              <a:rPr lang="en-US" sz="1200" b="1" i="0" dirty="0">
+                <a:solidFill>
+                  <a:srgbClr val="273239"/>
+                </a:solidFill>
+                <a:effectLst/>
+                <a:latin typeface="Nunito" pitchFamily="2" charset="0"/>
+              </a:rPr>
+              <a:t>doesn’t allow duplicates</a:t>
+            </a:r>
+          </a:p>
+          <a:p>
+            <a:pPr algn="l" fontAlgn="base">
+              <a:spcAft>
+                <a:spcPts val="1800"/>
+              </a:spcAft>
+              <a:buFont typeface="Arial" panose="020B0604020202020204" pitchFamily="34" charset="0"/>
+              <a:buChar char="•"/>
+            </a:pPr>
+            <a:r>
+              <a:rPr lang="en-US" sz="1200" b="0" i="0" dirty="0">
+                <a:solidFill>
+                  <a:srgbClr val="273239"/>
+                </a:solidFill>
+                <a:effectLst/>
+                <a:latin typeface="Nunito" pitchFamily="2" charset="0"/>
+              </a:rPr>
+              <a:t>It is better in performance.</a:t>
+            </a:r>
+          </a:p>
+          <a:p>
+            <a:pPr algn="l" fontAlgn="base">
+              <a:spcAft>
+                <a:spcPts val="1800"/>
+              </a:spcAft>
+              <a:buFont typeface="Arial" panose="020B0604020202020204" pitchFamily="34" charset="0"/>
+              <a:buChar char="•"/>
+            </a:pPr>
+            <a:r>
+              <a:rPr lang="en-US" sz="1200" b="0" i="0" dirty="0">
+                <a:solidFill>
+                  <a:srgbClr val="273239"/>
+                </a:solidFill>
+                <a:effectLst/>
+                <a:latin typeface="Nunito" pitchFamily="2" charset="0"/>
+              </a:rPr>
+              <a:t>It provides many mathematical set operations, such as intersection, union, and difference.</a:t>
+            </a:r>
+          </a:p>
+          <a:p>
+            <a:pPr algn="l" fontAlgn="base">
+              <a:spcAft>
+                <a:spcPts val="1800"/>
+              </a:spcAft>
+              <a:buFont typeface="Arial" panose="020B0604020202020204" pitchFamily="34" charset="0"/>
+              <a:buChar char="•"/>
+            </a:pPr>
+            <a:endParaRPr lang="en-US" sz="1200" dirty="0">
+              <a:solidFill>
+                <a:srgbClr val="273239"/>
+              </a:solidFill>
+              <a:latin typeface="Nunito" pitchFamily="2" charset="0"/>
+            </a:endParaRPr>
+          </a:p>
+          <a:p>
+            <a:pPr algn="l" fontAlgn="base">
+              <a:spcAft>
+                <a:spcPts val="1800"/>
+              </a:spcAft>
+              <a:buFont typeface="Arial" panose="020B0604020202020204" pitchFamily="34" charset="0"/>
+              <a:buChar char="•"/>
+            </a:pPr>
+            <a:r>
+              <a:rPr lang="en-US" sz="1200" b="1" i="0" dirty="0">
+                <a:solidFill>
+                  <a:srgbClr val="273239"/>
+                </a:solidFill>
+                <a:effectLst/>
+                <a:latin typeface="Nunito" pitchFamily="2" charset="0"/>
+              </a:rPr>
+              <a:t>Set Operations</a:t>
+            </a:r>
+          </a:p>
+          <a:p>
+            <a:pPr algn="l" fontAlgn="base">
+              <a:spcAft>
+                <a:spcPts val="1800"/>
+              </a:spcAft>
+              <a:buFont typeface="Arial" panose="020B0604020202020204" pitchFamily="34" charset="0"/>
+              <a:buChar char="•"/>
+            </a:pPr>
+            <a:r>
+              <a:rPr lang="en-US" sz="1200" b="0" i="0" dirty="0">
+                <a:solidFill>
+                  <a:srgbClr val="273239"/>
+                </a:solidFill>
+                <a:effectLst/>
+                <a:latin typeface="Nunito" pitchFamily="2" charset="0"/>
+              </a:rPr>
+              <a:t>The HashSet class also provides some methods that are used to perform different operations on sets and the methods are:</a:t>
+            </a:r>
+          </a:p>
+          <a:p>
+            <a:pPr algn="l" fontAlgn="base">
+              <a:spcAft>
+                <a:spcPts val="1800"/>
+              </a:spcAft>
+              <a:buFont typeface="Arial" panose="020B0604020202020204" pitchFamily="34" charset="0"/>
+              <a:buChar char="•"/>
+            </a:pPr>
+            <a:r>
+              <a:rPr lang="en-US" sz="1200" b="1" i="0" dirty="0">
+                <a:solidFill>
+                  <a:srgbClr val="273239"/>
+                </a:solidFill>
+                <a:effectLst/>
+                <a:latin typeface="Nunito" pitchFamily="2" charset="0"/>
+              </a:rPr>
+              <a:t>UnionWith(</a:t>
+            </a:r>
+            <a:r>
+              <a:rPr lang="en-US" sz="1200" b="1" i="0" dirty="0" err="1">
+                <a:solidFill>
+                  <a:srgbClr val="273239"/>
+                </a:solidFill>
+                <a:effectLst/>
+                <a:latin typeface="Nunito" pitchFamily="2" charset="0"/>
+              </a:rPr>
+              <a:t>IEnumerable</a:t>
+            </a:r>
+            <a:r>
+              <a:rPr lang="en-US" sz="1200" b="1" i="0" dirty="0">
+                <a:solidFill>
+                  <a:srgbClr val="273239"/>
+                </a:solidFill>
+                <a:effectLst/>
+                <a:latin typeface="Nunito" pitchFamily="2" charset="0"/>
+              </a:rPr>
+              <a:t>): </a:t>
+            </a:r>
+            <a:r>
+              <a:rPr lang="en-US" sz="1200" b="0" i="0" dirty="0">
+                <a:solidFill>
+                  <a:srgbClr val="273239"/>
+                </a:solidFill>
+                <a:effectLst/>
+                <a:latin typeface="Nunito" pitchFamily="2" charset="0"/>
+              </a:rPr>
+              <a:t>This method is used to modify the current HashSet object to contain all elements that are present in itself, the specified collection, or both.</a:t>
+            </a:r>
+          </a:p>
+          <a:p>
+            <a:pPr algn="l" fontAlgn="base">
+              <a:spcAft>
+                <a:spcPts val="1800"/>
+              </a:spcAft>
+              <a:buFont typeface="Arial" panose="020B0604020202020204" pitchFamily="34" charset="0"/>
+              <a:buChar char="•"/>
+            </a:pPr>
+            <a:r>
+              <a:rPr lang="en-US" sz="1200" b="1" i="0" dirty="0" err="1">
+                <a:solidFill>
+                  <a:srgbClr val="273239"/>
+                </a:solidFill>
+                <a:effectLst/>
+                <a:latin typeface="Nunito" pitchFamily="2" charset="0"/>
+              </a:rPr>
+              <a:t>IntersectWith</a:t>
+            </a:r>
+            <a:r>
+              <a:rPr lang="en-US" sz="1200" b="1" i="0" dirty="0">
+                <a:solidFill>
+                  <a:srgbClr val="273239"/>
+                </a:solidFill>
+                <a:effectLst/>
+                <a:latin typeface="Nunito" pitchFamily="2" charset="0"/>
+              </a:rPr>
+              <a:t>(</a:t>
+            </a:r>
+            <a:r>
+              <a:rPr lang="en-US" sz="1200" b="1" i="0" dirty="0" err="1">
+                <a:solidFill>
+                  <a:srgbClr val="273239"/>
+                </a:solidFill>
+                <a:effectLst/>
+                <a:latin typeface="Nunito" pitchFamily="2" charset="0"/>
+              </a:rPr>
+              <a:t>IEnumerable</a:t>
+            </a:r>
+            <a:r>
+              <a:rPr lang="en-US" sz="1200" b="1" i="0" dirty="0">
+                <a:solidFill>
+                  <a:srgbClr val="273239"/>
+                </a:solidFill>
+                <a:effectLst/>
+                <a:latin typeface="Nunito" pitchFamily="2" charset="0"/>
+              </a:rPr>
+              <a:t>): </a:t>
+            </a:r>
+            <a:r>
+              <a:rPr lang="en-US" sz="1200" b="0" i="0" dirty="0">
+                <a:solidFill>
+                  <a:srgbClr val="273239"/>
+                </a:solidFill>
+                <a:effectLst/>
+                <a:latin typeface="Nunito" pitchFamily="2" charset="0"/>
+              </a:rPr>
+              <a:t>This method is used to modify the current HashSet object to contain only elements that are present in that object and the specified collection.</a:t>
+            </a:r>
+          </a:p>
+          <a:p>
+            <a:pPr algn="l" fontAlgn="base">
+              <a:spcAft>
+                <a:spcPts val="1800"/>
+              </a:spcAft>
+              <a:buFont typeface="Arial" panose="020B0604020202020204" pitchFamily="34" charset="0"/>
+              <a:buChar char="•"/>
+            </a:pPr>
+            <a:r>
+              <a:rPr lang="en-US" sz="1200" b="1" i="0" dirty="0" err="1">
+                <a:solidFill>
+                  <a:srgbClr val="273239"/>
+                </a:solidFill>
+                <a:effectLst/>
+                <a:latin typeface="Nunito" pitchFamily="2" charset="0"/>
+              </a:rPr>
+              <a:t>ExceptWith</a:t>
+            </a:r>
+            <a:r>
+              <a:rPr lang="en-US" sz="1200" b="1" i="0" dirty="0">
+                <a:solidFill>
+                  <a:srgbClr val="273239"/>
+                </a:solidFill>
+                <a:effectLst/>
+                <a:latin typeface="Nunito" pitchFamily="2" charset="0"/>
+              </a:rPr>
+              <a:t>(</a:t>
+            </a:r>
+            <a:r>
+              <a:rPr lang="en-US" sz="1200" b="1" i="0" dirty="0" err="1">
+                <a:solidFill>
+                  <a:srgbClr val="273239"/>
+                </a:solidFill>
+                <a:effectLst/>
+                <a:latin typeface="Nunito" pitchFamily="2" charset="0"/>
+              </a:rPr>
+              <a:t>IEnumerable</a:t>
+            </a:r>
+            <a:r>
+              <a:rPr lang="en-US" sz="1200" b="1" i="0" dirty="0">
+                <a:solidFill>
+                  <a:srgbClr val="273239"/>
+                </a:solidFill>
+                <a:effectLst/>
+                <a:latin typeface="Nunito" pitchFamily="2" charset="0"/>
+              </a:rPr>
+              <a:t>)</a:t>
+            </a:r>
+            <a:r>
+              <a:rPr lang="en-US" sz="1200" b="0" i="0" dirty="0">
+                <a:solidFill>
+                  <a:srgbClr val="273239"/>
+                </a:solidFill>
+                <a:effectLst/>
+                <a:latin typeface="Nunito" pitchFamily="2" charset="0"/>
+              </a:rPr>
+              <a:t>: This method is used to remove all elements in the specified collection from the current HashSet object.</a:t>
+            </a:r>
+          </a:p>
+        </p:txBody>
+      </p:sp>
+    </p:spTree>
+    <p:extLst>
+      <p:ext uri="{BB962C8B-B14F-4D97-AF65-F5344CB8AC3E}">
+        <p14:creationId xmlns:p14="http://schemas.microsoft.com/office/powerpoint/2010/main" val="1770038754"/>
+      </p:ext>
+    </p:extLst>
+  </p:cSld>
+  <p:clrMapOvr>
+    <a:masterClrMapping/>
+  </p:clrMapOvr>
+</p:sld>
+</file>
+
+<file path=ppt/slides/slide17.xml><?xml version="1.0" encoding="utf-8"?>
+<p:sld xmlns:a="http://schemas.openxmlformats.org/drawingml/2006/main" xmlns:r="http://schemas.openxmlformats.org/officeDocument/2006/relationships" xmlns:p="http://schemas.openxmlformats.org/presentationml/2006/main">
+  <p:cSld>
+    <p:spTree>
+      <p:nvGrpSpPr>
+        <p:cNvPr id="1" name="">
+          <a:extLst>
+            <a:ext uri="{FF2B5EF4-FFF2-40B4-BE49-F238E27FC236}">
+              <a16:creationId xmlns:a16="http://schemas.microsoft.com/office/drawing/2014/main" id="{1BD0CAA7-F094-018F-E628-29B86D8BE1F1}"/>
+            </a:ext>
+          </a:extLst>
+        </p:cNvPr>
+        <p:cNvGrpSpPr/>
+        <p:nvPr/>
+      </p:nvGrpSpPr>
+      <p:grpSpPr>
+        <a:xfrm>
+          <a:off x="0" y="0"/>
+          <a:ext cx="0" cy="0"/>
+          <a:chOff x="0" y="0"/>
+          <a:chExt cx="0" cy="0"/>
+        </a:xfrm>
+      </p:grpSpPr>
+      <p:sp>
+        <p:nvSpPr>
+          <p:cNvPr id="10" name="TextBox 9">
+            <a:extLst>
+              <a:ext uri="{FF2B5EF4-FFF2-40B4-BE49-F238E27FC236}">
+                <a16:creationId xmlns:a16="http://schemas.microsoft.com/office/drawing/2014/main" id="{0EF30F8A-22B0-10C2-6323-E756E49956C8}"/>
+              </a:ext>
+            </a:extLst>
+          </p:cNvPr>
+          <p:cNvSpPr txBox="1"/>
+          <p:nvPr/>
+        </p:nvSpPr>
+        <p:spPr>
+          <a:xfrm>
+            <a:off x="1239715" y="0"/>
+            <a:ext cx="8484577" cy="584775"/>
+          </a:xfrm>
+          <a:prstGeom prst="rect">
+            <a:avLst/>
+          </a:prstGeom>
+          <a:noFill/>
+        </p:spPr>
+        <p:txBody>
+          <a:bodyPr wrap="square" rtlCol="0">
+            <a:spAutoFit/>
+          </a:bodyPr>
+          <a:lstStyle/>
+          <a:p>
+            <a:pPr algn="ctr" fontAlgn="base"/>
+            <a:r>
+              <a:rPr lang="en-IN" sz="3200" b="1" i="0" dirty="0">
+                <a:solidFill>
+                  <a:srgbClr val="273239"/>
+                </a:solidFill>
+                <a:effectLst/>
+              </a:rPr>
+              <a:t>Generic Collectio</a:t>
+            </a:r>
+            <a:r>
+              <a:rPr lang="en-IN" sz="3200" b="1" dirty="0">
+                <a:solidFill>
+                  <a:srgbClr val="273239"/>
+                </a:solidFill>
+              </a:rPr>
+              <a:t>n LinkedList– 4</a:t>
+            </a:r>
+          </a:p>
+        </p:txBody>
+      </p:sp>
+      <p:sp>
+        <p:nvSpPr>
+          <p:cNvPr id="11" name="TextBox 10">
+            <a:extLst>
+              <a:ext uri="{FF2B5EF4-FFF2-40B4-BE49-F238E27FC236}">
+                <a16:creationId xmlns:a16="http://schemas.microsoft.com/office/drawing/2014/main" id="{76E3F1C1-1DDD-63F1-17E2-1BED353C5C36}"/>
+              </a:ext>
+            </a:extLst>
+          </p:cNvPr>
+          <p:cNvSpPr txBox="1"/>
+          <p:nvPr/>
+        </p:nvSpPr>
+        <p:spPr>
+          <a:xfrm>
+            <a:off x="661620" y="1023213"/>
+            <a:ext cx="10530988" cy="3731791"/>
+          </a:xfrm>
+          <a:prstGeom prst="rect">
+            <a:avLst/>
+          </a:prstGeom>
+          <a:noFill/>
+        </p:spPr>
+        <p:txBody>
+          <a:bodyPr wrap="square">
+            <a:spAutoFit/>
+          </a:bodyPr>
+          <a:lstStyle/>
+          <a:p>
+            <a:pPr algn="l" rtl="0" fontAlgn="base">
+              <a:lnSpc>
+                <a:spcPct val="150000"/>
+              </a:lnSpc>
+              <a:spcAft>
+                <a:spcPts val="750"/>
+              </a:spcAft>
+              <a:buNone/>
+            </a:pPr>
+            <a:r>
+              <a:rPr lang="en-US" sz="1200" i="0" dirty="0">
+                <a:solidFill>
+                  <a:srgbClr val="273239"/>
+                </a:solidFill>
+                <a:effectLst/>
+                <a:latin typeface="Nunito" pitchFamily="2" charset="0"/>
+              </a:rPr>
+              <a:t>In C# a LinkedList is a linear data structure that stores elements in a non-contiguous location. The elements in a linked list are linked with each other using pointers. In other words, LinkedList consists of nodes where each node contains a data field and a reference(link) to the next node in the list. In C#, LinkedList is the generic type of collection that is defined in the </a:t>
+            </a:r>
+            <a:r>
+              <a:rPr lang="en-US" sz="1200" i="0" dirty="0" err="1">
+                <a:solidFill>
+                  <a:srgbClr val="273239"/>
+                </a:solidFill>
+                <a:effectLst/>
+                <a:latin typeface="Nunito" pitchFamily="2" charset="0"/>
+              </a:rPr>
+              <a:t>System.Collections.Generic</a:t>
+            </a:r>
+            <a:r>
+              <a:rPr lang="en-US" sz="1200" i="0" dirty="0">
+                <a:solidFill>
+                  <a:srgbClr val="273239"/>
+                </a:solidFill>
+                <a:effectLst/>
+                <a:latin typeface="Nunito" pitchFamily="2" charset="0"/>
+              </a:rPr>
+              <a:t> namespace. It is a doubly linked list, therefore, each node points forward to the Next node and backward to the Previous node. It is a dynamic collection that grows, according to the needs of our program. It also provides fast inserting and removing elements</a:t>
+            </a:r>
+          </a:p>
+          <a:p>
+            <a:pPr algn="l" rtl="0" fontAlgn="base">
+              <a:lnSpc>
+                <a:spcPct val="150000"/>
+              </a:lnSpc>
+              <a:spcAft>
+                <a:spcPts val="750"/>
+              </a:spcAft>
+              <a:buNone/>
+            </a:pPr>
+            <a:endParaRPr lang="en-US" sz="1200" i="0" dirty="0">
+              <a:solidFill>
+                <a:srgbClr val="273239"/>
+              </a:solidFill>
+              <a:effectLst/>
+              <a:latin typeface="Nunito" pitchFamily="2" charset="0"/>
+            </a:endParaRPr>
+          </a:p>
+          <a:p>
+            <a:pPr marL="171450" indent="-171450" algn="l" rtl="0" fontAlgn="base">
+              <a:lnSpc>
+                <a:spcPct val="150000"/>
+              </a:lnSpc>
+              <a:spcAft>
+                <a:spcPts val="750"/>
+              </a:spcAft>
+              <a:buFont typeface="Arial" panose="020B0604020202020204" pitchFamily="34" charset="0"/>
+              <a:buChar char="•"/>
+            </a:pPr>
+            <a:r>
+              <a:rPr lang="en-US" sz="1200" i="0" dirty="0">
+                <a:solidFill>
+                  <a:srgbClr val="273239"/>
+                </a:solidFill>
+                <a:effectLst/>
+                <a:latin typeface="Nunito" pitchFamily="2" charset="0"/>
+              </a:rPr>
+              <a:t>It supports enumerators for easy traversal.</a:t>
+            </a:r>
+          </a:p>
+          <a:p>
+            <a:pPr marL="171450" indent="-171450" algn="l" rtl="0" fontAlgn="base">
+              <a:lnSpc>
+                <a:spcPct val="150000"/>
+              </a:lnSpc>
+              <a:spcAft>
+                <a:spcPts val="750"/>
+              </a:spcAft>
+              <a:buFont typeface="Arial" panose="020B0604020202020204" pitchFamily="34" charset="0"/>
+              <a:buChar char="•"/>
+            </a:pPr>
+            <a:r>
+              <a:rPr lang="en-US" sz="1200" i="0" dirty="0">
+                <a:solidFill>
+                  <a:srgbClr val="273239"/>
+                </a:solidFill>
+                <a:effectLst/>
+                <a:latin typeface="Nunito" pitchFamily="2" charset="0"/>
+              </a:rPr>
+              <a:t>We can remove nodes and reinsert them, either in the same list or another list, resulting in no additional objects allocated on the heap.</a:t>
+            </a:r>
+          </a:p>
+          <a:p>
+            <a:pPr marL="171450" indent="-171450" algn="l" rtl="0" fontAlgn="base">
+              <a:lnSpc>
+                <a:spcPct val="150000"/>
+              </a:lnSpc>
+              <a:spcAft>
+                <a:spcPts val="750"/>
+              </a:spcAft>
+              <a:buFont typeface="Arial" panose="020B0604020202020204" pitchFamily="34" charset="0"/>
+              <a:buChar char="•"/>
+            </a:pPr>
+            <a:r>
+              <a:rPr lang="en-US" sz="1200" i="0" dirty="0">
+                <a:solidFill>
+                  <a:srgbClr val="273239"/>
+                </a:solidFill>
+                <a:effectLst/>
+                <a:latin typeface="Nunito" pitchFamily="2" charset="0"/>
+              </a:rPr>
+              <a:t>Every node in a LinkedList&lt;T&gt; object is of the type </a:t>
+            </a:r>
+            <a:r>
+              <a:rPr lang="en-US" sz="1200" i="0" dirty="0" err="1">
+                <a:solidFill>
+                  <a:srgbClr val="273239"/>
+                </a:solidFill>
+                <a:effectLst/>
+                <a:latin typeface="Nunito" pitchFamily="2" charset="0"/>
+              </a:rPr>
+              <a:t>LinkedListNode</a:t>
+            </a:r>
+            <a:r>
+              <a:rPr lang="en-US" sz="1200" i="0" dirty="0">
+                <a:solidFill>
+                  <a:srgbClr val="273239"/>
+                </a:solidFill>
+                <a:effectLst/>
+                <a:latin typeface="Nunito" pitchFamily="2" charset="0"/>
+              </a:rPr>
+              <a:t>&lt;T&gt;.</a:t>
+            </a:r>
+          </a:p>
+          <a:p>
+            <a:pPr marL="171450" indent="-171450" algn="l" rtl="0" fontAlgn="base">
+              <a:lnSpc>
+                <a:spcPct val="150000"/>
+              </a:lnSpc>
+              <a:spcAft>
+                <a:spcPts val="750"/>
+              </a:spcAft>
+              <a:buFont typeface="Arial" panose="020B0604020202020204" pitchFamily="34" charset="0"/>
+              <a:buChar char="•"/>
+            </a:pPr>
+            <a:r>
+              <a:rPr lang="en-US" sz="1200" i="0" dirty="0">
+                <a:solidFill>
+                  <a:srgbClr val="273239"/>
+                </a:solidFill>
+                <a:effectLst/>
+                <a:latin typeface="Nunito" pitchFamily="2" charset="0"/>
+              </a:rPr>
+              <a:t>It can store duplicate elements of the same type</a:t>
+            </a:r>
+          </a:p>
+          <a:p>
+            <a:pPr marL="171450" indent="-171450" algn="l" rtl="0" fontAlgn="base">
+              <a:lnSpc>
+                <a:spcPct val="150000"/>
+              </a:lnSpc>
+              <a:spcAft>
+                <a:spcPts val="750"/>
+              </a:spcAft>
+              <a:buFont typeface="Arial" panose="020B0604020202020204" pitchFamily="34" charset="0"/>
+              <a:buChar char="•"/>
+            </a:pPr>
+            <a:r>
+              <a:rPr lang="en-US" sz="1200" i="0" dirty="0">
+                <a:solidFill>
+                  <a:srgbClr val="273239"/>
+                </a:solidFill>
+                <a:effectLst/>
+                <a:latin typeface="Nunito" pitchFamily="2" charset="0"/>
+              </a:rPr>
+              <a:t>Its capacity depends on the number of elements it can hold.</a:t>
+            </a:r>
+          </a:p>
+        </p:txBody>
+      </p:sp>
+      <p:sp>
+        <p:nvSpPr>
+          <p:cNvPr id="2" name="AutoShape 2" descr="CSharp-LinkedList">
+            <a:extLst>
+              <a:ext uri="{FF2B5EF4-FFF2-40B4-BE49-F238E27FC236}">
+                <a16:creationId xmlns:a16="http://schemas.microsoft.com/office/drawing/2014/main" id="{60D6EA72-849D-224F-14DA-5829E955B2A9}"/>
+              </a:ext>
+            </a:extLst>
+          </p:cNvPr>
+          <p:cNvSpPr>
+            <a:spLocks noChangeAspect="1" noChangeArrowheads="1"/>
+          </p:cNvSpPr>
+          <p:nvPr/>
+        </p:nvSpPr>
+        <p:spPr bwMode="auto">
+          <a:xfrm>
+            <a:off x="5943600" y="3276600"/>
+            <a:ext cx="304800" cy="304800"/>
+          </a:xfrm>
+          <a:prstGeom prst="rect">
+            <a:avLst/>
+          </a:prstGeom>
+          <a:noFill/>
+          <a:extLst>
+            <a:ext uri="{909E8E84-426E-40DD-AFC4-6F175D3DCCD1}">
+              <a14:hiddenFill xmlns:a14="http://schemas.microsoft.com/office/drawing/2010/main">
+                <a:solidFill>
+                  <a:srgbClr val="FFFFFF"/>
+                </a:solidFill>
+              </a14:hiddenFill>
+            </a:ext>
+          </a:extLst>
+        </p:spPr>
+        <p:txBody>
+          <a:bodyPr vert="horz" wrap="square" lIns="91440" tIns="45720" rIns="91440" bIns="45720" numCol="1" anchor="t" anchorCtr="0" compatLnSpc="1">
+            <a:prstTxWarp prst="textNoShape">
+              <a:avLst/>
+            </a:prstTxWarp>
+          </a:bodyPr>
+          <a:lstStyle/>
+          <a:p>
+            <a:endParaRPr lang="en-IN"/>
+          </a:p>
+        </p:txBody>
+      </p:sp>
+      <p:sp>
+        <p:nvSpPr>
+          <p:cNvPr id="4" name="AutoShape 6" descr="Lightbox">
+            <a:extLst>
+              <a:ext uri="{FF2B5EF4-FFF2-40B4-BE49-F238E27FC236}">
+                <a16:creationId xmlns:a16="http://schemas.microsoft.com/office/drawing/2014/main" id="{A43F9FB0-918D-E1A8-3318-1BDE5BDEB8E2}"/>
+              </a:ext>
+            </a:extLst>
+          </p:cNvPr>
+          <p:cNvSpPr>
+            <a:spLocks noChangeAspect="1" noChangeArrowheads="1"/>
+          </p:cNvSpPr>
+          <p:nvPr/>
+        </p:nvSpPr>
+        <p:spPr bwMode="auto">
+          <a:xfrm>
+            <a:off x="6096000" y="3429000"/>
+            <a:ext cx="304800" cy="304800"/>
+          </a:xfrm>
+          <a:prstGeom prst="rect">
+            <a:avLst/>
+          </a:prstGeom>
+          <a:noFill/>
+          <a:extLst>
+            <a:ext uri="{909E8E84-426E-40DD-AFC4-6F175D3DCCD1}">
+              <a14:hiddenFill xmlns:a14="http://schemas.microsoft.com/office/drawing/2010/main">
+                <a:solidFill>
+                  <a:srgbClr val="FFFFFF"/>
+                </a:solidFill>
+              </a14:hiddenFill>
+            </a:ext>
+          </a:extLst>
+        </p:spPr>
+        <p:txBody>
+          <a:bodyPr vert="horz" wrap="square" lIns="91440" tIns="45720" rIns="91440" bIns="45720" numCol="1" anchor="t" anchorCtr="0" compatLnSpc="1">
+            <a:prstTxWarp prst="textNoShape">
+              <a:avLst/>
+            </a:prstTxWarp>
+          </a:bodyPr>
+          <a:lstStyle/>
+          <a:p>
+            <a:endParaRPr lang="en-IN"/>
+          </a:p>
+        </p:txBody>
+      </p:sp>
+      <p:pic>
+        <p:nvPicPr>
+          <p:cNvPr id="6" name="Picture 5">
+            <a:extLst>
+              <a:ext uri="{FF2B5EF4-FFF2-40B4-BE49-F238E27FC236}">
+                <a16:creationId xmlns:a16="http://schemas.microsoft.com/office/drawing/2014/main" id="{A994FAB3-CFB6-DCC0-93DE-82F52A78D5EB}"/>
+              </a:ext>
+            </a:extLst>
+          </p:cNvPr>
+          <p:cNvPicPr>
+            <a:picLocks noChangeAspect="1"/>
+          </p:cNvPicPr>
+          <p:nvPr/>
+        </p:nvPicPr>
+        <p:blipFill>
+          <a:blip r:embed="rId2">
+            <a:extLst>
+              <a:ext uri="{28A0092B-C50C-407E-A947-70E740481C1C}">
+                <a14:useLocalDpi xmlns:a14="http://schemas.microsoft.com/office/drawing/2010/main" val="0"/>
+              </a:ext>
+            </a:extLst>
+          </a:blip>
+          <a:stretch>
+            <a:fillRect/>
+          </a:stretch>
+        </p:blipFill>
+        <p:spPr>
+          <a:xfrm>
+            <a:off x="5482003" y="4286240"/>
+            <a:ext cx="5605766" cy="2410480"/>
+          </a:xfrm>
+          <a:prstGeom prst="rect">
+            <a:avLst/>
+          </a:prstGeom>
+        </p:spPr>
+      </p:pic>
+    </p:spTree>
+    <p:extLst>
+      <p:ext uri="{BB962C8B-B14F-4D97-AF65-F5344CB8AC3E}">
+        <p14:creationId xmlns:p14="http://schemas.microsoft.com/office/powerpoint/2010/main" val="1808485635"/>
+      </p:ext>
+    </p:extLst>
+  </p:cSld>
+  <p:clrMapOvr>
+    <a:masterClrMapping/>
+  </p:clrMapOvr>
+</p:sld>
+</file>
+
+<file path=ppt/slides/slide18.xml><?xml version="1.0" encoding="utf-8"?>
+<p:sld xmlns:a="http://schemas.openxmlformats.org/drawingml/2006/main" xmlns:r="http://schemas.openxmlformats.org/officeDocument/2006/relationships" xmlns:p="http://schemas.openxmlformats.org/presentationml/2006/main">
+  <p:cSld>
+    <p:spTree>
+      <p:nvGrpSpPr>
+        <p:cNvPr id="1" name="">
+          <a:extLst>
+            <a:ext uri="{FF2B5EF4-FFF2-40B4-BE49-F238E27FC236}">
+              <a16:creationId xmlns:a16="http://schemas.microsoft.com/office/drawing/2014/main" id="{2C532753-5503-AA22-1214-2DAA19E593DF}"/>
+            </a:ext>
+          </a:extLst>
+        </p:cNvPr>
+        <p:cNvGrpSpPr/>
+        <p:nvPr/>
+      </p:nvGrpSpPr>
+      <p:grpSpPr>
+        <a:xfrm>
+          <a:off x="0" y="0"/>
+          <a:ext cx="0" cy="0"/>
+          <a:chOff x="0" y="0"/>
+          <a:chExt cx="0" cy="0"/>
+        </a:xfrm>
+      </p:grpSpPr>
+      <p:sp>
+        <p:nvSpPr>
+          <p:cNvPr id="10" name="TextBox 9">
+            <a:extLst>
+              <a:ext uri="{FF2B5EF4-FFF2-40B4-BE49-F238E27FC236}">
+                <a16:creationId xmlns:a16="http://schemas.microsoft.com/office/drawing/2014/main" id="{144486E5-D549-11BA-1AA7-D8114EDDED93}"/>
+              </a:ext>
+            </a:extLst>
+          </p:cNvPr>
+          <p:cNvSpPr txBox="1"/>
+          <p:nvPr/>
+        </p:nvSpPr>
+        <p:spPr>
+          <a:xfrm>
+            <a:off x="1239715" y="0"/>
+            <a:ext cx="8484577" cy="584775"/>
+          </a:xfrm>
+          <a:prstGeom prst="rect">
+            <a:avLst/>
+          </a:prstGeom>
+          <a:noFill/>
+        </p:spPr>
+        <p:txBody>
+          <a:bodyPr wrap="square" rtlCol="0">
+            <a:spAutoFit/>
+          </a:bodyPr>
+          <a:lstStyle/>
+          <a:p>
+            <a:pPr algn="ctr" fontAlgn="base"/>
+            <a:r>
+              <a:rPr lang="en-IN" sz="3200" b="1" i="0" dirty="0">
+                <a:solidFill>
+                  <a:srgbClr val="273239"/>
+                </a:solidFill>
+                <a:effectLst/>
+              </a:rPr>
+              <a:t>Non Generic Collectio</a:t>
+            </a:r>
+            <a:r>
+              <a:rPr lang="en-IN" sz="3200" b="1" dirty="0">
+                <a:solidFill>
+                  <a:srgbClr val="273239"/>
+                </a:solidFill>
+              </a:rPr>
+              <a:t>n - 1</a:t>
+            </a:r>
+          </a:p>
+        </p:txBody>
+      </p:sp>
+      <p:sp>
+        <p:nvSpPr>
+          <p:cNvPr id="11" name="TextBox 10">
+            <a:extLst>
+              <a:ext uri="{FF2B5EF4-FFF2-40B4-BE49-F238E27FC236}">
+                <a16:creationId xmlns:a16="http://schemas.microsoft.com/office/drawing/2014/main" id="{1F661186-5F8C-2B2D-0194-59A1B3DDEFAF}"/>
+              </a:ext>
+            </a:extLst>
+          </p:cNvPr>
+          <p:cNvSpPr txBox="1"/>
+          <p:nvPr/>
+        </p:nvSpPr>
+        <p:spPr>
+          <a:xfrm>
+            <a:off x="661620" y="1023213"/>
+            <a:ext cx="10530988" cy="1864613"/>
+          </a:xfrm>
+          <a:prstGeom prst="rect">
+            <a:avLst/>
+          </a:prstGeom>
+          <a:noFill/>
+        </p:spPr>
+        <p:txBody>
+          <a:bodyPr wrap="square">
+            <a:spAutoFit/>
+          </a:bodyPr>
+          <a:lstStyle/>
+          <a:p>
+            <a:pPr marL="228600" indent="-228600" algn="l" rtl="0" fontAlgn="base">
+              <a:lnSpc>
+                <a:spcPct val="150000"/>
+              </a:lnSpc>
+              <a:spcAft>
+                <a:spcPts val="750"/>
+              </a:spcAft>
+              <a:buAutoNum type="arabicPeriod"/>
+            </a:pPr>
+            <a:r>
+              <a:rPr lang="en-US" sz="1200" i="0" dirty="0" err="1">
+                <a:solidFill>
+                  <a:srgbClr val="273239"/>
+                </a:solidFill>
+                <a:effectLst/>
+                <a:latin typeface="Nunito" pitchFamily="2" charset="0"/>
+              </a:rPr>
+              <a:t>ArrayList</a:t>
+            </a:r>
+            <a:endParaRPr lang="en-US" sz="1200" i="0" dirty="0">
+              <a:solidFill>
+                <a:srgbClr val="273239"/>
+              </a:solidFill>
+              <a:effectLst/>
+              <a:latin typeface="Nunito" pitchFamily="2" charset="0"/>
+            </a:endParaRPr>
+          </a:p>
+          <a:p>
+            <a:pPr marL="228600" indent="-228600" algn="l" rtl="0" fontAlgn="base">
+              <a:lnSpc>
+                <a:spcPct val="150000"/>
+              </a:lnSpc>
+              <a:spcAft>
+                <a:spcPts val="750"/>
+              </a:spcAft>
+              <a:buAutoNum type="arabicPeriod"/>
+            </a:pPr>
+            <a:r>
+              <a:rPr lang="en-US" sz="1200" dirty="0">
+                <a:solidFill>
+                  <a:srgbClr val="273239"/>
+                </a:solidFill>
+                <a:latin typeface="Nunito" pitchFamily="2" charset="0"/>
+              </a:rPr>
+              <a:t>Stack</a:t>
+            </a:r>
+          </a:p>
+          <a:p>
+            <a:pPr marL="228600" indent="-228600" algn="l" rtl="0" fontAlgn="base">
+              <a:lnSpc>
+                <a:spcPct val="150000"/>
+              </a:lnSpc>
+              <a:spcAft>
+                <a:spcPts val="750"/>
+              </a:spcAft>
+              <a:buAutoNum type="arabicPeriod"/>
+            </a:pPr>
+            <a:r>
+              <a:rPr lang="en-US" sz="1200" i="0" dirty="0">
+                <a:solidFill>
+                  <a:srgbClr val="273239"/>
+                </a:solidFill>
+                <a:effectLst/>
+                <a:latin typeface="Nunito" pitchFamily="2" charset="0"/>
+              </a:rPr>
+              <a:t>Queue</a:t>
+            </a:r>
+          </a:p>
+          <a:p>
+            <a:pPr marL="228600" indent="-228600" algn="l" rtl="0" fontAlgn="base">
+              <a:lnSpc>
+                <a:spcPct val="150000"/>
+              </a:lnSpc>
+              <a:spcAft>
+                <a:spcPts val="750"/>
+              </a:spcAft>
+              <a:buAutoNum type="arabicPeriod"/>
+            </a:pPr>
+            <a:r>
+              <a:rPr lang="en-US" sz="1200" dirty="0" err="1">
+                <a:solidFill>
+                  <a:srgbClr val="273239"/>
+                </a:solidFill>
+                <a:latin typeface="Nunito" pitchFamily="2" charset="0"/>
+              </a:rPr>
+              <a:t>HashTable</a:t>
+            </a:r>
+            <a:endParaRPr lang="en-US" sz="1200" dirty="0">
+              <a:solidFill>
+                <a:srgbClr val="273239"/>
+              </a:solidFill>
+              <a:latin typeface="Nunito" pitchFamily="2" charset="0"/>
+            </a:endParaRPr>
+          </a:p>
+          <a:p>
+            <a:pPr marL="228600" indent="-228600" algn="l" rtl="0" fontAlgn="base">
+              <a:lnSpc>
+                <a:spcPct val="150000"/>
+              </a:lnSpc>
+              <a:spcAft>
+                <a:spcPts val="750"/>
+              </a:spcAft>
+              <a:buAutoNum type="arabicPeriod"/>
+            </a:pPr>
+            <a:r>
+              <a:rPr lang="en-US" sz="1200" i="0" dirty="0" err="1">
+                <a:solidFill>
+                  <a:srgbClr val="273239"/>
+                </a:solidFill>
+                <a:effectLst/>
+                <a:latin typeface="Nunito" pitchFamily="2" charset="0"/>
+              </a:rPr>
+              <a:t>BitArray</a:t>
+            </a:r>
+            <a:endParaRPr lang="en-US" sz="1200" i="0" dirty="0">
+              <a:solidFill>
+                <a:srgbClr val="273239"/>
+              </a:solidFill>
+              <a:effectLst/>
+              <a:latin typeface="Nunito" pitchFamily="2" charset="0"/>
+            </a:endParaRPr>
+          </a:p>
+        </p:txBody>
+      </p:sp>
+    </p:spTree>
+    <p:extLst>
+      <p:ext uri="{BB962C8B-B14F-4D97-AF65-F5344CB8AC3E}">
+        <p14:creationId xmlns:p14="http://schemas.microsoft.com/office/powerpoint/2010/main" val="241175843"/>
+      </p:ext>
+    </p:extLst>
+  </p:cSld>
+  <p:clrMapOvr>
+    <a:masterClrMapping/>
+  </p:clrMapOvr>
+</p:sld>
+</file>
+
+<file path=ppt/slides/slide19.xml><?xml version="1.0" encoding="utf-8"?>
+<p:sld xmlns:a="http://schemas.openxmlformats.org/drawingml/2006/main" xmlns:r="http://schemas.openxmlformats.org/officeDocument/2006/relationships" xmlns:p="http://schemas.openxmlformats.org/presentationml/2006/main">
+  <p:cSld>
+    <p:spTree>
+      <p:nvGrpSpPr>
+        <p:cNvPr id="1" name="">
+          <a:extLst>
+            <a:ext uri="{FF2B5EF4-FFF2-40B4-BE49-F238E27FC236}">
+              <a16:creationId xmlns:a16="http://schemas.microsoft.com/office/drawing/2014/main" id="{73A66B71-41D9-614D-731D-69B01F2EFD51}"/>
+            </a:ext>
+          </a:extLst>
+        </p:cNvPr>
+        <p:cNvGrpSpPr/>
+        <p:nvPr/>
+      </p:nvGrpSpPr>
+      <p:grpSpPr>
+        <a:xfrm>
+          <a:off x="0" y="0"/>
+          <a:ext cx="0" cy="0"/>
+          <a:chOff x="0" y="0"/>
+          <a:chExt cx="0" cy="0"/>
+        </a:xfrm>
+      </p:grpSpPr>
+      <p:sp>
+        <p:nvSpPr>
+          <p:cNvPr id="10" name="TextBox 9">
+            <a:extLst>
+              <a:ext uri="{FF2B5EF4-FFF2-40B4-BE49-F238E27FC236}">
+                <a16:creationId xmlns:a16="http://schemas.microsoft.com/office/drawing/2014/main" id="{8558B87F-CEEF-F9CB-B46F-0E657A161098}"/>
+              </a:ext>
+            </a:extLst>
+          </p:cNvPr>
+          <p:cNvSpPr txBox="1"/>
+          <p:nvPr/>
+        </p:nvSpPr>
+        <p:spPr>
+          <a:xfrm>
+            <a:off x="1239715" y="0"/>
+            <a:ext cx="8484577" cy="584775"/>
+          </a:xfrm>
+          <a:prstGeom prst="rect">
+            <a:avLst/>
+          </a:prstGeom>
+          <a:noFill/>
+        </p:spPr>
+        <p:txBody>
+          <a:bodyPr wrap="square" rtlCol="0">
+            <a:spAutoFit/>
+          </a:bodyPr>
+          <a:lstStyle/>
+          <a:p>
+            <a:pPr algn="ctr" fontAlgn="base"/>
+            <a:r>
+              <a:rPr lang="en-IN" sz="3200" b="1" i="0" dirty="0">
+                <a:solidFill>
+                  <a:srgbClr val="273239"/>
+                </a:solidFill>
+                <a:effectLst/>
+              </a:rPr>
+              <a:t>Non Collectio</a:t>
+            </a:r>
+            <a:r>
+              <a:rPr lang="en-IN" sz="3200" b="1" dirty="0">
+                <a:solidFill>
+                  <a:srgbClr val="273239"/>
+                </a:solidFill>
+              </a:rPr>
+              <a:t>n </a:t>
+            </a:r>
+            <a:r>
+              <a:rPr lang="en-IN" sz="3200" b="1" dirty="0" err="1">
+                <a:solidFill>
+                  <a:srgbClr val="273239"/>
+                </a:solidFill>
+              </a:rPr>
+              <a:t>Hashtable</a:t>
+            </a:r>
+            <a:r>
+              <a:rPr lang="en-IN" sz="3200" b="1" dirty="0">
+                <a:solidFill>
+                  <a:srgbClr val="273239"/>
+                </a:solidFill>
+              </a:rPr>
+              <a:t>– 2</a:t>
+            </a:r>
+          </a:p>
+        </p:txBody>
+      </p:sp>
+      <p:sp>
+        <p:nvSpPr>
+          <p:cNvPr id="11" name="TextBox 10">
+            <a:extLst>
+              <a:ext uri="{FF2B5EF4-FFF2-40B4-BE49-F238E27FC236}">
+                <a16:creationId xmlns:a16="http://schemas.microsoft.com/office/drawing/2014/main" id="{5AC74BCC-00B2-4E40-B4A7-741A0BE1571B}"/>
+              </a:ext>
+            </a:extLst>
+          </p:cNvPr>
+          <p:cNvSpPr txBox="1"/>
+          <p:nvPr/>
+        </p:nvSpPr>
+        <p:spPr>
+          <a:xfrm>
+            <a:off x="661620" y="1023213"/>
+            <a:ext cx="10530988" cy="3177793"/>
+          </a:xfrm>
+          <a:prstGeom prst="rect">
+            <a:avLst/>
+          </a:prstGeom>
+          <a:noFill/>
+        </p:spPr>
+        <p:txBody>
+          <a:bodyPr wrap="square">
+            <a:spAutoFit/>
+          </a:bodyPr>
+          <a:lstStyle/>
+          <a:p>
+            <a:pPr algn="l" rtl="0" fontAlgn="base">
+              <a:lnSpc>
+                <a:spcPct val="150000"/>
+              </a:lnSpc>
+              <a:spcAft>
+                <a:spcPts val="750"/>
+              </a:spcAft>
+              <a:buNone/>
+            </a:pPr>
+            <a:r>
+              <a:rPr lang="en-US" sz="1200" i="0" dirty="0">
+                <a:solidFill>
+                  <a:srgbClr val="273239"/>
+                </a:solidFill>
+                <a:effectLst/>
+                <a:latin typeface="Nunito" pitchFamily="2" charset="0"/>
+              </a:rPr>
+              <a:t>In C#, a </a:t>
+            </a:r>
+            <a:r>
+              <a:rPr lang="en-US" sz="1200" i="0" dirty="0" err="1">
+                <a:solidFill>
+                  <a:srgbClr val="273239"/>
+                </a:solidFill>
+                <a:effectLst/>
+                <a:latin typeface="Nunito" pitchFamily="2" charset="0"/>
+              </a:rPr>
+              <a:t>Hashtable</a:t>
+            </a:r>
+            <a:r>
+              <a:rPr lang="en-US" sz="1200" i="0" dirty="0">
+                <a:solidFill>
+                  <a:srgbClr val="273239"/>
+                </a:solidFill>
+                <a:effectLst/>
+                <a:latin typeface="Nunito" pitchFamily="2" charset="0"/>
+              </a:rPr>
+              <a:t> is a collection that stores key-value pairs. It uses a hash code to organize the keys for efficient data retrieval. The key can be any object, and each key is associated with a corresponding value. It is a part of the </a:t>
+            </a:r>
+            <a:r>
+              <a:rPr lang="en-US" sz="1200" i="0" dirty="0" err="1">
+                <a:solidFill>
+                  <a:srgbClr val="273239"/>
+                </a:solidFill>
+                <a:effectLst/>
+                <a:latin typeface="Nunito" pitchFamily="2" charset="0"/>
+              </a:rPr>
+              <a:t>System.Collections</a:t>
+            </a:r>
+            <a:r>
+              <a:rPr lang="en-US" sz="1200" i="0" dirty="0">
+                <a:solidFill>
+                  <a:srgbClr val="273239"/>
+                </a:solidFill>
+                <a:effectLst/>
+                <a:latin typeface="Nunito" pitchFamily="2" charset="0"/>
+              </a:rPr>
+              <a:t> namespace and is non-generic (which means it can store any kind of object as both the key and value).</a:t>
+            </a:r>
+          </a:p>
+          <a:p>
+            <a:pPr algn="l" rtl="0" fontAlgn="base">
+              <a:lnSpc>
+                <a:spcPct val="150000"/>
+              </a:lnSpc>
+              <a:spcAft>
+                <a:spcPts val="750"/>
+              </a:spcAft>
+              <a:buNone/>
+            </a:pPr>
+            <a:endParaRPr lang="en-US" sz="1200" i="0" dirty="0">
+              <a:solidFill>
+                <a:srgbClr val="273239"/>
+              </a:solidFill>
+              <a:effectLst/>
+              <a:latin typeface="Nunito" pitchFamily="2" charset="0"/>
+            </a:endParaRPr>
+          </a:p>
+          <a:p>
+            <a:pPr marL="171450" indent="-171450" algn="l" rtl="0" fontAlgn="base">
+              <a:lnSpc>
+                <a:spcPct val="150000"/>
+              </a:lnSpc>
+              <a:spcAft>
+                <a:spcPts val="750"/>
+              </a:spcAft>
+              <a:buFont typeface="Arial" panose="020B0604020202020204" pitchFamily="34" charset="0"/>
+              <a:buChar char="•"/>
+            </a:pPr>
+            <a:r>
+              <a:rPr lang="en-US" sz="1200" i="0" dirty="0">
+                <a:solidFill>
+                  <a:srgbClr val="273239"/>
+                </a:solidFill>
+                <a:effectLst/>
+                <a:latin typeface="Nunito" pitchFamily="2" charset="0"/>
+              </a:rPr>
+              <a:t>In </a:t>
+            </a:r>
+            <a:r>
+              <a:rPr lang="en-US" sz="1200" i="0" dirty="0" err="1">
+                <a:solidFill>
+                  <a:srgbClr val="273239"/>
+                </a:solidFill>
+                <a:effectLst/>
+                <a:latin typeface="Nunito" pitchFamily="2" charset="0"/>
+              </a:rPr>
+              <a:t>Hashtable</a:t>
+            </a:r>
+            <a:r>
+              <a:rPr lang="en-US" sz="1200" i="0" dirty="0">
+                <a:solidFill>
+                  <a:srgbClr val="273239"/>
+                </a:solidFill>
+                <a:effectLst/>
+                <a:latin typeface="Nunito" pitchFamily="2" charset="0"/>
+              </a:rPr>
+              <a:t>, the key cannot be null, but the value can be null.</a:t>
+            </a:r>
+          </a:p>
+          <a:p>
+            <a:pPr marL="171450" indent="-171450" algn="l" rtl="0" fontAlgn="base">
+              <a:lnSpc>
+                <a:spcPct val="150000"/>
+              </a:lnSpc>
+              <a:spcAft>
+                <a:spcPts val="750"/>
+              </a:spcAft>
+              <a:buFont typeface="Arial" panose="020B0604020202020204" pitchFamily="34" charset="0"/>
+              <a:buChar char="•"/>
+            </a:pPr>
+            <a:r>
+              <a:rPr lang="en-US" sz="1200" i="0" dirty="0">
+                <a:solidFill>
+                  <a:srgbClr val="273239"/>
+                </a:solidFill>
+                <a:effectLst/>
+                <a:latin typeface="Nunito" pitchFamily="2" charset="0"/>
+              </a:rPr>
+              <a:t>In </a:t>
+            </a:r>
+            <a:r>
+              <a:rPr lang="en-US" sz="1200" i="0" dirty="0" err="1">
+                <a:solidFill>
+                  <a:srgbClr val="273239"/>
+                </a:solidFill>
+                <a:effectLst/>
+                <a:latin typeface="Nunito" pitchFamily="2" charset="0"/>
+              </a:rPr>
+              <a:t>Hashtable</a:t>
+            </a:r>
+            <a:r>
+              <a:rPr lang="en-US" sz="1200" i="0" dirty="0">
+                <a:solidFill>
+                  <a:srgbClr val="273239"/>
+                </a:solidFill>
+                <a:effectLst/>
+                <a:latin typeface="Nunito" pitchFamily="2" charset="0"/>
+              </a:rPr>
+              <a:t>, key objects must be immutable as long as they are used as keys in the </a:t>
+            </a:r>
+            <a:r>
+              <a:rPr lang="en-US" sz="1200" i="0" dirty="0" err="1">
+                <a:solidFill>
+                  <a:srgbClr val="273239"/>
+                </a:solidFill>
+                <a:effectLst/>
+                <a:latin typeface="Nunito" pitchFamily="2" charset="0"/>
+              </a:rPr>
+              <a:t>Hashtable</a:t>
+            </a:r>
+            <a:r>
+              <a:rPr lang="en-US" sz="1200" i="0" dirty="0">
+                <a:solidFill>
+                  <a:srgbClr val="273239"/>
+                </a:solidFill>
+                <a:effectLst/>
+                <a:latin typeface="Nunito" pitchFamily="2" charset="0"/>
+              </a:rPr>
+              <a:t>.</a:t>
+            </a:r>
+          </a:p>
+          <a:p>
+            <a:pPr marL="171450" indent="-171450" algn="l" rtl="0" fontAlgn="base">
+              <a:lnSpc>
+                <a:spcPct val="150000"/>
+              </a:lnSpc>
+              <a:spcAft>
+                <a:spcPts val="750"/>
+              </a:spcAft>
+              <a:buFont typeface="Arial" panose="020B0604020202020204" pitchFamily="34" charset="0"/>
+              <a:buChar char="•"/>
+            </a:pPr>
+            <a:r>
+              <a:rPr lang="en-US" sz="1200" i="0" dirty="0" err="1">
+                <a:solidFill>
+                  <a:srgbClr val="273239"/>
+                </a:solidFill>
+                <a:effectLst/>
+                <a:latin typeface="Nunito" pitchFamily="2" charset="0"/>
+              </a:rPr>
+              <a:t>Hashtable</a:t>
+            </a:r>
+            <a:r>
+              <a:rPr lang="en-US" sz="1200" i="0" dirty="0">
+                <a:solidFill>
+                  <a:srgbClr val="273239"/>
+                </a:solidFill>
+                <a:effectLst/>
+                <a:latin typeface="Nunito" pitchFamily="2" charset="0"/>
+              </a:rPr>
+              <a:t> can store elements of different types.</a:t>
+            </a:r>
+          </a:p>
+          <a:p>
+            <a:pPr marL="171450" indent="-171450" algn="l" rtl="0" fontAlgn="base">
+              <a:lnSpc>
+                <a:spcPct val="150000"/>
+              </a:lnSpc>
+              <a:spcAft>
+                <a:spcPts val="750"/>
+              </a:spcAft>
+              <a:buFont typeface="Arial" panose="020B0604020202020204" pitchFamily="34" charset="0"/>
+              <a:buChar char="•"/>
+            </a:pPr>
+            <a:r>
+              <a:rPr lang="en-US" sz="1200" i="0" dirty="0">
+                <a:solidFill>
+                  <a:srgbClr val="273239"/>
+                </a:solidFill>
+                <a:effectLst/>
+                <a:latin typeface="Nunito" pitchFamily="2" charset="0"/>
+              </a:rPr>
+              <a:t>In the </a:t>
+            </a:r>
+            <a:r>
+              <a:rPr lang="en-US" sz="1200" i="0" dirty="0" err="1">
+                <a:solidFill>
+                  <a:srgbClr val="273239"/>
+                </a:solidFill>
+                <a:effectLst/>
+                <a:latin typeface="Nunito" pitchFamily="2" charset="0"/>
+              </a:rPr>
+              <a:t>Hashtable</a:t>
+            </a:r>
+            <a:r>
+              <a:rPr lang="en-US" sz="1200" i="0" dirty="0">
+                <a:solidFill>
+                  <a:srgbClr val="273239"/>
+                </a:solidFill>
+                <a:effectLst/>
+                <a:latin typeface="Nunito" pitchFamily="2" charset="0"/>
+              </a:rPr>
+              <a:t> key must be unique, duplicated keys are not allowed.</a:t>
+            </a:r>
+          </a:p>
+          <a:p>
+            <a:pPr marL="171450" indent="-171450" algn="l" rtl="0" fontAlgn="base">
+              <a:lnSpc>
+                <a:spcPct val="150000"/>
+              </a:lnSpc>
+              <a:spcAft>
+                <a:spcPts val="750"/>
+              </a:spcAft>
+              <a:buFont typeface="Arial" panose="020B0604020202020204" pitchFamily="34" charset="0"/>
+              <a:buChar char="•"/>
+            </a:pPr>
+            <a:r>
+              <a:rPr lang="en-US" sz="1200" i="0" dirty="0">
+                <a:solidFill>
+                  <a:srgbClr val="273239"/>
+                </a:solidFill>
+                <a:effectLst/>
+                <a:latin typeface="Nunito" pitchFamily="2" charset="0"/>
+              </a:rPr>
+              <a:t>The elements of </a:t>
+            </a:r>
+            <a:r>
+              <a:rPr lang="en-US" sz="1200" i="0" dirty="0" err="1">
+                <a:solidFill>
+                  <a:srgbClr val="273239"/>
+                </a:solidFill>
+                <a:effectLst/>
+                <a:latin typeface="Nunito" pitchFamily="2" charset="0"/>
+              </a:rPr>
+              <a:t>Hashtable</a:t>
+            </a:r>
+            <a:r>
+              <a:rPr lang="en-US" sz="1200" i="0" dirty="0">
+                <a:solidFill>
+                  <a:srgbClr val="273239"/>
+                </a:solidFill>
+                <a:effectLst/>
+                <a:latin typeface="Nunito" pitchFamily="2" charset="0"/>
+              </a:rPr>
+              <a:t> that are key-value pair is stored as </a:t>
+            </a:r>
+            <a:r>
+              <a:rPr lang="en-US" sz="1200" i="0" dirty="0" err="1">
+                <a:solidFill>
+                  <a:srgbClr val="273239"/>
+                </a:solidFill>
+                <a:effectLst/>
+                <a:latin typeface="Nunito" pitchFamily="2" charset="0"/>
+              </a:rPr>
+              <a:t>DictionaryEntry</a:t>
+            </a:r>
+            <a:r>
+              <a:rPr lang="en-US" sz="1200" i="0" dirty="0">
+                <a:solidFill>
+                  <a:srgbClr val="273239"/>
+                </a:solidFill>
+                <a:effectLst/>
+                <a:latin typeface="Nunito" pitchFamily="2" charset="0"/>
+              </a:rPr>
+              <a:t> objects.</a:t>
+            </a:r>
+          </a:p>
+        </p:txBody>
+      </p:sp>
+    </p:spTree>
+    <p:extLst>
+      <p:ext uri="{BB962C8B-B14F-4D97-AF65-F5344CB8AC3E}">
+        <p14:creationId xmlns:p14="http://schemas.microsoft.com/office/powerpoint/2010/main" val="104646110"/>
+      </p:ext>
+    </p:extLst>
+  </p:cSld>
+  <p:clrMapOvr>
+    <a:masterClrMapping/>
+  </p:clrMapOvr>
+</p:sld>
+</file>
+
 <file path=ppt/slides/slide2.xml><?xml version="1.0" encoding="utf-8"?>
 <p:sld xmlns:a="http://schemas.openxmlformats.org/drawingml/2006/main" xmlns:r="http://schemas.openxmlformats.org/officeDocument/2006/relationships" xmlns:p="http://schemas.openxmlformats.org/presentationml/2006/main">
   <p:cSld>
@@ -5342,6 +10184,2358 @@
     <p:extLst>
       <p:ext uri="{BB962C8B-B14F-4D97-AF65-F5344CB8AC3E}">
         <p14:creationId xmlns:p14="http://schemas.microsoft.com/office/powerpoint/2010/main" val="723071582"/>
+      </p:ext>
+    </p:extLst>
+  </p:cSld>
+  <p:clrMapOvr>
+    <a:masterClrMapping/>
+  </p:clrMapOvr>
+</p:sld>
+</file>
+
+<file path=ppt/slides/slide20.xml><?xml version="1.0" encoding="utf-8"?>
+<p:sld xmlns:a="http://schemas.openxmlformats.org/drawingml/2006/main" xmlns:r="http://schemas.openxmlformats.org/officeDocument/2006/relationships" xmlns:p="http://schemas.openxmlformats.org/presentationml/2006/main">
+  <p:cSld>
+    <p:spTree>
+      <p:nvGrpSpPr>
+        <p:cNvPr id="1" name="">
+          <a:extLst>
+            <a:ext uri="{FF2B5EF4-FFF2-40B4-BE49-F238E27FC236}">
+              <a16:creationId xmlns:a16="http://schemas.microsoft.com/office/drawing/2014/main" id="{30AED062-5460-7A75-267F-15DA8C546911}"/>
+            </a:ext>
+          </a:extLst>
+        </p:cNvPr>
+        <p:cNvGrpSpPr/>
+        <p:nvPr/>
+      </p:nvGrpSpPr>
+      <p:grpSpPr>
+        <a:xfrm>
+          <a:off x="0" y="0"/>
+          <a:ext cx="0" cy="0"/>
+          <a:chOff x="0" y="0"/>
+          <a:chExt cx="0" cy="0"/>
+        </a:xfrm>
+      </p:grpSpPr>
+      <p:sp>
+        <p:nvSpPr>
+          <p:cNvPr id="10" name="TextBox 9">
+            <a:extLst>
+              <a:ext uri="{FF2B5EF4-FFF2-40B4-BE49-F238E27FC236}">
+                <a16:creationId xmlns:a16="http://schemas.microsoft.com/office/drawing/2014/main" id="{D11BD41E-5F0F-0BBB-C96A-52EA022BB877}"/>
+              </a:ext>
+            </a:extLst>
+          </p:cNvPr>
+          <p:cNvSpPr txBox="1"/>
+          <p:nvPr/>
+        </p:nvSpPr>
+        <p:spPr>
+          <a:xfrm>
+            <a:off x="1239715" y="0"/>
+            <a:ext cx="8484577" cy="584775"/>
+          </a:xfrm>
+          <a:prstGeom prst="rect">
+            <a:avLst/>
+          </a:prstGeom>
+          <a:noFill/>
+        </p:spPr>
+        <p:txBody>
+          <a:bodyPr wrap="square" rtlCol="0">
+            <a:spAutoFit/>
+          </a:bodyPr>
+          <a:lstStyle/>
+          <a:p>
+            <a:pPr algn="ctr" fontAlgn="base"/>
+            <a:r>
+              <a:rPr lang="en-IN" sz="3200" b="1" i="0" dirty="0">
+                <a:solidFill>
+                  <a:srgbClr val="273239"/>
+                </a:solidFill>
+                <a:effectLst/>
+              </a:rPr>
+              <a:t>Task Parallel Library</a:t>
+            </a:r>
+            <a:endParaRPr lang="en-IN" sz="3200" b="1" dirty="0">
+              <a:solidFill>
+                <a:srgbClr val="273239"/>
+              </a:solidFill>
+            </a:endParaRPr>
+          </a:p>
+        </p:txBody>
+      </p:sp>
+      <p:sp>
+        <p:nvSpPr>
+          <p:cNvPr id="11" name="TextBox 10">
+            <a:extLst>
+              <a:ext uri="{FF2B5EF4-FFF2-40B4-BE49-F238E27FC236}">
+                <a16:creationId xmlns:a16="http://schemas.microsoft.com/office/drawing/2014/main" id="{B0AF1D29-6A09-AF2B-66BB-1500A2DFBC88}"/>
+              </a:ext>
+            </a:extLst>
+          </p:cNvPr>
+          <p:cNvSpPr txBox="1"/>
+          <p:nvPr/>
+        </p:nvSpPr>
+        <p:spPr>
+          <a:xfrm>
+            <a:off x="661620" y="1023213"/>
+            <a:ext cx="10530988" cy="2734082"/>
+          </a:xfrm>
+          <a:prstGeom prst="rect">
+            <a:avLst/>
+          </a:prstGeom>
+          <a:noFill/>
+        </p:spPr>
+        <p:txBody>
+          <a:bodyPr wrap="square">
+            <a:spAutoFit/>
+          </a:bodyPr>
+          <a:lstStyle/>
+          <a:p>
+            <a:pPr algn="l" rtl="0" fontAlgn="base">
+              <a:lnSpc>
+                <a:spcPct val="150000"/>
+              </a:lnSpc>
+              <a:spcAft>
+                <a:spcPts val="750"/>
+              </a:spcAft>
+              <a:buNone/>
+            </a:pPr>
+            <a:r>
+              <a:rPr lang="en-US" sz="1200" b="0" i="0" dirty="0">
+                <a:solidFill>
+                  <a:srgbClr val="273239"/>
+                </a:solidFill>
+                <a:effectLst/>
+                <a:latin typeface="Nunito" pitchFamily="2" charset="0"/>
+              </a:rPr>
+              <a:t>In C#,</a:t>
+            </a:r>
+            <a:r>
+              <a:rPr lang="en-US" sz="1200" b="1" i="0" dirty="0">
+                <a:solidFill>
+                  <a:srgbClr val="273239"/>
+                </a:solidFill>
+                <a:effectLst/>
+                <a:latin typeface="Nunito" pitchFamily="2" charset="0"/>
+              </a:rPr>
+              <a:t> Task Parallel Library (TPL)</a:t>
+            </a:r>
+            <a:r>
+              <a:rPr lang="en-US" sz="1200" b="0" i="0" dirty="0">
+                <a:solidFill>
+                  <a:srgbClr val="273239"/>
+                </a:solidFill>
+                <a:effectLst/>
+                <a:latin typeface="Nunito" pitchFamily="2" charset="0"/>
+              </a:rPr>
+              <a:t> is a collection of APIs that provides more control over parallel and asynchronous programming. It is present in the </a:t>
+            </a:r>
+            <a:r>
+              <a:rPr lang="en-US" sz="1200" b="0" i="0" dirty="0" err="1">
+                <a:solidFill>
+                  <a:srgbClr val="273239"/>
+                </a:solidFill>
+                <a:effectLst/>
+                <a:latin typeface="Nunito" pitchFamily="2" charset="0"/>
+              </a:rPr>
+              <a:t>System.Threading.Tasks</a:t>
+            </a:r>
+            <a:r>
+              <a:rPr lang="en-US" sz="1200" b="0" i="0" dirty="0">
+                <a:solidFill>
+                  <a:srgbClr val="273239"/>
+                </a:solidFill>
+                <a:effectLst/>
+                <a:latin typeface="Nunito" pitchFamily="2" charset="0"/>
+              </a:rPr>
+              <a:t> namespace. TPL simplifies multithreading by managing thread scheduling and execution efficiently. It includes features like data parallelism, task scheduling, and supportive cancellation. TPL provides a higher level of abstraction over traditional threading mechanisms, making it easier to write, read, and maintain parallel code.</a:t>
+            </a:r>
+          </a:p>
+          <a:p>
+            <a:pPr algn="l" fontAlgn="base">
+              <a:spcAft>
+                <a:spcPts val="1800"/>
+              </a:spcAft>
+              <a:buFont typeface="Arial" panose="020B0604020202020204" pitchFamily="34" charset="0"/>
+              <a:buChar char="•"/>
+            </a:pPr>
+            <a:r>
+              <a:rPr lang="en-US" sz="1200" b="0" i="0" dirty="0">
+                <a:solidFill>
+                  <a:srgbClr val="273239"/>
+                </a:solidFill>
+                <a:effectLst/>
+                <a:latin typeface="Nunito" pitchFamily="2" charset="0"/>
+              </a:rPr>
+              <a:t>TPL reduces CPU overheating in long-running tasks.</a:t>
+            </a:r>
+          </a:p>
+          <a:p>
+            <a:pPr algn="l" fontAlgn="base">
+              <a:spcAft>
+                <a:spcPts val="1800"/>
+              </a:spcAft>
+              <a:buFont typeface="Arial" panose="020B0604020202020204" pitchFamily="34" charset="0"/>
+              <a:buChar char="•"/>
+            </a:pPr>
+            <a:r>
+              <a:rPr lang="en-US" sz="1200" b="0" i="0" dirty="0">
+                <a:solidFill>
+                  <a:srgbClr val="273239"/>
+                </a:solidFill>
+                <a:effectLst/>
+                <a:latin typeface="Nunito" pitchFamily="2" charset="0"/>
+              </a:rPr>
+              <a:t>It makes Thread Management easier and doesn't worry about race conditions.</a:t>
+            </a:r>
+          </a:p>
+          <a:p>
+            <a:pPr algn="l" fontAlgn="base">
+              <a:spcAft>
+                <a:spcPts val="1800"/>
+              </a:spcAft>
+              <a:buFont typeface="Arial" panose="020B0604020202020204" pitchFamily="34" charset="0"/>
+              <a:buChar char="•"/>
+            </a:pPr>
+            <a:r>
+              <a:rPr lang="en-US" sz="1200" b="0" i="0" dirty="0">
+                <a:solidFill>
+                  <a:srgbClr val="273239"/>
+                </a:solidFill>
+                <a:effectLst/>
+                <a:latin typeface="Nunito" pitchFamily="2" charset="0"/>
+              </a:rPr>
+              <a:t>Provide an efficient way to cancel a task co-operatively through </a:t>
+            </a:r>
+            <a:r>
+              <a:rPr lang="en-US" sz="1200" b="0" i="0" dirty="0" err="1">
+                <a:solidFill>
+                  <a:srgbClr val="273239"/>
+                </a:solidFill>
+                <a:effectLst/>
+                <a:latin typeface="Nunito" pitchFamily="2" charset="0"/>
+              </a:rPr>
+              <a:t>CancellationToken</a:t>
+            </a:r>
+            <a:r>
+              <a:rPr lang="en-US" sz="1200" b="0" i="0" dirty="0">
+                <a:solidFill>
+                  <a:srgbClr val="273239"/>
+                </a:solidFill>
+                <a:effectLst/>
+                <a:latin typeface="Nunito" pitchFamily="2" charset="0"/>
+              </a:rPr>
+              <a:t>.</a:t>
+            </a:r>
+          </a:p>
+          <a:p>
+            <a:pPr algn="l" fontAlgn="base">
+              <a:spcAft>
+                <a:spcPts val="1800"/>
+              </a:spcAft>
+              <a:buFont typeface="Arial" panose="020B0604020202020204" pitchFamily="34" charset="0"/>
+              <a:buChar char="•"/>
+            </a:pPr>
+            <a:r>
+              <a:rPr lang="en-US" sz="1200" b="0" i="0" dirty="0">
+                <a:solidFill>
+                  <a:srgbClr val="273239"/>
+                </a:solidFill>
+                <a:effectLst/>
+                <a:latin typeface="Nunito" pitchFamily="2" charset="0"/>
+              </a:rPr>
+              <a:t>TPL is used for its better CPU utilization, enhancing performance, and is a better alternative to the traditional </a:t>
+            </a:r>
+            <a:r>
+              <a:rPr lang="en-US" sz="1200" b="0" i="0" u="sng" dirty="0">
+                <a:solidFill>
+                  <a:srgbClr val="357960"/>
+                </a:solidFill>
+                <a:effectLst/>
+                <a:latin typeface="Nunito" pitchFamily="2" charset="0"/>
+                <a:hlinkClick r:id="rId2"/>
+              </a:rPr>
+              <a:t>Thread class</a:t>
+            </a:r>
+            <a:r>
+              <a:rPr lang="en-US" sz="1200" b="0" i="0" dirty="0">
+                <a:solidFill>
+                  <a:srgbClr val="273239"/>
+                </a:solidFill>
+                <a:effectLst/>
+                <a:latin typeface="Nunito" pitchFamily="2" charset="0"/>
+              </a:rPr>
+              <a:t>.</a:t>
+            </a:r>
+          </a:p>
+        </p:txBody>
+      </p:sp>
+    </p:spTree>
+    <p:extLst>
+      <p:ext uri="{BB962C8B-B14F-4D97-AF65-F5344CB8AC3E}">
+        <p14:creationId xmlns:p14="http://schemas.microsoft.com/office/powerpoint/2010/main" val="2737310316"/>
+      </p:ext>
+    </p:extLst>
+  </p:cSld>
+  <p:clrMapOvr>
+    <a:masterClrMapping/>
+  </p:clrMapOvr>
+</p:sld>
+</file>
+
+<file path=ppt/slides/slide21.xml><?xml version="1.0" encoding="utf-8"?>
+<p:sld xmlns:a="http://schemas.openxmlformats.org/drawingml/2006/main" xmlns:r="http://schemas.openxmlformats.org/officeDocument/2006/relationships" xmlns:p="http://schemas.openxmlformats.org/presentationml/2006/main">
+  <p:cSld>
+    <p:spTree>
+      <p:nvGrpSpPr>
+        <p:cNvPr id="1" name="">
+          <a:extLst>
+            <a:ext uri="{FF2B5EF4-FFF2-40B4-BE49-F238E27FC236}">
+              <a16:creationId xmlns:a16="http://schemas.microsoft.com/office/drawing/2014/main" id="{13D4CD6C-924A-A665-5630-B068FC03505A}"/>
+            </a:ext>
+          </a:extLst>
+        </p:cNvPr>
+        <p:cNvGrpSpPr/>
+        <p:nvPr/>
+      </p:nvGrpSpPr>
+      <p:grpSpPr>
+        <a:xfrm>
+          <a:off x="0" y="0"/>
+          <a:ext cx="0" cy="0"/>
+          <a:chOff x="0" y="0"/>
+          <a:chExt cx="0" cy="0"/>
+        </a:xfrm>
+      </p:grpSpPr>
+      <p:sp>
+        <p:nvSpPr>
+          <p:cNvPr id="10" name="TextBox 9">
+            <a:extLst>
+              <a:ext uri="{FF2B5EF4-FFF2-40B4-BE49-F238E27FC236}">
+                <a16:creationId xmlns:a16="http://schemas.microsoft.com/office/drawing/2014/main" id="{99FBFE15-AE91-D52E-F488-D7EDB6D1CF3E}"/>
+              </a:ext>
+            </a:extLst>
+          </p:cNvPr>
+          <p:cNvSpPr txBox="1"/>
+          <p:nvPr/>
+        </p:nvSpPr>
+        <p:spPr>
+          <a:xfrm>
+            <a:off x="1239715" y="0"/>
+            <a:ext cx="8484577" cy="584775"/>
+          </a:xfrm>
+          <a:prstGeom prst="rect">
+            <a:avLst/>
+          </a:prstGeom>
+          <a:noFill/>
+        </p:spPr>
+        <p:txBody>
+          <a:bodyPr wrap="square" rtlCol="0">
+            <a:spAutoFit/>
+          </a:bodyPr>
+          <a:lstStyle/>
+          <a:p>
+            <a:pPr algn="ctr" fontAlgn="base"/>
+            <a:r>
+              <a:rPr lang="en-IN" sz="3200" b="1" i="0" dirty="0">
+                <a:solidFill>
+                  <a:srgbClr val="273239"/>
+                </a:solidFill>
+                <a:effectLst/>
+              </a:rPr>
+              <a:t>Async Await</a:t>
+            </a:r>
+            <a:endParaRPr lang="en-IN" sz="3200" b="1" dirty="0">
+              <a:solidFill>
+                <a:srgbClr val="273239"/>
+              </a:solidFill>
+            </a:endParaRPr>
+          </a:p>
+        </p:txBody>
+      </p:sp>
+      <p:sp>
+        <p:nvSpPr>
+          <p:cNvPr id="11" name="TextBox 10">
+            <a:extLst>
+              <a:ext uri="{FF2B5EF4-FFF2-40B4-BE49-F238E27FC236}">
+                <a16:creationId xmlns:a16="http://schemas.microsoft.com/office/drawing/2014/main" id="{06A8C5C5-2E88-CC2A-2F30-D745251DF0DD}"/>
+              </a:ext>
+            </a:extLst>
+          </p:cNvPr>
+          <p:cNvSpPr txBox="1"/>
+          <p:nvPr/>
+        </p:nvSpPr>
+        <p:spPr>
+          <a:xfrm>
+            <a:off x="1153989" y="1155098"/>
+            <a:ext cx="10530988" cy="2698175"/>
+          </a:xfrm>
+          <a:prstGeom prst="rect">
+            <a:avLst/>
+          </a:prstGeom>
+          <a:noFill/>
+        </p:spPr>
+        <p:txBody>
+          <a:bodyPr wrap="square">
+            <a:spAutoFit/>
+          </a:bodyPr>
+          <a:lstStyle/>
+          <a:p>
+            <a:pPr algn="l" rtl="0" fontAlgn="base">
+              <a:lnSpc>
+                <a:spcPct val="150000"/>
+              </a:lnSpc>
+              <a:spcAft>
+                <a:spcPts val="750"/>
+              </a:spcAft>
+              <a:buNone/>
+            </a:pPr>
+            <a:r>
+              <a:rPr lang="en-US" sz="1200" b="0" i="0" dirty="0">
+                <a:solidFill>
+                  <a:srgbClr val="273239"/>
+                </a:solidFill>
+                <a:effectLst/>
+                <a:latin typeface="Nunito" pitchFamily="2" charset="0"/>
+              </a:rPr>
+              <a:t>Execution Flow</a:t>
+            </a:r>
+          </a:p>
+          <a:p>
+            <a:pPr marL="342900" indent="-342900" algn="l" rtl="0" fontAlgn="base">
+              <a:lnSpc>
+                <a:spcPct val="150000"/>
+              </a:lnSpc>
+              <a:spcAft>
+                <a:spcPts val="750"/>
+              </a:spcAft>
+              <a:buFont typeface="+mj-lt"/>
+              <a:buAutoNum type="arabicPeriod"/>
+            </a:pPr>
+            <a:r>
+              <a:rPr lang="en-US" sz="1600" b="1" dirty="0">
+                <a:solidFill>
+                  <a:srgbClr val="273239"/>
+                </a:solidFill>
+                <a:latin typeface="Nunito" pitchFamily="2" charset="0"/>
+              </a:rPr>
+              <a:t>Async method</a:t>
+            </a:r>
+            <a:r>
+              <a:rPr lang="en-US" sz="1600" b="1" i="0" dirty="0">
+                <a:solidFill>
+                  <a:srgbClr val="273239"/>
+                </a:solidFill>
+                <a:effectLst/>
+                <a:latin typeface="Nunito" pitchFamily="2" charset="0"/>
+              </a:rPr>
+              <a:t> called but does not block execution.</a:t>
+            </a:r>
+          </a:p>
+          <a:p>
+            <a:pPr marL="342900" indent="-342900" algn="l" rtl="0" fontAlgn="base">
+              <a:lnSpc>
+                <a:spcPct val="150000"/>
+              </a:lnSpc>
+              <a:spcAft>
+                <a:spcPts val="750"/>
+              </a:spcAft>
+              <a:buFont typeface="+mj-lt"/>
+              <a:buAutoNum type="arabicPeriod"/>
+            </a:pPr>
+            <a:r>
+              <a:rPr lang="en-US" sz="1600" b="1" i="0" dirty="0">
+                <a:solidFill>
+                  <a:srgbClr val="273239"/>
+                </a:solidFill>
+                <a:effectLst/>
+                <a:latin typeface="Nunito" pitchFamily="2" charset="0"/>
+              </a:rPr>
+              <a:t>A long running process occurs(like waiting for a database or API call).</a:t>
+            </a:r>
+          </a:p>
+          <a:p>
+            <a:pPr marL="342900" indent="-342900" algn="l" rtl="0" fontAlgn="base">
+              <a:lnSpc>
+                <a:spcPct val="150000"/>
+              </a:lnSpc>
+              <a:spcAft>
+                <a:spcPts val="750"/>
+              </a:spcAft>
+              <a:buFont typeface="+mj-lt"/>
+              <a:buAutoNum type="arabicPeriod"/>
+            </a:pPr>
+            <a:r>
+              <a:rPr lang="en-US" sz="1600" b="1" i="0" dirty="0">
+                <a:solidFill>
+                  <a:srgbClr val="273239"/>
+                </a:solidFill>
+                <a:effectLst/>
+                <a:latin typeface="Nunito" pitchFamily="2" charset="0"/>
+              </a:rPr>
+              <a:t>While waiting, other code continues running (Doing other work while waiting…).</a:t>
+            </a:r>
+          </a:p>
+          <a:p>
+            <a:pPr marL="342900" indent="-342900" algn="l" rtl="0" fontAlgn="base">
+              <a:lnSpc>
+                <a:spcPct val="150000"/>
+              </a:lnSpc>
+              <a:spcAft>
+                <a:spcPts val="750"/>
+              </a:spcAft>
+              <a:buFont typeface="+mj-lt"/>
+              <a:buAutoNum type="arabicPeriod"/>
+            </a:pPr>
+            <a:r>
+              <a:rPr lang="en-US" sz="1600" b="1" i="0" dirty="0">
+                <a:solidFill>
+                  <a:srgbClr val="273239"/>
+                </a:solidFill>
+                <a:effectLst/>
+                <a:latin typeface="Nunito" pitchFamily="2" charset="0"/>
+              </a:rPr>
+              <a:t>When the task completes, execution resumes from the await keyword.</a:t>
+            </a:r>
+          </a:p>
+          <a:p>
+            <a:pPr marL="342900" indent="-342900" algn="l" rtl="0" fontAlgn="base">
+              <a:lnSpc>
+                <a:spcPct val="150000"/>
+              </a:lnSpc>
+              <a:spcAft>
+                <a:spcPts val="750"/>
+              </a:spcAft>
+              <a:buFont typeface="+mj-lt"/>
+              <a:buAutoNum type="arabicPeriod"/>
+            </a:pPr>
+            <a:r>
+              <a:rPr lang="en-US" sz="1600" b="1" i="0" dirty="0">
+                <a:solidFill>
+                  <a:srgbClr val="273239"/>
+                </a:solidFill>
+                <a:effectLst/>
+                <a:latin typeface="Nunito" pitchFamily="2" charset="0"/>
+              </a:rPr>
+              <a:t>The result is printed (Finished with result: Hello, Async!).</a:t>
+            </a:r>
+          </a:p>
+        </p:txBody>
+      </p:sp>
+    </p:spTree>
+    <p:extLst>
+      <p:ext uri="{BB962C8B-B14F-4D97-AF65-F5344CB8AC3E}">
+        <p14:creationId xmlns:p14="http://schemas.microsoft.com/office/powerpoint/2010/main" val="3351358048"/>
+      </p:ext>
+    </p:extLst>
+  </p:cSld>
+  <p:clrMapOvr>
+    <a:masterClrMapping/>
+  </p:clrMapOvr>
+</p:sld>
+</file>
+
+<file path=ppt/slides/slide22.xml><?xml version="1.0" encoding="utf-8"?>
+<p:sld xmlns:a="http://schemas.openxmlformats.org/drawingml/2006/main" xmlns:r="http://schemas.openxmlformats.org/officeDocument/2006/relationships" xmlns:p="http://schemas.openxmlformats.org/presentationml/2006/main">
+  <p:cSld>
+    <p:spTree>
+      <p:nvGrpSpPr>
+        <p:cNvPr id="1" name=""/>
+        <p:cNvGrpSpPr/>
+        <p:nvPr/>
+      </p:nvGrpSpPr>
+      <p:grpSpPr>
+        <a:xfrm>
+          <a:off x="0" y="0"/>
+          <a:ext cx="0" cy="0"/>
+          <a:chOff x="0" y="0"/>
+          <a:chExt cx="0" cy="0"/>
+        </a:xfrm>
+      </p:grpSpPr>
+      <p:sp>
+        <p:nvSpPr>
+          <p:cNvPr id="3" name="Rectangle 2">
+            <a:extLst>
+              <a:ext uri="{FF2B5EF4-FFF2-40B4-BE49-F238E27FC236}">
+                <a16:creationId xmlns:a16="http://schemas.microsoft.com/office/drawing/2014/main" id="{C938AAA8-857B-C978-64B8-8D546433ED8B}"/>
+              </a:ext>
+            </a:extLst>
+          </p:cNvPr>
+          <p:cNvSpPr/>
+          <p:nvPr/>
+        </p:nvSpPr>
+        <p:spPr>
+          <a:xfrm>
+            <a:off x="782515" y="2408524"/>
+            <a:ext cx="817685" cy="369277"/>
+          </a:xfrm>
+          <a:prstGeom prst="rect">
+            <a:avLst/>
+          </a:prstGeom>
+        </p:spPr>
+        <p:style>
+          <a:lnRef idx="2">
+            <a:schemeClr val="accent1">
+              <a:shade val="15000"/>
+            </a:schemeClr>
+          </a:lnRef>
+          <a:fillRef idx="1">
+            <a:schemeClr val="accent1"/>
+          </a:fillRef>
+          <a:effectRef idx="0">
+            <a:schemeClr val="accent1"/>
+          </a:effectRef>
+          <a:fontRef idx="minor">
+            <a:schemeClr val="lt1"/>
+          </a:fontRef>
+        </p:style>
+        <p:txBody>
+          <a:bodyPr rtlCol="0" anchor="ctr"/>
+          <a:lstStyle/>
+          <a:p>
+            <a:pPr algn="ctr"/>
+            <a:r>
+              <a:rPr lang="en-IN" dirty="0"/>
+              <a:t>Start</a:t>
+            </a:r>
+          </a:p>
+        </p:txBody>
+      </p:sp>
+      <p:sp>
+        <p:nvSpPr>
+          <p:cNvPr id="4" name="Rectangle 3">
+            <a:extLst>
+              <a:ext uri="{FF2B5EF4-FFF2-40B4-BE49-F238E27FC236}">
+                <a16:creationId xmlns:a16="http://schemas.microsoft.com/office/drawing/2014/main" id="{1C32E3CF-7634-ECF3-913F-18A74F3A6984}"/>
+              </a:ext>
+            </a:extLst>
+          </p:cNvPr>
+          <p:cNvSpPr/>
+          <p:nvPr/>
+        </p:nvSpPr>
+        <p:spPr>
+          <a:xfrm>
+            <a:off x="2337289" y="2408522"/>
+            <a:ext cx="2941026" cy="369277"/>
+          </a:xfrm>
+          <a:prstGeom prst="rect">
+            <a:avLst/>
+          </a:prstGeom>
+        </p:spPr>
+        <p:style>
+          <a:lnRef idx="2">
+            <a:schemeClr val="accent1">
+              <a:shade val="15000"/>
+            </a:schemeClr>
+          </a:lnRef>
+          <a:fillRef idx="1">
+            <a:schemeClr val="accent1"/>
+          </a:fillRef>
+          <a:effectRef idx="0">
+            <a:schemeClr val="accent1"/>
+          </a:effectRef>
+          <a:fontRef idx="minor">
+            <a:schemeClr val="lt1"/>
+          </a:fontRef>
+        </p:style>
+        <p:txBody>
+          <a:bodyPr rtlCol="0" anchor="ctr"/>
+          <a:lstStyle/>
+          <a:p>
+            <a:pPr algn="ctr"/>
+            <a:r>
+              <a:rPr lang="en-IN" dirty="0"/>
+              <a:t>Long Running method</a:t>
+            </a:r>
+          </a:p>
+        </p:txBody>
+      </p:sp>
+      <p:sp>
+        <p:nvSpPr>
+          <p:cNvPr id="5" name="Rectangle 4">
+            <a:extLst>
+              <a:ext uri="{FF2B5EF4-FFF2-40B4-BE49-F238E27FC236}">
+                <a16:creationId xmlns:a16="http://schemas.microsoft.com/office/drawing/2014/main" id="{D23DFB24-7217-9018-98A6-0679D9A02791}"/>
+              </a:ext>
+            </a:extLst>
+          </p:cNvPr>
+          <p:cNvSpPr/>
+          <p:nvPr/>
+        </p:nvSpPr>
+        <p:spPr>
+          <a:xfrm>
+            <a:off x="8457466" y="2438259"/>
+            <a:ext cx="2941026" cy="369277"/>
+          </a:xfrm>
+          <a:prstGeom prst="rect">
+            <a:avLst/>
+          </a:prstGeom>
+        </p:spPr>
+        <p:style>
+          <a:lnRef idx="2">
+            <a:schemeClr val="accent1">
+              <a:shade val="15000"/>
+            </a:schemeClr>
+          </a:lnRef>
+          <a:fillRef idx="1">
+            <a:schemeClr val="accent1"/>
+          </a:fillRef>
+          <a:effectRef idx="0">
+            <a:schemeClr val="accent1"/>
+          </a:effectRef>
+          <a:fontRef idx="minor">
+            <a:schemeClr val="lt1"/>
+          </a:fontRef>
+        </p:style>
+        <p:txBody>
+          <a:bodyPr rtlCol="0" anchor="ctr"/>
+          <a:lstStyle/>
+          <a:p>
+            <a:pPr algn="ctr"/>
+            <a:r>
+              <a:rPr lang="en-IN" dirty="0"/>
+              <a:t>Move to next line of code </a:t>
+            </a:r>
+          </a:p>
+        </p:txBody>
+      </p:sp>
+      <p:cxnSp>
+        <p:nvCxnSpPr>
+          <p:cNvPr id="7" name="Straight Arrow Connector 6">
+            <a:extLst>
+              <a:ext uri="{FF2B5EF4-FFF2-40B4-BE49-F238E27FC236}">
+                <a16:creationId xmlns:a16="http://schemas.microsoft.com/office/drawing/2014/main" id="{4322CD2C-CE8E-1D9A-D039-59C3067E0A84}"/>
+              </a:ext>
+            </a:extLst>
+          </p:cNvPr>
+          <p:cNvCxnSpPr>
+            <a:stCxn id="3" idx="3"/>
+            <a:endCxn id="4" idx="1"/>
+          </p:cNvCxnSpPr>
+          <p:nvPr/>
+        </p:nvCxnSpPr>
+        <p:spPr>
+          <a:xfrm flipV="1">
+            <a:off x="1600200" y="2593161"/>
+            <a:ext cx="737089" cy="2"/>
+          </a:xfrm>
+          <a:prstGeom prst="straightConnector1">
+            <a:avLst/>
+          </a:prstGeom>
+          <a:ln w="76200">
+            <a:solidFill>
+              <a:schemeClr val="accent2"/>
+            </a:solidFill>
+            <a:tailEnd type="triangle"/>
+          </a:ln>
+        </p:spPr>
+        <p:style>
+          <a:lnRef idx="1">
+            <a:schemeClr val="accent1"/>
+          </a:lnRef>
+          <a:fillRef idx="0">
+            <a:schemeClr val="accent1"/>
+          </a:fillRef>
+          <a:effectRef idx="0">
+            <a:schemeClr val="accent1"/>
+          </a:effectRef>
+          <a:fontRef idx="minor">
+            <a:schemeClr val="tx1"/>
+          </a:fontRef>
+        </p:style>
+      </p:cxnSp>
+      <p:cxnSp>
+        <p:nvCxnSpPr>
+          <p:cNvPr id="8" name="Straight Arrow Connector 7">
+            <a:extLst>
+              <a:ext uri="{FF2B5EF4-FFF2-40B4-BE49-F238E27FC236}">
+                <a16:creationId xmlns:a16="http://schemas.microsoft.com/office/drawing/2014/main" id="{A0902E63-DF89-32EA-97AD-291BEFE41C7F}"/>
+              </a:ext>
+            </a:extLst>
+          </p:cNvPr>
+          <p:cNvCxnSpPr>
+            <a:cxnSpLocks/>
+            <a:stCxn id="4" idx="3"/>
+            <a:endCxn id="5" idx="1"/>
+          </p:cNvCxnSpPr>
+          <p:nvPr/>
+        </p:nvCxnSpPr>
+        <p:spPr>
+          <a:xfrm>
+            <a:off x="5278315" y="2593161"/>
+            <a:ext cx="3179151" cy="29737"/>
+          </a:xfrm>
+          <a:prstGeom prst="straightConnector1">
+            <a:avLst/>
+          </a:prstGeom>
+          <a:ln w="76200">
+            <a:solidFill>
+              <a:schemeClr val="accent2"/>
+            </a:solidFill>
+            <a:tailEnd type="triangle"/>
+          </a:ln>
+        </p:spPr>
+        <p:style>
+          <a:lnRef idx="1">
+            <a:schemeClr val="accent1"/>
+          </a:lnRef>
+          <a:fillRef idx="0">
+            <a:schemeClr val="accent1"/>
+          </a:fillRef>
+          <a:effectRef idx="0">
+            <a:schemeClr val="accent1"/>
+          </a:effectRef>
+          <a:fontRef idx="minor">
+            <a:schemeClr val="tx1"/>
+          </a:fontRef>
+        </p:style>
+      </p:cxnSp>
+      <p:sp>
+        <p:nvSpPr>
+          <p:cNvPr id="17" name="Rectangle 16">
+            <a:extLst>
+              <a:ext uri="{FF2B5EF4-FFF2-40B4-BE49-F238E27FC236}">
+                <a16:creationId xmlns:a16="http://schemas.microsoft.com/office/drawing/2014/main" id="{96E48BD4-C1FD-46E4-B169-640BEEC432B5}"/>
+              </a:ext>
+            </a:extLst>
+          </p:cNvPr>
+          <p:cNvSpPr/>
+          <p:nvPr/>
+        </p:nvSpPr>
+        <p:spPr>
+          <a:xfrm>
+            <a:off x="1191357" y="4517193"/>
+            <a:ext cx="817685" cy="369277"/>
+          </a:xfrm>
+          <a:prstGeom prst="rect">
+            <a:avLst/>
+          </a:prstGeom>
+        </p:spPr>
+        <p:style>
+          <a:lnRef idx="2">
+            <a:schemeClr val="accent1">
+              <a:shade val="15000"/>
+            </a:schemeClr>
+          </a:lnRef>
+          <a:fillRef idx="1">
+            <a:schemeClr val="accent1"/>
+          </a:fillRef>
+          <a:effectRef idx="0">
+            <a:schemeClr val="accent1"/>
+          </a:effectRef>
+          <a:fontRef idx="minor">
+            <a:schemeClr val="lt1"/>
+          </a:fontRef>
+        </p:style>
+        <p:txBody>
+          <a:bodyPr rtlCol="0" anchor="ctr"/>
+          <a:lstStyle/>
+          <a:p>
+            <a:pPr algn="ctr"/>
+            <a:r>
+              <a:rPr lang="en-IN" dirty="0"/>
+              <a:t>Start</a:t>
+            </a:r>
+          </a:p>
+        </p:txBody>
+      </p:sp>
+      <p:sp>
+        <p:nvSpPr>
+          <p:cNvPr id="18" name="Rectangle 17">
+            <a:extLst>
+              <a:ext uri="{FF2B5EF4-FFF2-40B4-BE49-F238E27FC236}">
+                <a16:creationId xmlns:a16="http://schemas.microsoft.com/office/drawing/2014/main" id="{216F8FE3-CB22-B126-D0C4-8D42F268D3A1}"/>
+              </a:ext>
+            </a:extLst>
+          </p:cNvPr>
+          <p:cNvSpPr/>
+          <p:nvPr/>
+        </p:nvSpPr>
+        <p:spPr>
+          <a:xfrm>
+            <a:off x="2768111" y="4813195"/>
+            <a:ext cx="2941026" cy="369277"/>
+          </a:xfrm>
+          <a:prstGeom prst="rect">
+            <a:avLst/>
+          </a:prstGeom>
+        </p:spPr>
+        <p:style>
+          <a:lnRef idx="2">
+            <a:schemeClr val="accent1">
+              <a:shade val="15000"/>
+            </a:schemeClr>
+          </a:lnRef>
+          <a:fillRef idx="1">
+            <a:schemeClr val="accent1"/>
+          </a:fillRef>
+          <a:effectRef idx="0">
+            <a:schemeClr val="accent1"/>
+          </a:effectRef>
+          <a:fontRef idx="minor">
+            <a:schemeClr val="lt1"/>
+          </a:fontRef>
+        </p:style>
+        <p:txBody>
+          <a:bodyPr rtlCol="0" anchor="ctr"/>
+          <a:lstStyle/>
+          <a:p>
+            <a:pPr algn="ctr"/>
+            <a:r>
+              <a:rPr lang="en-IN" dirty="0"/>
+              <a:t>Long Async Running method</a:t>
+            </a:r>
+          </a:p>
+        </p:txBody>
+      </p:sp>
+      <p:sp>
+        <p:nvSpPr>
+          <p:cNvPr id="19" name="Rectangle 18">
+            <a:extLst>
+              <a:ext uri="{FF2B5EF4-FFF2-40B4-BE49-F238E27FC236}">
+                <a16:creationId xmlns:a16="http://schemas.microsoft.com/office/drawing/2014/main" id="{8F61417F-4619-4366-2787-BBB8A02CFE54}"/>
+              </a:ext>
+            </a:extLst>
+          </p:cNvPr>
+          <p:cNvSpPr/>
+          <p:nvPr/>
+        </p:nvSpPr>
+        <p:spPr>
+          <a:xfrm>
+            <a:off x="7069013" y="3963276"/>
+            <a:ext cx="2941026" cy="369277"/>
+          </a:xfrm>
+          <a:prstGeom prst="rect">
+            <a:avLst/>
+          </a:prstGeom>
+        </p:spPr>
+        <p:style>
+          <a:lnRef idx="2">
+            <a:schemeClr val="accent1">
+              <a:shade val="15000"/>
+            </a:schemeClr>
+          </a:lnRef>
+          <a:fillRef idx="1">
+            <a:schemeClr val="accent1"/>
+          </a:fillRef>
+          <a:effectRef idx="0">
+            <a:schemeClr val="accent1"/>
+          </a:effectRef>
+          <a:fontRef idx="minor">
+            <a:schemeClr val="lt1"/>
+          </a:fontRef>
+        </p:style>
+        <p:txBody>
+          <a:bodyPr rtlCol="0" anchor="ctr"/>
+          <a:lstStyle/>
+          <a:p>
+            <a:pPr algn="ctr"/>
+            <a:r>
+              <a:rPr lang="en-IN" dirty="0"/>
+              <a:t>Move to next line of code </a:t>
+            </a:r>
+          </a:p>
+        </p:txBody>
+      </p:sp>
+      <p:cxnSp>
+        <p:nvCxnSpPr>
+          <p:cNvPr id="20" name="Straight Arrow Connector 19">
+            <a:extLst>
+              <a:ext uri="{FF2B5EF4-FFF2-40B4-BE49-F238E27FC236}">
+                <a16:creationId xmlns:a16="http://schemas.microsoft.com/office/drawing/2014/main" id="{43DF22A4-9B75-F581-37CF-91B3D71524E9}"/>
+              </a:ext>
+            </a:extLst>
+          </p:cNvPr>
+          <p:cNvCxnSpPr>
+            <a:cxnSpLocks/>
+            <a:endCxn id="19" idx="1"/>
+          </p:cNvCxnSpPr>
+          <p:nvPr/>
+        </p:nvCxnSpPr>
+        <p:spPr>
+          <a:xfrm flipV="1">
+            <a:off x="2009041" y="4147915"/>
+            <a:ext cx="5059972" cy="512882"/>
+          </a:xfrm>
+          <a:prstGeom prst="straightConnector1">
+            <a:avLst/>
+          </a:prstGeom>
+          <a:ln w="76200">
+            <a:solidFill>
+              <a:schemeClr val="accent2"/>
+            </a:solidFill>
+            <a:tailEnd type="triangle"/>
+          </a:ln>
+        </p:spPr>
+        <p:style>
+          <a:lnRef idx="1">
+            <a:schemeClr val="accent1"/>
+          </a:lnRef>
+          <a:fillRef idx="0">
+            <a:schemeClr val="accent1"/>
+          </a:fillRef>
+          <a:effectRef idx="0">
+            <a:schemeClr val="accent1"/>
+          </a:effectRef>
+          <a:fontRef idx="minor">
+            <a:schemeClr val="tx1"/>
+          </a:fontRef>
+        </p:style>
+      </p:cxnSp>
+      <p:sp>
+        <p:nvSpPr>
+          <p:cNvPr id="23" name="Rectangle 22">
+            <a:extLst>
+              <a:ext uri="{FF2B5EF4-FFF2-40B4-BE49-F238E27FC236}">
+                <a16:creationId xmlns:a16="http://schemas.microsoft.com/office/drawing/2014/main" id="{4BBD7918-2676-C945-7CFC-6A2EEB348263}"/>
+              </a:ext>
+            </a:extLst>
+          </p:cNvPr>
+          <p:cNvSpPr/>
+          <p:nvPr/>
+        </p:nvSpPr>
+        <p:spPr>
+          <a:xfrm>
+            <a:off x="3380642" y="3711916"/>
+            <a:ext cx="1389184" cy="620637"/>
+          </a:xfrm>
+          <a:prstGeom prst="rect">
+            <a:avLst/>
+          </a:prstGeom>
+          <a:solidFill>
+            <a:schemeClr val="accent4">
+              <a:lumMod val="60000"/>
+              <a:lumOff val="40000"/>
+            </a:schemeClr>
+          </a:solidFill>
+        </p:spPr>
+        <p:style>
+          <a:lnRef idx="2">
+            <a:schemeClr val="accent1">
+              <a:shade val="15000"/>
+            </a:schemeClr>
+          </a:lnRef>
+          <a:fillRef idx="1">
+            <a:schemeClr val="accent1"/>
+          </a:fillRef>
+          <a:effectRef idx="0">
+            <a:schemeClr val="accent1"/>
+          </a:effectRef>
+          <a:fontRef idx="minor">
+            <a:schemeClr val="lt1"/>
+          </a:fontRef>
+        </p:style>
+        <p:txBody>
+          <a:bodyPr rtlCol="0" anchor="ctr"/>
+          <a:lstStyle/>
+          <a:p>
+            <a:pPr algn="ctr"/>
+            <a:r>
+              <a:rPr lang="en-IN" dirty="0"/>
+              <a:t>Skips async method</a:t>
+            </a:r>
+          </a:p>
+        </p:txBody>
+      </p:sp>
+      <p:sp>
+        <p:nvSpPr>
+          <p:cNvPr id="30" name="Rectangle 29">
+            <a:extLst>
+              <a:ext uri="{FF2B5EF4-FFF2-40B4-BE49-F238E27FC236}">
+                <a16:creationId xmlns:a16="http://schemas.microsoft.com/office/drawing/2014/main" id="{84A0462F-0C9B-09B9-2B08-6C1723C69543}"/>
+              </a:ext>
+            </a:extLst>
+          </p:cNvPr>
+          <p:cNvSpPr/>
+          <p:nvPr/>
+        </p:nvSpPr>
+        <p:spPr>
+          <a:xfrm>
+            <a:off x="6087756" y="2282841"/>
+            <a:ext cx="1798394" cy="620637"/>
+          </a:xfrm>
+          <a:prstGeom prst="rect">
+            <a:avLst/>
+          </a:prstGeom>
+        </p:spPr>
+        <p:style>
+          <a:lnRef idx="2">
+            <a:schemeClr val="accent1">
+              <a:shade val="15000"/>
+            </a:schemeClr>
+          </a:lnRef>
+          <a:fillRef idx="1">
+            <a:schemeClr val="accent1"/>
+          </a:fillRef>
+          <a:effectRef idx="0">
+            <a:schemeClr val="accent1"/>
+          </a:effectRef>
+          <a:fontRef idx="minor">
+            <a:schemeClr val="lt1"/>
+          </a:fontRef>
+        </p:style>
+        <p:txBody>
+          <a:bodyPr rtlCol="0" anchor="ctr"/>
+          <a:lstStyle/>
+          <a:p>
+            <a:pPr algn="ctr"/>
+            <a:r>
+              <a:rPr lang="en-IN" dirty="0"/>
+              <a:t>Method Complete</a:t>
+            </a:r>
+          </a:p>
+        </p:txBody>
+      </p:sp>
+      <p:sp>
+        <p:nvSpPr>
+          <p:cNvPr id="32" name="Rectangle 31">
+            <a:extLst>
+              <a:ext uri="{FF2B5EF4-FFF2-40B4-BE49-F238E27FC236}">
+                <a16:creationId xmlns:a16="http://schemas.microsoft.com/office/drawing/2014/main" id="{56C066E7-2A7E-01A1-4D7B-7CF6AEB4CB72}"/>
+              </a:ext>
+            </a:extLst>
+          </p:cNvPr>
+          <p:cNvSpPr/>
+          <p:nvPr/>
+        </p:nvSpPr>
+        <p:spPr>
+          <a:xfrm>
+            <a:off x="6741131" y="4833709"/>
+            <a:ext cx="2345717" cy="263087"/>
+          </a:xfrm>
+          <a:prstGeom prst="rect">
+            <a:avLst/>
+          </a:prstGeom>
+        </p:spPr>
+        <p:style>
+          <a:lnRef idx="2">
+            <a:schemeClr val="accent1">
+              <a:shade val="15000"/>
+            </a:schemeClr>
+          </a:lnRef>
+          <a:fillRef idx="1">
+            <a:schemeClr val="accent1"/>
+          </a:fillRef>
+          <a:effectRef idx="0">
+            <a:schemeClr val="accent1"/>
+          </a:effectRef>
+          <a:fontRef idx="minor">
+            <a:schemeClr val="lt1"/>
+          </a:fontRef>
+        </p:style>
+        <p:txBody>
+          <a:bodyPr rtlCol="0" anchor="ctr"/>
+          <a:lstStyle/>
+          <a:p>
+            <a:pPr algn="ctr"/>
+            <a:r>
+              <a:rPr lang="en-IN" dirty="0"/>
+              <a:t>Method Complete</a:t>
+            </a:r>
+          </a:p>
+        </p:txBody>
+      </p:sp>
+      <p:cxnSp>
+        <p:nvCxnSpPr>
+          <p:cNvPr id="33" name="Straight Arrow Connector 32">
+            <a:extLst>
+              <a:ext uri="{FF2B5EF4-FFF2-40B4-BE49-F238E27FC236}">
+                <a16:creationId xmlns:a16="http://schemas.microsoft.com/office/drawing/2014/main" id="{ACD46968-736F-3F21-23AC-C3B9F077DAC0}"/>
+              </a:ext>
+            </a:extLst>
+          </p:cNvPr>
+          <p:cNvCxnSpPr>
+            <a:cxnSpLocks/>
+          </p:cNvCxnSpPr>
+          <p:nvPr/>
+        </p:nvCxnSpPr>
+        <p:spPr>
+          <a:xfrm flipV="1">
+            <a:off x="5709137" y="4960610"/>
+            <a:ext cx="1010014" cy="1"/>
+          </a:xfrm>
+          <a:prstGeom prst="straightConnector1">
+            <a:avLst/>
+          </a:prstGeom>
+          <a:ln w="76200">
+            <a:solidFill>
+              <a:schemeClr val="accent2"/>
+            </a:solidFill>
+            <a:tailEnd type="triangle"/>
+          </a:ln>
+        </p:spPr>
+        <p:style>
+          <a:lnRef idx="1">
+            <a:schemeClr val="accent1"/>
+          </a:lnRef>
+          <a:fillRef idx="0">
+            <a:schemeClr val="accent1"/>
+          </a:fillRef>
+          <a:effectRef idx="0">
+            <a:schemeClr val="accent1"/>
+          </a:effectRef>
+          <a:fontRef idx="minor">
+            <a:schemeClr val="tx1"/>
+          </a:fontRef>
+        </p:style>
+      </p:cxnSp>
+      <p:sp>
+        <p:nvSpPr>
+          <p:cNvPr id="35" name="Rectangle 34">
+            <a:extLst>
+              <a:ext uri="{FF2B5EF4-FFF2-40B4-BE49-F238E27FC236}">
+                <a16:creationId xmlns:a16="http://schemas.microsoft.com/office/drawing/2014/main" id="{D3B99BE4-A4CC-7A17-161C-6B5F63C9C92B}"/>
+              </a:ext>
+            </a:extLst>
+          </p:cNvPr>
+          <p:cNvSpPr/>
+          <p:nvPr/>
+        </p:nvSpPr>
+        <p:spPr>
+          <a:xfrm>
+            <a:off x="9927979" y="4517193"/>
+            <a:ext cx="2345717" cy="579603"/>
+          </a:xfrm>
+          <a:prstGeom prst="rect">
+            <a:avLst/>
+          </a:prstGeom>
+        </p:spPr>
+        <p:style>
+          <a:lnRef idx="2">
+            <a:schemeClr val="accent1">
+              <a:shade val="15000"/>
+            </a:schemeClr>
+          </a:lnRef>
+          <a:fillRef idx="1">
+            <a:schemeClr val="accent1"/>
+          </a:fillRef>
+          <a:effectRef idx="0">
+            <a:schemeClr val="accent1"/>
+          </a:effectRef>
+          <a:fontRef idx="minor">
+            <a:schemeClr val="lt1"/>
+          </a:fontRef>
+        </p:style>
+        <p:txBody>
+          <a:bodyPr rtlCol="0" anchor="ctr"/>
+          <a:lstStyle/>
+          <a:p>
+            <a:pPr algn="ctr"/>
+            <a:r>
+              <a:rPr lang="en-IN" dirty="0"/>
+              <a:t>Come Back to await block</a:t>
+            </a:r>
+          </a:p>
+        </p:txBody>
+      </p:sp>
+      <p:cxnSp>
+        <p:nvCxnSpPr>
+          <p:cNvPr id="2" name="Straight Arrow Connector 1">
+            <a:extLst>
+              <a:ext uri="{FF2B5EF4-FFF2-40B4-BE49-F238E27FC236}">
+                <a16:creationId xmlns:a16="http://schemas.microsoft.com/office/drawing/2014/main" id="{E9C88AF7-9EA2-CA82-B3A5-455F8426A151}"/>
+              </a:ext>
+            </a:extLst>
+          </p:cNvPr>
+          <p:cNvCxnSpPr>
+            <a:cxnSpLocks/>
+          </p:cNvCxnSpPr>
+          <p:nvPr/>
+        </p:nvCxnSpPr>
+        <p:spPr>
+          <a:xfrm flipV="1">
+            <a:off x="9002407" y="4960609"/>
+            <a:ext cx="1010014" cy="1"/>
+          </a:xfrm>
+          <a:prstGeom prst="straightConnector1">
+            <a:avLst/>
+          </a:prstGeom>
+          <a:ln w="76200">
+            <a:solidFill>
+              <a:schemeClr val="accent2"/>
+            </a:solidFill>
+            <a:tailEnd type="triangle"/>
+          </a:ln>
+        </p:spPr>
+        <p:style>
+          <a:lnRef idx="1">
+            <a:schemeClr val="accent1"/>
+          </a:lnRef>
+          <a:fillRef idx="0">
+            <a:schemeClr val="accent1"/>
+          </a:fillRef>
+          <a:effectRef idx="0">
+            <a:schemeClr val="accent1"/>
+          </a:effectRef>
+          <a:fontRef idx="minor">
+            <a:schemeClr val="tx1"/>
+          </a:fontRef>
+        </p:style>
+      </p:cxnSp>
+      <p:sp>
+        <p:nvSpPr>
+          <p:cNvPr id="6" name="TextBox 5">
+            <a:extLst>
+              <a:ext uri="{FF2B5EF4-FFF2-40B4-BE49-F238E27FC236}">
+                <a16:creationId xmlns:a16="http://schemas.microsoft.com/office/drawing/2014/main" id="{9359979C-CEF4-CAC6-87C8-4BE20D1B4EC6}"/>
+              </a:ext>
+            </a:extLst>
+          </p:cNvPr>
+          <p:cNvSpPr txBox="1"/>
+          <p:nvPr/>
+        </p:nvSpPr>
+        <p:spPr>
+          <a:xfrm>
+            <a:off x="1274885" y="495521"/>
+            <a:ext cx="8484577" cy="584775"/>
+          </a:xfrm>
+          <a:prstGeom prst="rect">
+            <a:avLst/>
+          </a:prstGeom>
+          <a:noFill/>
+        </p:spPr>
+        <p:txBody>
+          <a:bodyPr wrap="square" rtlCol="0">
+            <a:spAutoFit/>
+          </a:bodyPr>
+          <a:lstStyle/>
+          <a:p>
+            <a:pPr algn="ctr" fontAlgn="base"/>
+            <a:r>
+              <a:rPr lang="en-IN" sz="3200" b="1" i="0" dirty="0">
+                <a:solidFill>
+                  <a:srgbClr val="273239"/>
+                </a:solidFill>
+                <a:effectLst/>
+              </a:rPr>
+              <a:t>Async Await</a:t>
+            </a:r>
+            <a:endParaRPr lang="en-IN" sz="3200" b="1" dirty="0">
+              <a:solidFill>
+                <a:srgbClr val="273239"/>
+              </a:solidFill>
+            </a:endParaRPr>
+          </a:p>
+        </p:txBody>
+      </p:sp>
+    </p:spTree>
+    <p:extLst>
+      <p:ext uri="{BB962C8B-B14F-4D97-AF65-F5344CB8AC3E}">
+        <p14:creationId xmlns:p14="http://schemas.microsoft.com/office/powerpoint/2010/main" val="3867529499"/>
+      </p:ext>
+    </p:extLst>
+  </p:cSld>
+  <p:clrMapOvr>
+    <a:masterClrMapping/>
+  </p:clrMapOvr>
+</p:sld>
+</file>
+
+<file path=ppt/slides/slide23.xml><?xml version="1.0" encoding="utf-8"?>
+<p:sld xmlns:a="http://schemas.openxmlformats.org/drawingml/2006/main" xmlns:r="http://schemas.openxmlformats.org/officeDocument/2006/relationships" xmlns:p="http://schemas.openxmlformats.org/presentationml/2006/main">
+  <p:cSld>
+    <p:spTree>
+      <p:nvGrpSpPr>
+        <p:cNvPr id="1" name="">
+          <a:extLst>
+            <a:ext uri="{FF2B5EF4-FFF2-40B4-BE49-F238E27FC236}">
+              <a16:creationId xmlns:a16="http://schemas.microsoft.com/office/drawing/2014/main" id="{4A71EEC7-28DD-BE3C-9CA6-907C693EC067}"/>
+            </a:ext>
+          </a:extLst>
+        </p:cNvPr>
+        <p:cNvGrpSpPr/>
+        <p:nvPr/>
+      </p:nvGrpSpPr>
+      <p:grpSpPr>
+        <a:xfrm>
+          <a:off x="0" y="0"/>
+          <a:ext cx="0" cy="0"/>
+          <a:chOff x="0" y="0"/>
+          <a:chExt cx="0" cy="0"/>
+        </a:xfrm>
+      </p:grpSpPr>
+      <p:sp>
+        <p:nvSpPr>
+          <p:cNvPr id="6" name="TextBox 5">
+            <a:extLst>
+              <a:ext uri="{FF2B5EF4-FFF2-40B4-BE49-F238E27FC236}">
+                <a16:creationId xmlns:a16="http://schemas.microsoft.com/office/drawing/2014/main" id="{F8166506-32D2-00F7-889A-80C091FC762B}"/>
+              </a:ext>
+            </a:extLst>
+          </p:cNvPr>
+          <p:cNvSpPr txBox="1"/>
+          <p:nvPr/>
+        </p:nvSpPr>
+        <p:spPr>
+          <a:xfrm>
+            <a:off x="1274885" y="495521"/>
+            <a:ext cx="8484577" cy="584775"/>
+          </a:xfrm>
+          <a:prstGeom prst="rect">
+            <a:avLst/>
+          </a:prstGeom>
+          <a:noFill/>
+        </p:spPr>
+        <p:txBody>
+          <a:bodyPr wrap="square" rtlCol="0">
+            <a:spAutoFit/>
+          </a:bodyPr>
+          <a:lstStyle/>
+          <a:p>
+            <a:pPr algn="ctr" fontAlgn="base"/>
+            <a:r>
+              <a:rPr lang="en-IN" sz="3200" b="1" i="0" dirty="0">
+                <a:solidFill>
+                  <a:srgbClr val="273239"/>
+                </a:solidFill>
+                <a:effectLst/>
+              </a:rPr>
+              <a:t>Async Controller benefit</a:t>
+            </a:r>
+            <a:endParaRPr lang="en-IN" sz="3200" b="1" dirty="0">
+              <a:solidFill>
+                <a:srgbClr val="273239"/>
+              </a:solidFill>
+            </a:endParaRPr>
+          </a:p>
+        </p:txBody>
+      </p:sp>
+      <p:sp>
+        <p:nvSpPr>
+          <p:cNvPr id="9" name="TextBox 8">
+            <a:extLst>
+              <a:ext uri="{FF2B5EF4-FFF2-40B4-BE49-F238E27FC236}">
+                <a16:creationId xmlns:a16="http://schemas.microsoft.com/office/drawing/2014/main" id="{67D3B52D-FCA3-9E31-A192-3FFDA27B7A96}"/>
+              </a:ext>
+            </a:extLst>
+          </p:cNvPr>
+          <p:cNvSpPr txBox="1"/>
+          <p:nvPr/>
+        </p:nvSpPr>
+        <p:spPr>
+          <a:xfrm>
+            <a:off x="545123" y="1239715"/>
+            <a:ext cx="10339754" cy="5355312"/>
+          </a:xfrm>
+          <a:prstGeom prst="rect">
+            <a:avLst/>
+          </a:prstGeom>
+          <a:noFill/>
+        </p:spPr>
+        <p:txBody>
+          <a:bodyPr wrap="square" rtlCol="0">
+            <a:spAutoFit/>
+          </a:bodyPr>
+          <a:lstStyle/>
+          <a:p>
+            <a:pPr>
+              <a:buNone/>
+            </a:pPr>
+            <a:r>
+              <a:rPr lang="en-US" dirty="0"/>
+              <a:t>Using </a:t>
+            </a:r>
+            <a:r>
+              <a:rPr lang="en-US" b="1" dirty="0"/>
+              <a:t>async controllers</a:t>
+            </a:r>
+            <a:r>
+              <a:rPr lang="en-US" dirty="0"/>
+              <a:t> in ASP.NET MVC provides several benefits, especially for handling </a:t>
+            </a:r>
+            <a:r>
+              <a:rPr lang="en-US" b="1" dirty="0"/>
+              <a:t>I/O-bound operations</a:t>
+            </a:r>
+            <a:r>
+              <a:rPr lang="en-US" dirty="0"/>
+              <a:t> like database queries, API calls, and file processing. Here’s why they are useful:</a:t>
+            </a:r>
+          </a:p>
+          <a:p>
+            <a:pPr>
+              <a:buNone/>
+            </a:pPr>
+            <a:endParaRPr lang="en-US" dirty="0"/>
+          </a:p>
+          <a:p>
+            <a:pPr>
+              <a:buNone/>
+            </a:pPr>
+            <a:r>
+              <a:rPr lang="en-US" b="1" dirty="0"/>
+              <a:t>1. Improves Scalability</a:t>
+            </a:r>
+          </a:p>
+          <a:p>
+            <a:pPr>
+              <a:buFont typeface="Arial" panose="020B0604020202020204" pitchFamily="34" charset="0"/>
+              <a:buChar char="•"/>
+            </a:pPr>
+            <a:r>
+              <a:rPr lang="en-US" dirty="0"/>
+              <a:t>Async controllers </a:t>
+            </a:r>
+            <a:r>
+              <a:rPr lang="en-US" b="1" dirty="0"/>
+              <a:t>free up server threads</a:t>
+            </a:r>
+            <a:r>
+              <a:rPr lang="en-US" dirty="0"/>
+              <a:t> while waiting for I/O operations.</a:t>
+            </a:r>
+          </a:p>
+          <a:p>
+            <a:pPr>
+              <a:buFont typeface="Arial" panose="020B0604020202020204" pitchFamily="34" charset="0"/>
+              <a:buChar char="•"/>
+            </a:pPr>
+            <a:r>
+              <a:rPr lang="en-US" dirty="0"/>
+              <a:t>More requests can be handled simultaneously, improving </a:t>
+            </a:r>
+            <a:r>
+              <a:rPr lang="en-US" b="1" dirty="0"/>
+              <a:t>server efficiency</a:t>
+            </a:r>
+            <a:r>
+              <a:rPr lang="en-US" dirty="0"/>
+              <a:t>.</a:t>
+            </a:r>
+          </a:p>
+          <a:p>
+            <a:pPr>
+              <a:buFont typeface="Arial" panose="020B0604020202020204" pitchFamily="34" charset="0"/>
+              <a:buChar char="•"/>
+            </a:pPr>
+            <a:endParaRPr lang="en-US" dirty="0"/>
+          </a:p>
+          <a:p>
+            <a:pPr>
+              <a:buNone/>
+            </a:pPr>
+            <a:r>
+              <a:rPr lang="en-US" b="1" dirty="0"/>
+              <a:t>2. Prevents Blocking</a:t>
+            </a:r>
+          </a:p>
+          <a:p>
+            <a:pPr>
+              <a:buFont typeface="Arial" panose="020B0604020202020204" pitchFamily="34" charset="0"/>
+              <a:buChar char="•"/>
+            </a:pPr>
+            <a:r>
+              <a:rPr lang="en-US" dirty="0"/>
+              <a:t>Traditional synchronous methods </a:t>
+            </a:r>
+            <a:r>
+              <a:rPr lang="en-US" b="1" dirty="0"/>
+              <a:t>block</a:t>
+            </a:r>
+            <a:r>
+              <a:rPr lang="en-US" dirty="0"/>
+              <a:t> the request thread until completion.</a:t>
+            </a:r>
+          </a:p>
+          <a:p>
+            <a:pPr>
+              <a:buFont typeface="Arial" panose="020B0604020202020204" pitchFamily="34" charset="0"/>
+              <a:buChar char="•"/>
+            </a:pPr>
+            <a:r>
+              <a:rPr lang="en-US" dirty="0"/>
+              <a:t>Async methods </a:t>
+            </a:r>
+            <a:r>
+              <a:rPr lang="en-US" b="1" dirty="0"/>
+              <a:t>release</a:t>
+            </a:r>
+            <a:r>
+              <a:rPr lang="en-US" dirty="0"/>
+              <a:t> the thread while waiting, allowing other requests to be processed.</a:t>
+            </a:r>
+          </a:p>
+          <a:p>
+            <a:pPr>
+              <a:buFont typeface="Arial" panose="020B0604020202020204" pitchFamily="34" charset="0"/>
+              <a:buChar char="•"/>
+            </a:pPr>
+            <a:endParaRPr lang="en-US" dirty="0"/>
+          </a:p>
+          <a:p>
+            <a:pPr>
+              <a:buNone/>
+            </a:pPr>
+            <a:r>
+              <a:rPr lang="en-US" b="1" dirty="0"/>
+              <a:t>3. Enhances Performance for I/O Operations</a:t>
+            </a:r>
+          </a:p>
+          <a:p>
+            <a:pPr>
+              <a:buFont typeface="Arial" panose="020B0604020202020204" pitchFamily="34" charset="0"/>
+              <a:buChar char="•"/>
+            </a:pPr>
+            <a:r>
+              <a:rPr lang="en-US" dirty="0"/>
+              <a:t>Ideal for </a:t>
+            </a:r>
+            <a:r>
+              <a:rPr lang="en-US" b="1" dirty="0"/>
+              <a:t>database queries</a:t>
+            </a:r>
+            <a:r>
+              <a:rPr lang="en-US" dirty="0"/>
+              <a:t>, </a:t>
+            </a:r>
+            <a:r>
+              <a:rPr lang="en-US" b="1" dirty="0"/>
+              <a:t>web service calls</a:t>
+            </a:r>
+            <a:r>
+              <a:rPr lang="en-US" dirty="0"/>
+              <a:t>, and </a:t>
+            </a:r>
+            <a:r>
+              <a:rPr lang="en-US" b="1" dirty="0"/>
+              <a:t>file operations</a:t>
+            </a:r>
+            <a:r>
+              <a:rPr lang="en-US" dirty="0"/>
+              <a:t>.</a:t>
+            </a:r>
+          </a:p>
+          <a:p>
+            <a:pPr>
+              <a:buFont typeface="Arial" panose="020B0604020202020204" pitchFamily="34" charset="0"/>
+              <a:buChar char="•"/>
+            </a:pPr>
+            <a:r>
+              <a:rPr lang="en-US" dirty="0"/>
+              <a:t>Reduces </a:t>
+            </a:r>
+            <a:r>
+              <a:rPr lang="en-US" b="1" dirty="0"/>
+              <a:t>thread pool exhaustion</a:t>
+            </a:r>
+            <a:r>
+              <a:rPr lang="en-US" dirty="0"/>
+              <a:t>, making applications more responsive.</a:t>
+            </a:r>
+          </a:p>
+          <a:p>
+            <a:pPr>
+              <a:buFont typeface="Arial" panose="020B0604020202020204" pitchFamily="34" charset="0"/>
+              <a:buChar char="•"/>
+            </a:pPr>
+            <a:endParaRPr lang="en-US" dirty="0"/>
+          </a:p>
+          <a:p>
+            <a:pPr>
+              <a:buNone/>
+            </a:pPr>
+            <a:r>
+              <a:rPr lang="en-US" b="1" dirty="0"/>
+              <a:t>4. Better User Experience</a:t>
+            </a:r>
+          </a:p>
+          <a:p>
+            <a:pPr>
+              <a:buFont typeface="Arial" panose="020B0604020202020204" pitchFamily="34" charset="0"/>
+              <a:buChar char="•"/>
+            </a:pPr>
+            <a:r>
+              <a:rPr lang="en-US" dirty="0"/>
+              <a:t>In </a:t>
+            </a:r>
+            <a:r>
+              <a:rPr lang="en-US" b="1" dirty="0"/>
+              <a:t>web applications</a:t>
+            </a:r>
+            <a:r>
+              <a:rPr lang="en-US" dirty="0"/>
+              <a:t>, async controllers prevent UI freezing.</a:t>
+            </a:r>
+          </a:p>
+          <a:p>
+            <a:pPr>
+              <a:buFont typeface="Arial" panose="020B0604020202020204" pitchFamily="34" charset="0"/>
+              <a:buChar char="•"/>
+            </a:pPr>
+            <a:r>
+              <a:rPr lang="en-US" dirty="0"/>
+              <a:t>Users experience </a:t>
+            </a:r>
+            <a:r>
+              <a:rPr lang="en-US" b="1" dirty="0"/>
+              <a:t>faster response times</a:t>
+            </a:r>
+            <a:r>
+              <a:rPr lang="en-US" dirty="0"/>
+              <a:t> even when processing large data.</a:t>
+            </a:r>
+          </a:p>
+          <a:p>
+            <a:endParaRPr lang="en-IN" dirty="0"/>
+          </a:p>
+        </p:txBody>
+      </p:sp>
+    </p:spTree>
+    <p:extLst>
+      <p:ext uri="{BB962C8B-B14F-4D97-AF65-F5344CB8AC3E}">
+        <p14:creationId xmlns:p14="http://schemas.microsoft.com/office/powerpoint/2010/main" val="4202807617"/>
+      </p:ext>
+    </p:extLst>
+  </p:cSld>
+  <p:clrMapOvr>
+    <a:masterClrMapping/>
+  </p:clrMapOvr>
+</p:sld>
+</file>
+
+<file path=ppt/slides/slide24.xml><?xml version="1.0" encoding="utf-8"?>
+<p:sld xmlns:a="http://schemas.openxmlformats.org/drawingml/2006/main" xmlns:r="http://schemas.openxmlformats.org/officeDocument/2006/relationships" xmlns:p="http://schemas.openxmlformats.org/presentationml/2006/main">
+  <p:cSld>
+    <p:spTree>
+      <p:nvGrpSpPr>
+        <p:cNvPr id="1" name="">
+          <a:extLst>
+            <a:ext uri="{FF2B5EF4-FFF2-40B4-BE49-F238E27FC236}">
+              <a16:creationId xmlns:a16="http://schemas.microsoft.com/office/drawing/2014/main" id="{BE5FC1DD-12B2-3625-C04D-6AD9B6FC5A69}"/>
+            </a:ext>
+          </a:extLst>
+        </p:cNvPr>
+        <p:cNvGrpSpPr/>
+        <p:nvPr/>
+      </p:nvGrpSpPr>
+      <p:grpSpPr>
+        <a:xfrm>
+          <a:off x="0" y="0"/>
+          <a:ext cx="0" cy="0"/>
+          <a:chOff x="0" y="0"/>
+          <a:chExt cx="0" cy="0"/>
+        </a:xfrm>
+      </p:grpSpPr>
+      <p:sp>
+        <p:nvSpPr>
+          <p:cNvPr id="6" name="TextBox 5">
+            <a:extLst>
+              <a:ext uri="{FF2B5EF4-FFF2-40B4-BE49-F238E27FC236}">
+                <a16:creationId xmlns:a16="http://schemas.microsoft.com/office/drawing/2014/main" id="{3F7FAB9B-0B28-8A3B-58D5-CBF95E8FC3EB}"/>
+              </a:ext>
+            </a:extLst>
+          </p:cNvPr>
+          <p:cNvSpPr txBox="1"/>
+          <p:nvPr/>
+        </p:nvSpPr>
+        <p:spPr>
+          <a:xfrm>
+            <a:off x="1274885" y="495521"/>
+            <a:ext cx="8484577" cy="584775"/>
+          </a:xfrm>
+          <a:prstGeom prst="rect">
+            <a:avLst/>
+          </a:prstGeom>
+          <a:noFill/>
+        </p:spPr>
+        <p:txBody>
+          <a:bodyPr wrap="square" rtlCol="0">
+            <a:spAutoFit/>
+          </a:bodyPr>
+          <a:lstStyle/>
+          <a:p>
+            <a:pPr algn="ctr" fontAlgn="base"/>
+            <a:r>
+              <a:rPr lang="en-IN" sz="3200" b="1" dirty="0" err="1">
+                <a:solidFill>
+                  <a:srgbClr val="273239"/>
+                </a:solidFill>
+              </a:rPr>
+              <a:t>Threadsafe</a:t>
+            </a:r>
+            <a:r>
+              <a:rPr lang="en-IN" sz="3200" b="1" dirty="0">
+                <a:solidFill>
+                  <a:srgbClr val="273239"/>
+                </a:solidFill>
+              </a:rPr>
+              <a:t> collection</a:t>
+            </a:r>
+          </a:p>
+        </p:txBody>
+      </p:sp>
+      <p:sp>
+        <p:nvSpPr>
+          <p:cNvPr id="9" name="TextBox 8">
+            <a:extLst>
+              <a:ext uri="{FF2B5EF4-FFF2-40B4-BE49-F238E27FC236}">
+                <a16:creationId xmlns:a16="http://schemas.microsoft.com/office/drawing/2014/main" id="{EDEB00A6-484F-34CF-7A98-CDB34CA47591}"/>
+              </a:ext>
+            </a:extLst>
+          </p:cNvPr>
+          <p:cNvSpPr txBox="1"/>
+          <p:nvPr/>
+        </p:nvSpPr>
+        <p:spPr>
+          <a:xfrm>
+            <a:off x="545123" y="1239715"/>
+            <a:ext cx="10339754" cy="5355312"/>
+          </a:xfrm>
+          <a:prstGeom prst="rect">
+            <a:avLst/>
+          </a:prstGeom>
+          <a:noFill/>
+        </p:spPr>
+        <p:txBody>
+          <a:bodyPr wrap="square" rtlCol="0">
+            <a:spAutoFit/>
+          </a:bodyPr>
+          <a:lstStyle/>
+          <a:p>
+            <a:pPr>
+              <a:buNone/>
+            </a:pPr>
+            <a:r>
+              <a:rPr lang="en-US" dirty="0"/>
+              <a:t>Using </a:t>
+            </a:r>
+            <a:r>
+              <a:rPr lang="en-US" b="1" dirty="0"/>
+              <a:t>async controllers</a:t>
+            </a:r>
+            <a:r>
+              <a:rPr lang="en-US" dirty="0"/>
+              <a:t> in ASP.NET MVC provides several benefits, especially for handling </a:t>
+            </a:r>
+            <a:r>
+              <a:rPr lang="en-US" b="1" dirty="0"/>
+              <a:t>I/O-bound operations</a:t>
+            </a:r>
+            <a:r>
+              <a:rPr lang="en-US" dirty="0"/>
+              <a:t> like database queries, API calls, and file processing. Here’s why they are useful:</a:t>
+            </a:r>
+          </a:p>
+          <a:p>
+            <a:pPr>
+              <a:buNone/>
+            </a:pPr>
+            <a:endParaRPr lang="en-US" dirty="0"/>
+          </a:p>
+          <a:p>
+            <a:pPr>
+              <a:buNone/>
+            </a:pPr>
+            <a:r>
+              <a:rPr lang="en-US" b="1" dirty="0"/>
+              <a:t>1. Improves Scalability</a:t>
+            </a:r>
+          </a:p>
+          <a:p>
+            <a:pPr>
+              <a:buFont typeface="Arial" panose="020B0604020202020204" pitchFamily="34" charset="0"/>
+              <a:buChar char="•"/>
+            </a:pPr>
+            <a:r>
+              <a:rPr lang="en-US" dirty="0"/>
+              <a:t>Async controllers </a:t>
+            </a:r>
+            <a:r>
+              <a:rPr lang="en-US" b="1" dirty="0"/>
+              <a:t>free up server threads</a:t>
+            </a:r>
+            <a:r>
+              <a:rPr lang="en-US" dirty="0"/>
+              <a:t> while waiting for I/O operations.</a:t>
+            </a:r>
+          </a:p>
+          <a:p>
+            <a:pPr>
+              <a:buFont typeface="Arial" panose="020B0604020202020204" pitchFamily="34" charset="0"/>
+              <a:buChar char="•"/>
+            </a:pPr>
+            <a:r>
+              <a:rPr lang="en-US" dirty="0"/>
+              <a:t>More requests can be handled simultaneously, improving </a:t>
+            </a:r>
+            <a:r>
+              <a:rPr lang="en-US" b="1" dirty="0"/>
+              <a:t>server efficiency</a:t>
+            </a:r>
+            <a:r>
+              <a:rPr lang="en-US" dirty="0"/>
+              <a:t>.</a:t>
+            </a:r>
+          </a:p>
+          <a:p>
+            <a:pPr>
+              <a:buFont typeface="Arial" panose="020B0604020202020204" pitchFamily="34" charset="0"/>
+              <a:buChar char="•"/>
+            </a:pPr>
+            <a:endParaRPr lang="en-US" dirty="0"/>
+          </a:p>
+          <a:p>
+            <a:pPr>
+              <a:buNone/>
+            </a:pPr>
+            <a:r>
+              <a:rPr lang="en-US" b="1" dirty="0"/>
+              <a:t>2. Prevents Blocking</a:t>
+            </a:r>
+          </a:p>
+          <a:p>
+            <a:pPr>
+              <a:buFont typeface="Arial" panose="020B0604020202020204" pitchFamily="34" charset="0"/>
+              <a:buChar char="•"/>
+            </a:pPr>
+            <a:r>
+              <a:rPr lang="en-US" dirty="0"/>
+              <a:t>Traditional synchronous methods </a:t>
+            </a:r>
+            <a:r>
+              <a:rPr lang="en-US" b="1" dirty="0"/>
+              <a:t>block</a:t>
+            </a:r>
+            <a:r>
+              <a:rPr lang="en-US" dirty="0"/>
+              <a:t> the request thread until completion.</a:t>
+            </a:r>
+          </a:p>
+          <a:p>
+            <a:pPr>
+              <a:buFont typeface="Arial" panose="020B0604020202020204" pitchFamily="34" charset="0"/>
+              <a:buChar char="•"/>
+            </a:pPr>
+            <a:r>
+              <a:rPr lang="en-US" dirty="0"/>
+              <a:t>Async methods </a:t>
+            </a:r>
+            <a:r>
+              <a:rPr lang="en-US" b="1" dirty="0"/>
+              <a:t>release</a:t>
+            </a:r>
+            <a:r>
+              <a:rPr lang="en-US" dirty="0"/>
+              <a:t> the thread while waiting, allowing other requests to be processed.</a:t>
+            </a:r>
+          </a:p>
+          <a:p>
+            <a:pPr>
+              <a:buFont typeface="Arial" panose="020B0604020202020204" pitchFamily="34" charset="0"/>
+              <a:buChar char="•"/>
+            </a:pPr>
+            <a:endParaRPr lang="en-US" dirty="0"/>
+          </a:p>
+          <a:p>
+            <a:pPr>
+              <a:buNone/>
+            </a:pPr>
+            <a:r>
+              <a:rPr lang="en-US" b="1" dirty="0"/>
+              <a:t>3. Enhances Performance for I/O Operations</a:t>
+            </a:r>
+          </a:p>
+          <a:p>
+            <a:pPr>
+              <a:buFont typeface="Arial" panose="020B0604020202020204" pitchFamily="34" charset="0"/>
+              <a:buChar char="•"/>
+            </a:pPr>
+            <a:r>
+              <a:rPr lang="en-US" dirty="0"/>
+              <a:t>Ideal for </a:t>
+            </a:r>
+            <a:r>
+              <a:rPr lang="en-US" b="1" dirty="0"/>
+              <a:t>database queries</a:t>
+            </a:r>
+            <a:r>
+              <a:rPr lang="en-US" dirty="0"/>
+              <a:t>, </a:t>
+            </a:r>
+            <a:r>
+              <a:rPr lang="en-US" b="1" dirty="0"/>
+              <a:t>web service calls</a:t>
+            </a:r>
+            <a:r>
+              <a:rPr lang="en-US" dirty="0"/>
+              <a:t>, and </a:t>
+            </a:r>
+            <a:r>
+              <a:rPr lang="en-US" b="1" dirty="0"/>
+              <a:t>file operations</a:t>
+            </a:r>
+            <a:r>
+              <a:rPr lang="en-US" dirty="0"/>
+              <a:t>.</a:t>
+            </a:r>
+          </a:p>
+          <a:p>
+            <a:pPr>
+              <a:buFont typeface="Arial" panose="020B0604020202020204" pitchFamily="34" charset="0"/>
+              <a:buChar char="•"/>
+            </a:pPr>
+            <a:r>
+              <a:rPr lang="en-US" dirty="0"/>
+              <a:t>Reduces </a:t>
+            </a:r>
+            <a:r>
+              <a:rPr lang="en-US" b="1" dirty="0"/>
+              <a:t>thread pool exhaustion</a:t>
+            </a:r>
+            <a:r>
+              <a:rPr lang="en-US" dirty="0"/>
+              <a:t>, making applications more responsive.</a:t>
+            </a:r>
+          </a:p>
+          <a:p>
+            <a:pPr>
+              <a:buFont typeface="Arial" panose="020B0604020202020204" pitchFamily="34" charset="0"/>
+              <a:buChar char="•"/>
+            </a:pPr>
+            <a:endParaRPr lang="en-US" dirty="0"/>
+          </a:p>
+          <a:p>
+            <a:pPr>
+              <a:buNone/>
+            </a:pPr>
+            <a:r>
+              <a:rPr lang="en-US" b="1" dirty="0"/>
+              <a:t>4. Better User Experience</a:t>
+            </a:r>
+          </a:p>
+          <a:p>
+            <a:pPr>
+              <a:buFont typeface="Arial" panose="020B0604020202020204" pitchFamily="34" charset="0"/>
+              <a:buChar char="•"/>
+            </a:pPr>
+            <a:r>
+              <a:rPr lang="en-US" dirty="0"/>
+              <a:t>In </a:t>
+            </a:r>
+            <a:r>
+              <a:rPr lang="en-US" b="1" dirty="0"/>
+              <a:t>web applications</a:t>
+            </a:r>
+            <a:r>
+              <a:rPr lang="en-US" dirty="0"/>
+              <a:t>, async controllers prevent UI freezing.</a:t>
+            </a:r>
+          </a:p>
+          <a:p>
+            <a:pPr>
+              <a:buFont typeface="Arial" panose="020B0604020202020204" pitchFamily="34" charset="0"/>
+              <a:buChar char="•"/>
+            </a:pPr>
+            <a:r>
+              <a:rPr lang="en-US" dirty="0"/>
+              <a:t>Users experience </a:t>
+            </a:r>
+            <a:r>
+              <a:rPr lang="en-US" b="1" dirty="0"/>
+              <a:t>faster response times</a:t>
+            </a:r>
+            <a:r>
+              <a:rPr lang="en-US" dirty="0"/>
+              <a:t> even when processing large data.</a:t>
+            </a:r>
+          </a:p>
+          <a:p>
+            <a:endParaRPr lang="en-IN" dirty="0"/>
+          </a:p>
+        </p:txBody>
+      </p:sp>
+    </p:spTree>
+    <p:extLst>
+      <p:ext uri="{BB962C8B-B14F-4D97-AF65-F5344CB8AC3E}">
+        <p14:creationId xmlns:p14="http://schemas.microsoft.com/office/powerpoint/2010/main" val="1262339226"/>
+      </p:ext>
+    </p:extLst>
+  </p:cSld>
+  <p:clrMapOvr>
+    <a:masterClrMapping/>
+  </p:clrMapOvr>
+</p:sld>
+</file>
+
+<file path=ppt/slides/slide25.xml><?xml version="1.0" encoding="utf-8"?>
+<p:sld xmlns:a="http://schemas.openxmlformats.org/drawingml/2006/main" xmlns:r="http://schemas.openxmlformats.org/officeDocument/2006/relationships" xmlns:p="http://schemas.openxmlformats.org/presentationml/2006/main">
+  <p:cSld>
+    <p:spTree>
+      <p:nvGrpSpPr>
+        <p:cNvPr id="1" name="">
+          <a:extLst>
+            <a:ext uri="{FF2B5EF4-FFF2-40B4-BE49-F238E27FC236}">
+              <a16:creationId xmlns:a16="http://schemas.microsoft.com/office/drawing/2014/main" id="{9855B2FB-77C5-F52D-E4E7-411C3387AF10}"/>
+            </a:ext>
+          </a:extLst>
+        </p:cNvPr>
+        <p:cNvGrpSpPr/>
+        <p:nvPr/>
+      </p:nvGrpSpPr>
+      <p:grpSpPr>
+        <a:xfrm>
+          <a:off x="0" y="0"/>
+          <a:ext cx="0" cy="0"/>
+          <a:chOff x="0" y="0"/>
+          <a:chExt cx="0" cy="0"/>
+        </a:xfrm>
+      </p:grpSpPr>
+      <p:sp>
+        <p:nvSpPr>
+          <p:cNvPr id="6" name="TextBox 5">
+            <a:extLst>
+              <a:ext uri="{FF2B5EF4-FFF2-40B4-BE49-F238E27FC236}">
+                <a16:creationId xmlns:a16="http://schemas.microsoft.com/office/drawing/2014/main" id="{36E49E93-1CF8-0D9E-1E03-EBFC7E28034F}"/>
+              </a:ext>
+            </a:extLst>
+          </p:cNvPr>
+          <p:cNvSpPr txBox="1"/>
+          <p:nvPr/>
+        </p:nvSpPr>
+        <p:spPr>
+          <a:xfrm>
+            <a:off x="1274885" y="495521"/>
+            <a:ext cx="8484577" cy="584775"/>
+          </a:xfrm>
+          <a:prstGeom prst="rect">
+            <a:avLst/>
+          </a:prstGeom>
+          <a:noFill/>
+        </p:spPr>
+        <p:txBody>
+          <a:bodyPr wrap="square" rtlCol="0">
+            <a:spAutoFit/>
+          </a:bodyPr>
+          <a:lstStyle/>
+          <a:p>
+            <a:pPr algn="ctr" fontAlgn="base"/>
+            <a:r>
+              <a:rPr lang="en-IN" sz="3200" b="1" i="0" dirty="0">
+                <a:solidFill>
+                  <a:srgbClr val="273239"/>
+                </a:solidFill>
+                <a:effectLst/>
+              </a:rPr>
+              <a:t>Async Controller benefit</a:t>
+            </a:r>
+            <a:endParaRPr lang="en-IN" sz="3200" b="1" dirty="0">
+              <a:solidFill>
+                <a:srgbClr val="273239"/>
+              </a:solidFill>
+            </a:endParaRPr>
+          </a:p>
+        </p:txBody>
+      </p:sp>
+      <p:sp>
+        <p:nvSpPr>
+          <p:cNvPr id="9" name="TextBox 8">
+            <a:extLst>
+              <a:ext uri="{FF2B5EF4-FFF2-40B4-BE49-F238E27FC236}">
+                <a16:creationId xmlns:a16="http://schemas.microsoft.com/office/drawing/2014/main" id="{911629C9-DE0E-4587-F629-4DD1189F17A3}"/>
+              </a:ext>
+            </a:extLst>
+          </p:cNvPr>
+          <p:cNvSpPr txBox="1"/>
+          <p:nvPr/>
+        </p:nvSpPr>
+        <p:spPr>
+          <a:xfrm>
+            <a:off x="545123" y="1239715"/>
+            <a:ext cx="10339754" cy="4385816"/>
+          </a:xfrm>
+          <a:prstGeom prst="rect">
+            <a:avLst/>
+          </a:prstGeom>
+          <a:noFill/>
+        </p:spPr>
+        <p:txBody>
+          <a:bodyPr wrap="square" rtlCol="0">
+            <a:spAutoFit/>
+          </a:bodyPr>
+          <a:lstStyle/>
+          <a:p>
+            <a:pPr>
+              <a:buNone/>
+            </a:pPr>
+            <a:r>
+              <a:rPr lang="en-US" dirty="0"/>
+              <a:t>In C#, </a:t>
+            </a:r>
+            <a:r>
+              <a:rPr lang="en-US" b="1" dirty="0"/>
+              <a:t>thread-safe collections</a:t>
+            </a:r>
+            <a:r>
+              <a:rPr lang="en-US" dirty="0"/>
+              <a:t> ensure that multiple threads can safely access and modify data without causing race conditions or data corruption. The </a:t>
+            </a:r>
+            <a:r>
+              <a:rPr lang="en-US" b="1" dirty="0" err="1"/>
+              <a:t>System.Collections.Concurrent</a:t>
+            </a:r>
+            <a:r>
+              <a:rPr lang="en-US" dirty="0"/>
+              <a:t> namespace provides several built-in thread-safe collections:</a:t>
+            </a:r>
+          </a:p>
+          <a:p>
+            <a:pPr>
+              <a:buNone/>
+            </a:pPr>
+            <a:endParaRPr lang="en-US" dirty="0"/>
+          </a:p>
+          <a:p>
+            <a:pPr marL="342900" indent="-342900">
+              <a:lnSpc>
+                <a:spcPct val="150000"/>
+              </a:lnSpc>
+              <a:buAutoNum type="arabicPeriod"/>
+            </a:pPr>
+            <a:r>
+              <a:rPr lang="en-IN" dirty="0"/>
+              <a:t>ConcurrentDictionary&lt;</a:t>
+            </a:r>
+            <a:r>
+              <a:rPr lang="en-IN" dirty="0" err="1"/>
+              <a:t>TKey</a:t>
+            </a:r>
+            <a:r>
+              <a:rPr lang="en-IN" dirty="0"/>
+              <a:t>, TValue&gt;</a:t>
+            </a:r>
+            <a:endParaRPr lang="en-US" dirty="0"/>
+          </a:p>
+          <a:p>
+            <a:pPr marL="342900" indent="-342900">
+              <a:lnSpc>
+                <a:spcPct val="150000"/>
+              </a:lnSpc>
+              <a:buAutoNum type="arabicPeriod"/>
+            </a:pPr>
+            <a:r>
+              <a:rPr lang="en-IN" dirty="0" err="1"/>
+              <a:t>ConcurrentQueue</a:t>
+            </a:r>
+            <a:r>
+              <a:rPr lang="en-IN" dirty="0"/>
+              <a:t>&lt;T&gt;</a:t>
+            </a:r>
+            <a:endParaRPr lang="en-US" dirty="0"/>
+          </a:p>
+          <a:p>
+            <a:pPr marL="342900" indent="-342900">
+              <a:lnSpc>
+                <a:spcPct val="150000"/>
+              </a:lnSpc>
+              <a:buAutoNum type="arabicPeriod"/>
+            </a:pPr>
+            <a:r>
+              <a:rPr lang="en-IN" dirty="0" err="1"/>
+              <a:t>ConcurrentStack</a:t>
+            </a:r>
+            <a:r>
+              <a:rPr lang="en-IN" dirty="0"/>
+              <a:t>&lt;T&gt;</a:t>
+            </a:r>
+            <a:endParaRPr lang="en-US" dirty="0"/>
+          </a:p>
+          <a:p>
+            <a:pPr marL="342900" indent="-342900">
+              <a:lnSpc>
+                <a:spcPct val="150000"/>
+              </a:lnSpc>
+              <a:buAutoNum type="arabicPeriod"/>
+            </a:pPr>
+            <a:r>
+              <a:rPr lang="en-IN" dirty="0" err="1"/>
+              <a:t>ConcurrentBag</a:t>
+            </a:r>
+            <a:r>
+              <a:rPr lang="en-IN" dirty="0"/>
+              <a:t>&lt;T&gt;</a:t>
+            </a:r>
+            <a:endParaRPr lang="en-US" dirty="0"/>
+          </a:p>
+          <a:p>
+            <a:pPr marL="342900" indent="-342900">
+              <a:lnSpc>
+                <a:spcPct val="150000"/>
+              </a:lnSpc>
+              <a:buAutoNum type="arabicPeriod"/>
+            </a:pPr>
+            <a:r>
+              <a:rPr lang="en-IN" dirty="0" err="1"/>
+              <a:t>BlockingCollection</a:t>
+            </a:r>
+            <a:r>
+              <a:rPr lang="en-IN" dirty="0"/>
+              <a:t>&lt;T&gt;</a:t>
+            </a:r>
+          </a:p>
+          <a:p>
+            <a:pPr marL="342900" indent="-342900">
+              <a:buAutoNum type="arabicPeriod"/>
+            </a:pPr>
+            <a:endParaRPr lang="en-IN" dirty="0"/>
+          </a:p>
+          <a:p>
+            <a:pPr marL="342900" indent="-342900">
+              <a:buFont typeface="Arial" panose="020B0604020202020204" pitchFamily="34" charset="0"/>
+              <a:buChar char="•"/>
+            </a:pPr>
+            <a:r>
+              <a:rPr lang="en-US" dirty="0"/>
+              <a:t>Prevents </a:t>
+            </a:r>
+            <a:r>
+              <a:rPr lang="en-US" b="1" dirty="0"/>
+              <a:t>race conditions</a:t>
+            </a:r>
+            <a:r>
+              <a:rPr lang="en-US" dirty="0"/>
+              <a:t> in multi-threaded applications. </a:t>
+            </a:r>
+          </a:p>
+          <a:p>
+            <a:pPr marL="342900" indent="-342900">
+              <a:buFont typeface="Arial" panose="020B0604020202020204" pitchFamily="34" charset="0"/>
+              <a:buChar char="•"/>
+            </a:pPr>
+            <a:r>
+              <a:rPr lang="en-US" dirty="0"/>
+              <a:t>✅ Improves </a:t>
+            </a:r>
+            <a:r>
+              <a:rPr lang="en-US" b="1" dirty="0"/>
+              <a:t>performance</a:t>
+            </a:r>
+            <a:r>
+              <a:rPr lang="en-US" dirty="0"/>
+              <a:t> by avoiding unnecessary locks. </a:t>
+            </a:r>
+          </a:p>
+          <a:p>
+            <a:pPr marL="342900" indent="-342900">
+              <a:buFont typeface="Arial" panose="020B0604020202020204" pitchFamily="34" charset="0"/>
+              <a:buChar char="•"/>
+            </a:pPr>
+            <a:r>
+              <a:rPr lang="en-US" dirty="0"/>
+              <a:t>✅ Ensures </a:t>
+            </a:r>
+            <a:r>
+              <a:rPr lang="en-US" b="1" dirty="0"/>
+              <a:t>data integrity</a:t>
+            </a:r>
+            <a:r>
+              <a:rPr lang="en-US" dirty="0"/>
+              <a:t> when accessed by multiple threads.</a:t>
+            </a:r>
+          </a:p>
+        </p:txBody>
+      </p:sp>
+    </p:spTree>
+    <p:extLst>
+      <p:ext uri="{BB962C8B-B14F-4D97-AF65-F5344CB8AC3E}">
+        <p14:creationId xmlns:p14="http://schemas.microsoft.com/office/powerpoint/2010/main" val="190811902"/>
       </p:ext>
     </p:extLst>
   </p:cSld>
